--- a/Juno运行AI界面模板1.0.pptx
+++ b/Juno运行AI界面模板1.0.pptx
@@ -5,19 +5,19 @@
     <p:sldMasterId id="2147483648" r:id="rId1"/>
   </p:sldMasterIdLst>
   <p:notesMasterIdLst>
-    <p:notesMasterId r:id="rId5"/>
+    <p:notesMasterId r:id="rId9"/>
   </p:notesMasterIdLst>
   <p:handoutMasterIdLst>
-    <p:handoutMasterId r:id="rId11"/>
+    <p:handoutMasterId r:id="rId10"/>
   </p:handoutMasterIdLst>
   <p:sldIdLst>
-    <p:sldId id="256" r:id="rId3"/>
-    <p:sldId id="257" r:id="rId4"/>
-    <p:sldId id="258" r:id="rId6"/>
-    <p:sldId id="259" r:id="rId7"/>
-    <p:sldId id="260" r:id="rId8"/>
-    <p:sldId id="261" r:id="rId9"/>
-    <p:sldId id="262" r:id="rId10"/>
+    <p:sldId id="256" r:id="rId2"/>
+    <p:sldId id="257" r:id="rId3"/>
+    <p:sldId id="258" r:id="rId4"/>
+    <p:sldId id="259" r:id="rId5"/>
+    <p:sldId id="260" r:id="rId6"/>
+    <p:sldId id="261" r:id="rId7"/>
+    <p:sldId id="262" r:id="rId8"/>
   </p:sldIdLst>
   <p:sldSz cx="12192000" cy="6858000"/>
   <p:notesSz cx="6858000" cy="9144000"/>
@@ -116,11 +116,16 @@
       </a:defRPr>
     </a:lvl9pPr>
   </p:defaultTextStyle>
+  <p:extLst>
+    <p:ext uri="{EFAFB233-063F-42B5-8137-9DF3F51BA10A}">
+      <p15:sldGuideLst xmlns:p15="http://schemas.microsoft.com/office/powerpoint/2012/main"/>
+    </p:ext>
+  </p:extLst>
 </p:presentation>
 </file>
 
 <file path=ppt/charts/chart1.xml><?xml version="1.0" encoding="utf-8"?>
-<c:chartSpace xmlns:c="http://schemas.openxmlformats.org/drawingml/2006/chart" xmlns:a="http://schemas.openxmlformats.org/drawingml/2006/main" xmlns:r="http://schemas.openxmlformats.org/officeDocument/2006/relationships">
+<c:chartSpace xmlns:c="http://schemas.openxmlformats.org/drawingml/2006/chart" xmlns:a="http://schemas.openxmlformats.org/drawingml/2006/main" xmlns:r="http://schemas.openxmlformats.org/officeDocument/2006/relationships" xmlns:c16r2="http://schemas.microsoft.com/office/drawing/2015/06/chart">
   <c:date1904 val="0"/>
   <c:lang val="zh-CN"/>
   <c:roundedCorners val="0"/>
@@ -177,34 +182,31 @@
               <a:effectLst/>
             </c:spPr>
           </c:marker>
-          <c:dLbls>
-            <c:delete val="1"/>
-          </c:dLbls>
           <c:cat>
             <c:numRef>
               <c:f>Sheet1!$A$2:$A$8</c:f>
               <c:numCache>
                 <c:formatCode>d\-mmm</c:formatCode>
                 <c:ptCount val="7"/>
-                <c:pt idx="0" c:formatCode="d\-mmm">
+                <c:pt idx="0">
                   <c:v>44136</c:v>
                 </c:pt>
-                <c:pt idx="1" c:formatCode="d\-mmm">
+                <c:pt idx="1">
                   <c:v>44137</c:v>
                 </c:pt>
-                <c:pt idx="2" c:formatCode="d\-mmm">
+                <c:pt idx="2">
                   <c:v>44138</c:v>
                 </c:pt>
-                <c:pt idx="3" c:formatCode="d\-mmm">
+                <c:pt idx="3">
                   <c:v>44139</c:v>
                 </c:pt>
-                <c:pt idx="4" c:formatCode="d\-mmm">
+                <c:pt idx="4">
                   <c:v>44140</c:v>
                 </c:pt>
-                <c:pt idx="5" c:formatCode="d\-mmm">
+                <c:pt idx="5">
                   <c:v>44141</c:v>
                 </c:pt>
-                <c:pt idx="6" c:formatCode="d\-mmm">
+                <c:pt idx="6">
                   <c:v>44142</c:v>
                 </c:pt>
               </c:numCache>
@@ -241,6 +243,11 @@
             </c:numRef>
           </c:val>
           <c:smooth val="0"/>
+          <c:extLst>
+            <c:ext xmlns:c16="http://schemas.microsoft.com/office/drawing/2014/chart" uri="{C3380CC4-5D6E-409C-BE32-E72D297353CC}">
+              <c16:uniqueId val="{00000000-90E5-422F-937D-34F24B009340}"/>
+            </c:ext>
+          </c:extLst>
         </c:ser>
         <c:dLbls>
           <c:showLegendKey val="0"/>
@@ -262,6 +269,7 @@
         </c:scaling>
         <c:delete val="0"/>
         <c:axPos val="b"/>
+        <c:numFmt formatCode="d\-mmm" sourceLinked="0"/>
         <c:majorTickMark val="out"/>
         <c:minorTickMark val="none"/>
         <c:tickLblPos val="nextTo"/>
@@ -295,6 +303,7 @@
                 <a:cs typeface="+mn-cs"/>
               </a:defRPr>
             </a:pPr>
+            <a:endParaRPr lang="zh-CN"/>
           </a:p>
         </c:txPr>
         <c:crossAx val="620313186"/>
@@ -354,6 +363,7 @@
                 <a:cs typeface="+mn-cs"/>
               </a:defRPr>
             </a:pPr>
+            <a:endParaRPr lang="zh-CN"/>
           </a:p>
         </c:txPr>
         <c:crossAx val="360999679"/>
@@ -386,16 +396,17 @@
       <a:pPr>
         <a:defRPr lang="en-US"/>
       </a:pPr>
+      <a:endParaRPr lang="zh-CN"/>
     </a:p>
   </c:txPr>
-  <c:externalData r:id="rId1">
+  <c:externalData r:id="rId3">
     <c:autoUpdate val="0"/>
   </c:externalData>
 </c:chartSpace>
 </file>
 
 <file path=ppt/charts/chart2.xml><?xml version="1.0" encoding="utf-8"?>
-<c:chartSpace xmlns:c="http://schemas.openxmlformats.org/drawingml/2006/chart" xmlns:a="http://schemas.openxmlformats.org/drawingml/2006/main" xmlns:r="http://schemas.openxmlformats.org/officeDocument/2006/relationships">
+<c:chartSpace xmlns:c="http://schemas.openxmlformats.org/drawingml/2006/chart" xmlns:a="http://schemas.openxmlformats.org/drawingml/2006/main" xmlns:r="http://schemas.openxmlformats.org/officeDocument/2006/relationships" xmlns:c16r2="http://schemas.microsoft.com/office/drawing/2015/06/chart">
   <c:date1904 val="0"/>
   <c:lang val="zh-CN"/>
   <c:roundedCorners val="0"/>
@@ -452,34 +463,31 @@
               <a:effectLst/>
             </c:spPr>
           </c:marker>
-          <c:dLbls>
-            <c:delete val="1"/>
-          </c:dLbls>
           <c:cat>
             <c:numRef>
               <c:f>Sheet1!$A$2:$A$8</c:f>
               <c:numCache>
                 <c:formatCode>d\-mmm</c:formatCode>
                 <c:ptCount val="7"/>
-                <c:pt idx="0" c:formatCode="d\-mmm">
+                <c:pt idx="0">
                   <c:v>44136</c:v>
                 </c:pt>
-                <c:pt idx="1" c:formatCode="d\-mmm">
+                <c:pt idx="1">
                   <c:v>44137</c:v>
                 </c:pt>
-                <c:pt idx="2" c:formatCode="d\-mmm">
+                <c:pt idx="2">
                   <c:v>44138</c:v>
                 </c:pt>
-                <c:pt idx="3" c:formatCode="d\-mmm">
+                <c:pt idx="3">
                   <c:v>44139</c:v>
                 </c:pt>
-                <c:pt idx="4" c:formatCode="d\-mmm">
+                <c:pt idx="4">
                   <c:v>44140</c:v>
                 </c:pt>
-                <c:pt idx="5" c:formatCode="d\-mmm">
+                <c:pt idx="5">
                   <c:v>44141</c:v>
                 </c:pt>
-                <c:pt idx="6" c:formatCode="d\-mmm">
+                <c:pt idx="6">
                   <c:v>44142</c:v>
                 </c:pt>
               </c:numCache>
@@ -516,6 +524,11 @@
             </c:numRef>
           </c:val>
           <c:smooth val="0"/>
+          <c:extLst>
+            <c:ext xmlns:c16="http://schemas.microsoft.com/office/drawing/2014/chart" uri="{C3380CC4-5D6E-409C-BE32-E72D297353CC}">
+              <c16:uniqueId val="{00000000-05A1-49DB-A46A-68E14059234D}"/>
+            </c:ext>
+          </c:extLst>
         </c:ser>
         <c:dLbls>
           <c:showLegendKey val="0"/>
@@ -537,6 +550,7 @@
         </c:scaling>
         <c:delete val="0"/>
         <c:axPos val="b"/>
+        <c:numFmt formatCode="d\-mmm" sourceLinked="0"/>
         <c:majorTickMark val="out"/>
         <c:minorTickMark val="none"/>
         <c:tickLblPos val="nextTo"/>
@@ -570,6 +584,7 @@
                 <a:cs typeface="+mn-cs"/>
               </a:defRPr>
             </a:pPr>
+            <a:endParaRPr lang="zh-CN"/>
           </a:p>
         </c:txPr>
         <c:crossAx val="620313186"/>
@@ -629,6 +644,7 @@
                 <a:cs typeface="+mn-cs"/>
               </a:defRPr>
             </a:pPr>
+            <a:endParaRPr lang="zh-CN"/>
           </a:p>
         </c:txPr>
         <c:crossAx val="360999679"/>
@@ -661,16 +677,17 @@
       <a:pPr>
         <a:defRPr lang="en-US"/>
       </a:pPr>
+      <a:endParaRPr lang="zh-CN"/>
     </a:p>
   </c:txPr>
-  <c:externalData r:id="rId1">
+  <c:externalData r:id="rId3">
     <c:autoUpdate val="0"/>
   </c:externalData>
 </c:chartSpace>
 </file>
 
 <file path=ppt/charts/chart3.xml><?xml version="1.0" encoding="utf-8"?>
-<c:chartSpace xmlns:c="http://schemas.openxmlformats.org/drawingml/2006/chart" xmlns:a="http://schemas.openxmlformats.org/drawingml/2006/main" xmlns:r="http://schemas.openxmlformats.org/officeDocument/2006/relationships">
+<c:chartSpace xmlns:c="http://schemas.openxmlformats.org/drawingml/2006/chart" xmlns:a="http://schemas.openxmlformats.org/drawingml/2006/main" xmlns:r="http://schemas.openxmlformats.org/officeDocument/2006/relationships" xmlns:c16r2="http://schemas.microsoft.com/office/drawing/2015/06/chart">
   <c:date1904 val="0"/>
   <c:lang val="zh-CN"/>
   <c:roundedCorners val="0"/>
@@ -703,10 +720,9 @@
               </a:defRPr>
             </a:pPr>
             <a:r>
-              <a:rPr sz="1000"/>
+              <a:rPr lang="zh-CN" altLang="en-US" sz="1000"/>
               <a:t>二沉池影响因子</a:t>
             </a:r>
-            <a:endParaRPr sz="1000"/>
           </a:p>
         </c:rich>
       </c:tx>
@@ -714,8 +730,8 @@
         <c:manualLayout>
           <c:xMode val="edge"/>
           <c:yMode val="edge"/>
-          <c:x val="0.0396350866094929"/>
-          <c:y val="0.0357631360324282"/>
+          <c:x val="3.9635086609492901E-2"/>
+          <c:y val="3.57631360324282E-2"/>
         </c:manualLayout>
       </c:layout>
       <c:overlay val="0"/>
@@ -726,6 +742,26 @@
         </a:ln>
         <a:effectLst/>
       </c:spPr>
+      <c:txPr>
+        <a:bodyPr rot="0" spcFirstLastPara="0" vertOverflow="ellipsis" vert="horz" wrap="square" anchor="ctr" anchorCtr="1"/>
+        <a:lstStyle/>
+        <a:p>
+          <a:pPr defTabSz="914400">
+            <a:defRPr lang="en-US" sz="1000" b="1" i="0" u="none" strike="noStrike" kern="1200" spc="0" normalizeH="0" baseline="0">
+              <a:solidFill>
+                <a:schemeClr val="dk1">
+                  <a:lumMod val="50000"/>
+                  <a:lumOff val="50000"/>
+                </a:schemeClr>
+              </a:solidFill>
+              <a:latin typeface="+mj-lt"/>
+              <a:ea typeface="+mj-ea"/>
+              <a:cs typeface="+mj-cs"/>
+            </a:defRPr>
+          </a:pPr>
+          <a:endParaRPr lang="zh-CN"/>
+        </a:p>
+      </c:txPr>
     </c:title>
     <c:autoTitleDeleted val="0"/>
     <c:plotArea>
@@ -746,8 +782,6 @@
               </c:strCache>
             </c:strRef>
           </c:tx>
-          <c:spPr/>
-          <c:explosion val="0"/>
           <c:dPt>
             <c:idx val="0"/>
             <c:bubble3D val="0"/>
@@ -773,6 +807,11 @@
               </a:ln>
               <a:effectLst/>
             </c:spPr>
+            <c:extLst>
+              <c:ext xmlns:c16="http://schemas.microsoft.com/office/drawing/2014/chart" uri="{C3380CC4-5D6E-409C-BE32-E72D297353CC}">
+                <c16:uniqueId val="{00000001-7DCF-46A0-A833-F5F30DD3EF47}"/>
+              </c:ext>
+            </c:extLst>
           </c:dPt>
           <c:dPt>
             <c:idx val="1"/>
@@ -799,6 +838,11 @@
               </a:ln>
               <a:effectLst/>
             </c:spPr>
+            <c:extLst>
+              <c:ext xmlns:c16="http://schemas.microsoft.com/office/drawing/2014/chart" uri="{C3380CC4-5D6E-409C-BE32-E72D297353CC}">
+                <c16:uniqueId val="{00000003-7DCF-46A0-A833-F5F30DD3EF47}"/>
+              </c:ext>
+            </c:extLst>
           </c:dPt>
           <c:dPt>
             <c:idx val="2"/>
@@ -825,6 +869,11 @@
               </a:ln>
               <a:effectLst/>
             </c:spPr>
+            <c:extLst>
+              <c:ext xmlns:c16="http://schemas.microsoft.com/office/drawing/2014/chart" uri="{C3380CC4-5D6E-409C-BE32-E72D297353CC}">
+                <c16:uniqueId val="{00000005-7DCF-46A0-A833-F5F30DD3EF47}"/>
+              </c:ext>
+            </c:extLst>
           </c:dPt>
           <c:dPt>
             <c:idx val="3"/>
@@ -851,6 +900,11 @@
               </a:ln>
               <a:effectLst/>
             </c:spPr>
+            <c:extLst>
+              <c:ext xmlns:c16="http://schemas.microsoft.com/office/drawing/2014/chart" uri="{C3380CC4-5D6E-409C-BE32-E72D297353CC}">
+                <c16:uniqueId val="{00000007-7DCF-46A0-A833-F5F30DD3EF47}"/>
+              </c:ext>
+            </c:extLst>
           </c:dPt>
           <c:dPt>
             <c:idx val="4"/>
@@ -877,6 +931,11 @@
               </a:ln>
               <a:effectLst/>
             </c:spPr>
+            <c:extLst>
+              <c:ext xmlns:c16="http://schemas.microsoft.com/office/drawing/2014/chart" uri="{C3380CC4-5D6E-409C-BE32-E72D297353CC}">
+                <c16:uniqueId val="{00000009-7DCF-46A0-A833-F5F30DD3EF47}"/>
+              </c:ext>
+            </c:extLst>
           </c:dPt>
           <c:dPt>
             <c:idx val="5"/>
@@ -903,6 +962,11 @@
               </a:ln>
               <a:effectLst/>
             </c:spPr>
+            <c:extLst>
+              <c:ext xmlns:c16="http://schemas.microsoft.com/office/drawing/2014/chart" uri="{C3380CC4-5D6E-409C-BE32-E72D297353CC}">
+                <c16:uniqueId val="{0000000B-7DCF-46A0-A833-F5F30DD3EF47}"/>
+              </c:ext>
+            </c:extLst>
           </c:dPt>
           <c:dPt>
             <c:idx val="6"/>
@@ -932,6 +996,11 @@
               </a:ln>
               <a:effectLst/>
             </c:spPr>
+            <c:extLst>
+              <c:ext xmlns:c16="http://schemas.microsoft.com/office/drawing/2014/chart" uri="{C3380CC4-5D6E-409C-BE32-E72D297353CC}">
+                <c16:uniqueId val="{0000000D-7DCF-46A0-A833-F5F30DD3EF47}"/>
+              </c:ext>
+            </c:extLst>
           </c:dPt>
           <c:dLbls>
             <c:delete val="1"/>
@@ -987,7 +1056,7 @@
                   <c:v>3.9</c:v>
                 </c:pt>
                 <c:pt idx="5">
-                  <c:v>4.1</c:v>
+                  <c:v>4.0999999999999996</c:v>
                 </c:pt>
                 <c:pt idx="6">
                   <c:v>4</c:v>
@@ -995,6 +1064,11 @@
               </c:numCache>
             </c:numRef>
           </c:val>
+          <c:extLst>
+            <c:ext xmlns:c16="http://schemas.microsoft.com/office/drawing/2014/chart" uri="{C3380CC4-5D6E-409C-BE32-E72D297353CC}">
+              <c16:uniqueId val="{0000000E-7DCF-46A0-A833-F5F30DD3EF47}"/>
+            </c:ext>
+          </c:extLst>
         </c:ser>
         <c:dLbls>
           <c:showLegendKey val="0"/>
@@ -1017,7 +1091,6 @@
     </c:plotArea>
     <c:legend>
       <c:legendPos val="r"/>
-      <c:layout/>
       <c:overlay val="0"/>
       <c:spPr>
         <a:solidFill>
@@ -1047,6 +1120,7 @@
               <a:cs typeface="+mn-cs"/>
             </a:defRPr>
           </a:pPr>
+          <a:endParaRPr lang="zh-CN"/>
         </a:p>
       </c:txPr>
     </c:legend>
@@ -1073,16 +1147,17 @@
       <a:pPr>
         <a:defRPr lang="en-US"/>
       </a:pPr>
+      <a:endParaRPr lang="zh-CN"/>
     </a:p>
   </c:txPr>
-  <c:externalData r:id="rId1">
+  <c:externalData r:id="rId3">
     <c:autoUpdate val="0"/>
   </c:externalData>
 </c:chartSpace>
 </file>
 
 <file path=ppt/charts/chart4.xml><?xml version="1.0" encoding="utf-8"?>
-<c:chartSpace xmlns:c="http://schemas.openxmlformats.org/drawingml/2006/chart" xmlns:a="http://schemas.openxmlformats.org/drawingml/2006/main" xmlns:r="http://schemas.openxmlformats.org/officeDocument/2006/relationships">
+<c:chartSpace xmlns:c="http://schemas.openxmlformats.org/drawingml/2006/chart" xmlns:a="http://schemas.openxmlformats.org/drawingml/2006/main" xmlns:r="http://schemas.openxmlformats.org/officeDocument/2006/relationships" xmlns:c16r2="http://schemas.microsoft.com/office/drawing/2015/06/chart">
   <c:date1904 val="0"/>
   <c:lang val="zh-CN"/>
   <c:roundedCorners val="0"/>
@@ -1118,11 +1193,9 @@
               <a:rPr lang="" altLang="en-US" sz="1000"/>
               <a:t>DO趋势图</a:t>
             </a:r>
-            <a:endParaRPr lang="" altLang="en-US" sz="1000"/>
           </a:p>
         </c:rich>
       </c:tx>
-      <c:layout/>
       <c:overlay val="0"/>
       <c:spPr>
         <a:noFill/>
@@ -1131,6 +1204,26 @@
         </a:ln>
         <a:effectLst/>
       </c:spPr>
+      <c:txPr>
+        <a:bodyPr rot="0" spcFirstLastPara="0" vertOverflow="ellipsis" vert="horz" wrap="square" anchor="ctr" anchorCtr="1"/>
+        <a:lstStyle/>
+        <a:p>
+          <a:pPr defTabSz="914400">
+            <a:defRPr lang="en-US" sz="1000" b="0" i="0" u="none" strike="noStrike" kern="1200" spc="0" baseline="0">
+              <a:solidFill>
+                <a:schemeClr val="tx1">
+                  <a:lumMod val="65000"/>
+                  <a:lumOff val="35000"/>
+                </a:schemeClr>
+              </a:solidFill>
+              <a:latin typeface="+mn-lt"/>
+              <a:ea typeface="+mn-ea"/>
+              <a:cs typeface="+mn-cs"/>
+            </a:defRPr>
+          </a:pPr>
+          <a:endParaRPr lang="zh-CN"/>
+        </a:p>
+      </c:txPr>
     </c:title>
     <c:autoTitleDeleted val="0"/>
     <c:plotArea>
@@ -1176,9 +1269,6 @@
               <a:effectLst/>
             </c:spPr>
           </c:marker>
-          <c:dLbls>
-            <c:delete val="1"/>
-          </c:dLbls>
           <c:cat>
             <c:numRef>
               <c:f>Sheet1!$A$2:$A$8</c:f>
@@ -1213,12 +1303,17 @@
                   <c:v>3</c:v>
                 </c:pt>
                 <c:pt idx="6">
-                  <c:v>4.4</c:v>
+                  <c:v>4.4000000000000004</c:v>
                 </c:pt>
               </c:numCache>
             </c:numRef>
           </c:val>
           <c:smooth val="0"/>
+          <c:extLst>
+            <c:ext xmlns:c16="http://schemas.microsoft.com/office/drawing/2014/chart" uri="{C3380CC4-5D6E-409C-BE32-E72D297353CC}">
+              <c16:uniqueId val="{00000000-32A3-4418-9B7D-33989280B79A}"/>
+            </c:ext>
+          </c:extLst>
         </c:ser>
         <c:ser>
           <c:idx val="1"/>
@@ -1258,9 +1353,6 @@
               <a:effectLst/>
             </c:spPr>
           </c:marker>
-          <c:dLbls>
-            <c:delete val="1"/>
-          </c:dLbls>
           <c:cat>
             <c:numRef>
               <c:f>Sheet1!$A$2:$A$8</c:f>
@@ -1301,6 +1393,11 @@
             </c:numRef>
           </c:val>
           <c:smooth val="0"/>
+          <c:extLst>
+            <c:ext xmlns:c16="http://schemas.microsoft.com/office/drawing/2014/chart" uri="{C3380CC4-5D6E-409C-BE32-E72D297353CC}">
+              <c16:uniqueId val="{00000001-32A3-4418-9B7D-33989280B79A}"/>
+            </c:ext>
+          </c:extLst>
         </c:ser>
         <c:dLbls>
           <c:showLegendKey val="0"/>
@@ -1322,28 +1419,10 @@
         </c:scaling>
         <c:delete val="1"/>
         <c:axPos val="b"/>
+        <c:numFmt formatCode="General" sourceLinked="0"/>
         <c:majorTickMark val="none"/>
         <c:minorTickMark val="none"/>
         <c:tickLblPos val="nextTo"/>
-        <c:txPr>
-          <a:bodyPr rot="-60000000" spcFirstLastPara="0" vertOverflow="ellipsis" vert="horz" wrap="square" anchor="ctr" anchorCtr="1"/>
-          <a:lstStyle/>
-          <a:p>
-            <a:pPr>
-              <a:defRPr lang="en-US" sz="900" b="0" i="0" u="none" strike="noStrike" kern="1200" baseline="0">
-                <a:solidFill>
-                  <a:schemeClr val="tx1">
-                    <a:lumMod val="65000"/>
-                    <a:lumOff val="35000"/>
-                  </a:schemeClr>
-                </a:solidFill>
-                <a:latin typeface="+mn-lt"/>
-                <a:ea typeface="+mn-ea"/>
-                <a:cs typeface="+mn-cs"/>
-              </a:defRPr>
-            </a:pPr>
-          </a:p>
-        </c:txPr>
         <c:crossAx val="258525210"/>
         <c:crosses val="autoZero"/>
         <c:auto val="1"/>
@@ -1401,6 +1480,7 @@
                 <a:cs typeface="+mn-cs"/>
               </a:defRPr>
             </a:pPr>
+            <a:endParaRPr lang="zh-CN"/>
           </a:p>
         </c:txPr>
         <c:crossAx val="915543146"/>
@@ -1417,7 +1497,6 @@
     </c:plotArea>
     <c:legend>
       <c:legendPos val="b"/>
-      <c:layout/>
       <c:overlay val="0"/>
       <c:spPr>
         <a:noFill/>
@@ -1443,6 +1522,7 @@
               <a:cs typeface="+mn-cs"/>
             </a:defRPr>
           </a:pPr>
+          <a:endParaRPr lang="zh-CN"/>
         </a:p>
       </c:txPr>
     </c:legend>
@@ -1467,16 +1547,17 @@
       <a:pPr>
         <a:defRPr lang="en-US"/>
       </a:pPr>
+      <a:endParaRPr lang="zh-CN"/>
     </a:p>
   </c:txPr>
-  <c:externalData r:id="rId1">
+  <c:externalData r:id="rId3">
     <c:autoUpdate val="0"/>
   </c:externalData>
 </c:chartSpace>
 </file>
 
 <file path=ppt/charts/chart5.xml><?xml version="1.0" encoding="utf-8"?>
-<c:chartSpace xmlns:c="http://schemas.openxmlformats.org/drawingml/2006/chart" xmlns:a="http://schemas.openxmlformats.org/drawingml/2006/main" xmlns:r="http://schemas.openxmlformats.org/officeDocument/2006/relationships">
+<c:chartSpace xmlns:c="http://schemas.openxmlformats.org/drawingml/2006/chart" xmlns:a="http://schemas.openxmlformats.org/drawingml/2006/main" xmlns:r="http://schemas.openxmlformats.org/officeDocument/2006/relationships" xmlns:c16r2="http://schemas.microsoft.com/office/drawing/2015/06/chart">
   <c:date1904 val="0"/>
   <c:lang val="zh-CN"/>
   <c:roundedCorners val="0"/>
@@ -1512,11 +1593,9 @@
               <a:rPr lang="" altLang="en-US" sz="1000"/>
               <a:t>CBR-DO和能耗关系</a:t>
             </a:r>
-            <a:endParaRPr lang="" altLang="en-US" sz="1000"/>
           </a:p>
         </c:rich>
       </c:tx>
-      <c:layout/>
       <c:overlay val="0"/>
       <c:spPr>
         <a:noFill/>
@@ -1525,6 +1604,26 @@
         </a:ln>
         <a:effectLst/>
       </c:spPr>
+      <c:txPr>
+        <a:bodyPr rot="0" spcFirstLastPara="0" vertOverflow="ellipsis" vert="horz" wrap="square" anchor="ctr" anchorCtr="1"/>
+        <a:lstStyle/>
+        <a:p>
+          <a:pPr defTabSz="914400">
+            <a:defRPr lang="en-US" sz="1000" b="0" i="0" u="none" strike="noStrike" kern="1200" spc="0" baseline="0">
+              <a:solidFill>
+                <a:schemeClr val="tx1">
+                  <a:lumMod val="65000"/>
+                  <a:lumOff val="35000"/>
+                </a:schemeClr>
+              </a:solidFill>
+              <a:latin typeface="+mn-lt"/>
+              <a:ea typeface="+mn-ea"/>
+              <a:cs typeface="+mn-cs"/>
+            </a:defRPr>
+          </a:pPr>
+          <a:endParaRPr lang="zh-CN"/>
+        </a:p>
+      </c:txPr>
     </c:title>
     <c:autoTitleDeleted val="0"/>
     <c:plotArea>
@@ -1533,14 +1632,14 @@
           <c:layoutTarget val="inner"/>
           <c:xMode val="edge"/>
           <c:yMode val="edge"/>
-          <c:x val="0.243906864227396"/>
-          <c:y val="0.231436502428869"/>
-          <c:w val="0.632416087087995"/>
-          <c:h val="0.515058986814712"/>
+          <c:x val="0.24390686422739599"/>
+          <c:y val="0.23143650242886901"/>
+          <c:w val="0.63241608708799502"/>
+          <c:h val="0.51505898681471196"/>
         </c:manualLayout>
       </c:layout>
       <c:scatterChart>
-        <c:scatterStyle val="smooth"/>
+        <c:scatterStyle val="smoothMarker"/>
         <c:varyColors val="0"/>
         <c:ser>
           <c:idx val="0"/>
@@ -1568,9 +1667,6 @@
           <c:marker>
             <c:symbol val="none"/>
           </c:marker>
-          <c:dLbls>
-            <c:delete val="1"/>
-          </c:dLbls>
           <c:xVal>
             <c:numRef>
               <c:f>Sheet1!$A$2:$A$10</c:f>
@@ -1644,6 +1740,11 @@
             </c:numRef>
           </c:yVal>
           <c:smooth val="1"/>
+          <c:extLst>
+            <c:ext xmlns:c16="http://schemas.microsoft.com/office/drawing/2014/chart" uri="{C3380CC4-5D6E-409C-BE32-E72D297353CC}">
+              <c16:uniqueId val="{00000000-0D5E-4F2A-BBBD-40ACCCA085C4}"/>
+            </c:ext>
+          </c:extLst>
         </c:ser>
         <c:dLbls>
           <c:showLegendKey val="0"/>
@@ -1711,6 +1812,7 @@
                 <a:cs typeface="+mn-cs"/>
               </a:defRPr>
             </a:pPr>
+            <a:endParaRPr lang="zh-CN"/>
           </a:p>
         </c:txPr>
         <c:crossAx val="454845290"/>
@@ -1774,6 +1876,7 @@
                 <a:cs typeface="+mn-cs"/>
               </a:defRPr>
             </a:pPr>
+            <a:endParaRPr lang="zh-CN"/>
           </a:p>
         </c:txPr>
         <c:crossAx val="301232443"/>
@@ -1808,16 +1911,17 @@
       <a:pPr>
         <a:defRPr lang="en-US"/>
       </a:pPr>
+      <a:endParaRPr lang="zh-CN"/>
     </a:p>
   </c:txPr>
-  <c:externalData r:id="rId1">
+  <c:externalData r:id="rId3">
     <c:autoUpdate val="0"/>
   </c:externalData>
 </c:chartSpace>
 </file>
 
 <file path=ppt/charts/chart6.xml><?xml version="1.0" encoding="utf-8"?>
-<c:chartSpace xmlns:c="http://schemas.openxmlformats.org/drawingml/2006/chart" xmlns:a="http://schemas.openxmlformats.org/drawingml/2006/main" xmlns:r="http://schemas.openxmlformats.org/officeDocument/2006/relationships">
+<c:chartSpace xmlns:c="http://schemas.openxmlformats.org/drawingml/2006/chart" xmlns:a="http://schemas.openxmlformats.org/drawingml/2006/main" xmlns:r="http://schemas.openxmlformats.org/officeDocument/2006/relationships" xmlns:c16r2="http://schemas.microsoft.com/office/drawing/2015/06/chart">
   <c:date1904 val="0"/>
   <c:lang val="zh-CN"/>
   <c:roundedCorners val="0"/>
@@ -1853,11 +1957,9 @@
               <a:rPr lang="" altLang="en-US" sz="1000"/>
               <a:t>匀质池COD趋势</a:t>
             </a:r>
-            <a:endParaRPr lang="" altLang="en-US" sz="1000"/>
           </a:p>
         </c:rich>
       </c:tx>
-      <c:layout/>
       <c:overlay val="0"/>
       <c:spPr>
         <a:noFill/>
@@ -1866,6 +1968,26 @@
         </a:ln>
         <a:effectLst/>
       </c:spPr>
+      <c:txPr>
+        <a:bodyPr rot="0" spcFirstLastPara="0" vertOverflow="ellipsis" vert="horz" wrap="square" anchor="ctr" anchorCtr="1"/>
+        <a:lstStyle/>
+        <a:p>
+          <a:pPr defTabSz="914400">
+            <a:defRPr lang="en-US" sz="1000" b="0" i="0" u="none" strike="noStrike" kern="1200" spc="0" baseline="0">
+              <a:solidFill>
+                <a:schemeClr val="tx1">
+                  <a:lumMod val="65000"/>
+                  <a:lumOff val="35000"/>
+                </a:schemeClr>
+              </a:solidFill>
+              <a:latin typeface="+mn-lt"/>
+              <a:ea typeface="+mn-ea"/>
+              <a:cs typeface="+mn-cs"/>
+            </a:defRPr>
+          </a:pPr>
+          <a:endParaRPr lang="zh-CN"/>
+        </a:p>
+      </c:txPr>
     </c:title>
     <c:autoTitleDeleted val="0"/>
     <c:plotArea>
@@ -1911,9 +2033,6 @@
               <a:effectLst/>
             </c:spPr>
           </c:marker>
-          <c:dLbls>
-            <c:delete val="1"/>
-          </c:dLbls>
           <c:cat>
             <c:strRef>
               <c:f>Sheet1!$A$2:$A$15</c:f>
@@ -1968,6 +2087,11 @@
             </c:numRef>
           </c:val>
           <c:smooth val="0"/>
+          <c:extLst>
+            <c:ext xmlns:c16="http://schemas.microsoft.com/office/drawing/2014/chart" uri="{C3380CC4-5D6E-409C-BE32-E72D297353CC}">
+              <c16:uniqueId val="{00000000-F66B-4477-825A-B41DCA7B1B65}"/>
+            </c:ext>
+          </c:extLst>
         </c:ser>
         <c:ser>
           <c:idx val="1"/>
@@ -2007,9 +2131,6 @@
               <a:effectLst/>
             </c:spPr>
           </c:marker>
-          <c:dLbls>
-            <c:delete val="1"/>
-          </c:dLbls>
           <c:cat>
             <c:strRef>
               <c:f>Sheet1!$A$2:$A$15</c:f>
@@ -2061,6 +2182,11 @@
             </c:numRef>
           </c:val>
           <c:smooth val="0"/>
+          <c:extLst>
+            <c:ext xmlns:c16="http://schemas.microsoft.com/office/drawing/2014/chart" uri="{C3380CC4-5D6E-409C-BE32-E72D297353CC}">
+              <c16:uniqueId val="{00000001-F66B-4477-825A-B41DCA7B1B65}"/>
+            </c:ext>
+          </c:extLst>
         </c:ser>
         <c:dLbls>
           <c:showLegendKey val="0"/>
@@ -2082,28 +2208,10 @@
         </c:scaling>
         <c:delete val="1"/>
         <c:axPos val="b"/>
+        <c:numFmt formatCode="General" sourceLinked="0"/>
         <c:majorTickMark val="none"/>
         <c:minorTickMark val="none"/>
         <c:tickLblPos val="nextTo"/>
-        <c:txPr>
-          <a:bodyPr rot="-60000000" spcFirstLastPara="0" vertOverflow="ellipsis" vert="horz" wrap="square" anchor="ctr" anchorCtr="1"/>
-          <a:lstStyle/>
-          <a:p>
-            <a:pPr>
-              <a:defRPr lang="en-US" sz="900" b="0" i="0" u="none" strike="noStrike" kern="1200" baseline="0">
-                <a:solidFill>
-                  <a:schemeClr val="tx1">
-                    <a:lumMod val="65000"/>
-                    <a:lumOff val="35000"/>
-                  </a:schemeClr>
-                </a:solidFill>
-                <a:latin typeface="+mn-lt"/>
-                <a:ea typeface="+mn-ea"/>
-                <a:cs typeface="+mn-cs"/>
-              </a:defRPr>
-            </a:pPr>
-          </a:p>
-        </c:txPr>
         <c:crossAx val="46009069"/>
         <c:crosses val="autoZero"/>
         <c:auto val="1"/>
@@ -2161,6 +2269,7 @@
                 <a:cs typeface="+mn-cs"/>
               </a:defRPr>
             </a:pPr>
+            <a:endParaRPr lang="zh-CN"/>
           </a:p>
         </c:txPr>
         <c:crossAx val="725915351"/>
@@ -2177,7 +2286,6 @@
     </c:plotArea>
     <c:legend>
       <c:legendPos val="b"/>
-      <c:layout/>
       <c:overlay val="0"/>
       <c:spPr>
         <a:noFill/>
@@ -2203,6 +2311,7 @@
               <a:cs typeface="+mn-cs"/>
             </a:defRPr>
           </a:pPr>
+          <a:endParaRPr lang="zh-CN"/>
         </a:p>
       </c:txPr>
     </c:legend>
@@ -2224,16 +2333,17 @@
       <a:pPr>
         <a:defRPr lang="en-US"/>
       </a:pPr>
+      <a:endParaRPr lang="zh-CN"/>
     </a:p>
   </c:txPr>
-  <c:externalData r:id="rId1">
+  <c:externalData r:id="rId3">
     <c:autoUpdate val="0"/>
   </c:externalData>
 </c:chartSpace>
 </file>
 
 <file path=ppt/charts/chart7.xml><?xml version="1.0" encoding="utf-8"?>
-<c:chartSpace xmlns:c="http://schemas.openxmlformats.org/drawingml/2006/chart" xmlns:a="http://schemas.openxmlformats.org/drawingml/2006/main" xmlns:r="http://schemas.openxmlformats.org/officeDocument/2006/relationships">
+<c:chartSpace xmlns:c="http://schemas.openxmlformats.org/drawingml/2006/chart" xmlns:a="http://schemas.openxmlformats.org/drawingml/2006/main" xmlns:r="http://schemas.openxmlformats.org/officeDocument/2006/relationships" xmlns:c16r2="http://schemas.microsoft.com/office/drawing/2015/06/chart">
   <c:date1904 val="0"/>
   <c:lang val="zh-CN"/>
   <c:roundedCorners val="0"/>
@@ -2290,34 +2400,31 @@
               <a:effectLst/>
             </c:spPr>
           </c:marker>
-          <c:dLbls>
-            <c:delete val="1"/>
-          </c:dLbls>
           <c:cat>
             <c:numRef>
               <c:f>Sheet1!$A$2:$A$8</c:f>
               <c:numCache>
                 <c:formatCode>d\-mmm</c:formatCode>
                 <c:ptCount val="7"/>
-                <c:pt idx="0" c:formatCode="d\-mmm">
+                <c:pt idx="0">
                   <c:v>44136</c:v>
                 </c:pt>
-                <c:pt idx="1" c:formatCode="d\-mmm">
+                <c:pt idx="1">
                   <c:v>44137</c:v>
                 </c:pt>
-                <c:pt idx="2" c:formatCode="d\-mmm">
+                <c:pt idx="2">
                   <c:v>44138</c:v>
                 </c:pt>
-                <c:pt idx="3" c:formatCode="d\-mmm">
+                <c:pt idx="3">
                   <c:v>44139</c:v>
                 </c:pt>
-                <c:pt idx="4" c:formatCode="d\-mmm">
+                <c:pt idx="4">
                   <c:v>44140</c:v>
                 </c:pt>
-                <c:pt idx="5" c:formatCode="d\-mmm">
+                <c:pt idx="5">
                   <c:v>44141</c:v>
                 </c:pt>
-                <c:pt idx="6" c:formatCode="d\-mmm">
+                <c:pt idx="6">
                   <c:v>44142</c:v>
                 </c:pt>
               </c:numCache>
@@ -2354,6 +2461,11 @@
             </c:numRef>
           </c:val>
           <c:smooth val="0"/>
+          <c:extLst>
+            <c:ext xmlns:c16="http://schemas.microsoft.com/office/drawing/2014/chart" uri="{C3380CC4-5D6E-409C-BE32-E72D297353CC}">
+              <c16:uniqueId val="{00000000-6777-4410-B027-91E7996575B5}"/>
+            </c:ext>
+          </c:extLst>
         </c:ser>
         <c:dLbls>
           <c:showLegendKey val="0"/>
@@ -2375,6 +2487,7 @@
         </c:scaling>
         <c:delete val="0"/>
         <c:axPos val="b"/>
+        <c:numFmt formatCode="d\-mmm" sourceLinked="0"/>
         <c:majorTickMark val="out"/>
         <c:minorTickMark val="none"/>
         <c:tickLblPos val="nextTo"/>
@@ -2408,6 +2521,7 @@
                 <a:cs typeface="+mn-cs"/>
               </a:defRPr>
             </a:pPr>
+            <a:endParaRPr lang="zh-CN"/>
           </a:p>
         </c:txPr>
         <c:crossAx val="620313186"/>
@@ -2467,6 +2581,7 @@
                 <a:cs typeface="+mn-cs"/>
               </a:defRPr>
             </a:pPr>
+            <a:endParaRPr lang="zh-CN"/>
           </a:p>
         </c:txPr>
         <c:crossAx val="360999679"/>
@@ -2499,9 +2614,10 @@
       <a:pPr>
         <a:defRPr lang="en-US"/>
       </a:pPr>
+      <a:endParaRPr lang="zh-CN"/>
     </a:p>
   </c:txPr>
-  <c:externalData r:id="rId1">
+  <c:externalData r:id="rId3">
     <c:autoUpdate val="0"/>
   </c:externalData>
 </c:chartSpace>
@@ -6443,6 +6559,7 @@
           <a:p>
             <a:fld id="{696C064A-D61B-4B21-B757-51A9B82445B8}" type="datetimeFigureOut">
               <a:rPr lang="en-US" smtClean="0"/>
+              <a:t>7/15/2020</a:t>
             </a:fld>
             <a:endParaRPr lang="en-US"/>
           </a:p>
@@ -6508,12 +6625,18 @@
           <a:p>
             <a:fld id="{50305E07-67EA-4042-A3F6-853A8AD8D209}" type="slidenum">
               <a:rPr lang="en-US" smtClean="0"/>
+              <a:t>‹#›</a:t>
             </a:fld>
             <a:endParaRPr lang="en-US"/>
           </a:p>
         </p:txBody>
       </p:sp>
     </p:spTree>
+    <p:extLst>
+      <p:ext uri="{BB962C8B-B14F-4D97-AF65-F5344CB8AC3E}">
+        <p14:creationId xmlns:p14="http://schemas.microsoft.com/office/powerpoint/2010/main" val="1"/>
+      </p:ext>
+    </p:extLst>
   </p:cSld>
   <p:clrMap bg1="lt1" tx1="dk1" bg2="lt2" tx2="dk2" accent1="accent1" accent2="accent2" accent3="accent3" accent4="accent4" accent5="accent5" accent6="accent6" hlink="hlink" folHlink="folHlink"/>
 </p:handoutMaster>
@@ -6605,6 +6728,7 @@
           <a:p>
             <a:fld id="{3EFD42F7-718C-4B98-AAEC-167E6DDD60A7}" type="datetimeFigureOut">
               <a:rPr lang="en-US" smtClean="0"/>
+              <a:t>7/15/2020</a:t>
             </a:fld>
             <a:endParaRPr lang="en-US"/>
           </a:p>
@@ -6668,42 +6792,37 @@
           <a:p>
             <a:pPr lvl="0"/>
             <a:r>
-              <a:rPr lang="en-US" smtClean="0"/>
+              <a:rPr lang="en-US"/>
               <a:t>Click to edit Master text styles</a:t>
             </a:r>
-            <a:endParaRPr lang="en-US" smtClean="0"/>
           </a:p>
           <a:p>
             <a:pPr lvl="1"/>
             <a:r>
-              <a:rPr lang="en-US" smtClean="0"/>
+              <a:rPr lang="en-US"/>
               <a:t>Second level</a:t>
             </a:r>
-            <a:endParaRPr lang="en-US" smtClean="0"/>
           </a:p>
           <a:p>
             <a:pPr lvl="2"/>
             <a:r>
-              <a:rPr lang="en-US" smtClean="0"/>
+              <a:rPr lang="en-US"/>
               <a:t>Third level</a:t>
             </a:r>
-            <a:endParaRPr lang="en-US" smtClean="0"/>
           </a:p>
           <a:p>
             <a:pPr lvl="3"/>
             <a:r>
-              <a:rPr lang="en-US" smtClean="0"/>
+              <a:rPr lang="en-US"/>
               <a:t>Fourth level</a:t>
             </a:r>
-            <a:endParaRPr lang="en-US" smtClean="0"/>
           </a:p>
           <a:p>
             <a:pPr lvl="4"/>
             <a:r>
-              <a:rPr lang="en-US" smtClean="0"/>
+              <a:rPr lang="en-US"/>
               <a:t>Fifth level</a:t>
             </a:r>
-            <a:endParaRPr lang="en-US"/>
           </a:p>
         </p:txBody>
       </p:sp>
@@ -6771,6 +6890,7 @@
           <a:p>
             <a:fld id="{21B2AA4F-B828-4D7C-AFD3-893933DAFCB4}" type="slidenum">
               <a:rPr lang="en-US" smtClean="0"/>
+              <a:t>‹#›</a:t>
             </a:fld>
             <a:endParaRPr lang="en-US"/>
           </a:p>
@@ -6883,11 +7003,20 @@
         <p:cNvGrpSpPr/>
         <p:nvPr/>
       </p:nvGrpSpPr>
-      <p:grpSpPr/>
+      <p:grpSpPr>
+        <a:xfrm>
+          <a:off x="0" y="0"/>
+          <a:ext cx="0" cy="0"/>
+          <a:chOff x="0" y="0"/>
+          <a:chExt cx="0" cy="0"/>
+        </a:xfrm>
+      </p:grpSpPr>
       <p:sp>
         <p:nvSpPr>
           <p:cNvPr id="2" name="Slide Image Placeholder 1"/>
-          <p:cNvSpPr/>
+          <p:cNvSpPr>
+            <a:spLocks noGrp="1" noRot="1" noChangeAspect="1"/>
+          </p:cNvSpPr>
           <p:nvPr>
             <p:ph type="sldImg" idx="2"/>
           </p:nvPr>
@@ -6897,7 +7026,9 @@
       <p:sp>
         <p:nvSpPr>
           <p:cNvPr id="3" name="Text Placeholder 2"/>
-          <p:cNvSpPr/>
+          <p:cNvSpPr>
+            <a:spLocks noGrp="1"/>
+          </p:cNvSpPr>
           <p:nvPr>
             <p:ph type="body" idx="3"/>
           </p:nvPr>
@@ -6905,12 +7036,12 @@
         <p:spPr/>
         <p:txBody>
           <a:bodyPr/>
+          <a:lstStyle/>
           <a:p>
             <a:r>
               <a:rPr lang="" altLang="en-US"/>
               <a:t>瀑布流布局</a:t>
             </a:r>
-            <a:endParaRPr lang="" altLang="en-US"/>
           </a:p>
         </p:txBody>
       </p:sp>
@@ -6931,11 +7062,20 @@
         <p:cNvGrpSpPr/>
         <p:nvPr/>
       </p:nvGrpSpPr>
-      <p:grpSpPr/>
+      <p:grpSpPr>
+        <a:xfrm>
+          <a:off x="0" y="0"/>
+          <a:ext cx="0" cy="0"/>
+          <a:chOff x="0" y="0"/>
+          <a:chExt cx="0" cy="0"/>
+        </a:xfrm>
+      </p:grpSpPr>
       <p:sp>
         <p:nvSpPr>
           <p:cNvPr id="2" name="Slide Image Placeholder 1"/>
-          <p:cNvSpPr/>
+          <p:cNvSpPr>
+            <a:spLocks noGrp="1" noRot="1" noChangeAspect="1"/>
+          </p:cNvSpPr>
           <p:nvPr>
             <p:ph type="sldImg" idx="2"/>
           </p:nvPr>
@@ -6945,7 +7085,9 @@
       <p:sp>
         <p:nvSpPr>
           <p:cNvPr id="3" name="Text Placeholder 2"/>
-          <p:cNvSpPr/>
+          <p:cNvSpPr>
+            <a:spLocks noGrp="1"/>
+          </p:cNvSpPr>
           <p:nvPr>
             <p:ph type="body" idx="3"/>
           </p:nvPr>
@@ -6953,19 +7095,18 @@
         <p:spPr/>
         <p:txBody>
           <a:bodyPr/>
+          <a:lstStyle/>
           <a:p>
             <a:r>
               <a:rPr lang="" altLang="en-US"/>
               <a:t>导出图表：如果是表就导出XLSX,如果是图就导出PNG</a:t>
             </a:r>
-            <a:endParaRPr lang="" altLang="en-US"/>
           </a:p>
           <a:p>
             <a:r>
               <a:rPr lang="" altLang="en-US"/>
               <a:t>图表种类：表、饼图、柱图、线图等</a:t>
             </a:r>
-            <a:endParaRPr lang="" altLang="en-US"/>
           </a:p>
         </p:txBody>
       </p:sp>
@@ -7019,10 +7160,9 @@
           </a:lstStyle>
           <a:p>
             <a:r>
-              <a:rPr lang="zh-CN" altLang="en-US" smtClean="0"/>
+              <a:rPr lang="zh-CN" altLang="en-US"/>
               <a:t>单击此处编辑母版标题样式</a:t>
             </a:r>
-            <a:endParaRPr lang="zh-CN" altLang="en-US"/>
           </a:p>
         </p:txBody>
       </p:sp>
@@ -7084,10 +7224,9 @@
           </a:lstStyle>
           <a:p>
             <a:r>
-              <a:rPr lang="zh-CN" altLang="en-US" smtClean="0"/>
+              <a:rPr lang="zh-CN" altLang="en-US"/>
               <a:t>单击此处编辑母版副标题样式</a:t>
             </a:r>
-            <a:endParaRPr lang="zh-CN" altLang="en-US"/>
           </a:p>
         </p:txBody>
       </p:sp>
@@ -7108,6 +7247,7 @@
           <a:p>
             <a:fld id="{D997B5FA-0921-464F-AAE1-844C04324D75}" type="datetimeFigureOut">
               <a:rPr lang="zh-CN" altLang="en-US" smtClean="0"/>
+              <a:t>2020/7/15</a:t>
             </a:fld>
             <a:endParaRPr lang="zh-CN" altLang="en-US"/>
           </a:p>
@@ -7149,6 +7289,7 @@
           <a:p>
             <a:fld id="{565CE74E-AB26-4998-AD42-012C4C1AD076}" type="slidenum">
               <a:rPr lang="zh-CN" altLang="en-US" smtClean="0"/>
+              <a:t>‹#›</a:t>
             </a:fld>
             <a:endParaRPr lang="zh-CN" altLang="en-US"/>
           </a:p>
@@ -7195,10 +7336,9 @@
           <a:lstStyle/>
           <a:p>
             <a:r>
-              <a:rPr lang="zh-CN" altLang="en-US" smtClean="0"/>
+              <a:rPr lang="zh-CN" altLang="en-US"/>
               <a:t>单击此处编辑母版标题样式</a:t>
             </a:r>
-            <a:endParaRPr lang="zh-CN" altLang="en-US"/>
           </a:p>
         </p:txBody>
       </p:sp>
@@ -7219,42 +7359,37 @@
           <a:p>
             <a:pPr lvl="0"/>
             <a:r>
-              <a:rPr lang="zh-CN" altLang="en-US" smtClean="0"/>
+              <a:rPr lang="zh-CN" altLang="en-US"/>
               <a:t>单击此处编辑母版文本样式</a:t>
             </a:r>
-            <a:endParaRPr lang="zh-CN" altLang="en-US" smtClean="0"/>
           </a:p>
           <a:p>
             <a:pPr lvl="1"/>
             <a:r>
-              <a:rPr lang="zh-CN" altLang="en-US" smtClean="0"/>
+              <a:rPr lang="zh-CN" altLang="en-US"/>
               <a:t>第二级</a:t>
             </a:r>
-            <a:endParaRPr lang="zh-CN" altLang="en-US" smtClean="0"/>
           </a:p>
           <a:p>
             <a:pPr lvl="2"/>
             <a:r>
-              <a:rPr lang="zh-CN" altLang="en-US" smtClean="0"/>
+              <a:rPr lang="zh-CN" altLang="en-US"/>
               <a:t>第三级</a:t>
             </a:r>
-            <a:endParaRPr lang="zh-CN" altLang="en-US" smtClean="0"/>
           </a:p>
           <a:p>
             <a:pPr lvl="3"/>
             <a:r>
-              <a:rPr lang="zh-CN" altLang="en-US" smtClean="0"/>
+              <a:rPr lang="zh-CN" altLang="en-US"/>
               <a:t>第四级</a:t>
             </a:r>
-            <a:endParaRPr lang="zh-CN" altLang="en-US" smtClean="0"/>
           </a:p>
           <a:p>
             <a:pPr lvl="4"/>
             <a:r>
-              <a:rPr lang="zh-CN" altLang="en-US" smtClean="0"/>
+              <a:rPr lang="zh-CN" altLang="en-US"/>
               <a:t>第五级</a:t>
             </a:r>
-            <a:endParaRPr lang="zh-CN" altLang="en-US"/>
           </a:p>
         </p:txBody>
       </p:sp>
@@ -7275,6 +7410,7 @@
           <a:p>
             <a:fld id="{D997B5FA-0921-464F-AAE1-844C04324D75}" type="datetimeFigureOut">
               <a:rPr lang="zh-CN" altLang="en-US" smtClean="0"/>
+              <a:t>2020/7/15</a:t>
             </a:fld>
             <a:endParaRPr lang="zh-CN" altLang="en-US"/>
           </a:p>
@@ -7316,6 +7452,7 @@
           <a:p>
             <a:fld id="{565CE74E-AB26-4998-AD42-012C4C1AD076}" type="slidenum">
               <a:rPr lang="zh-CN" altLang="en-US" smtClean="0"/>
+              <a:t>‹#›</a:t>
             </a:fld>
             <a:endParaRPr lang="zh-CN" altLang="en-US"/>
           </a:p>
@@ -7367,10 +7504,9 @@
           <a:lstStyle/>
           <a:p>
             <a:r>
-              <a:rPr lang="zh-CN" altLang="en-US" smtClean="0"/>
+              <a:rPr lang="zh-CN" altLang="en-US"/>
               <a:t>单击此处编辑母版标题样式</a:t>
             </a:r>
-            <a:endParaRPr lang="zh-CN" altLang="en-US"/>
           </a:p>
         </p:txBody>
       </p:sp>
@@ -7396,42 +7532,37 @@
           <a:p>
             <a:pPr lvl="0"/>
             <a:r>
-              <a:rPr lang="zh-CN" altLang="en-US" smtClean="0"/>
+              <a:rPr lang="zh-CN" altLang="en-US"/>
               <a:t>单击此处编辑母版文本样式</a:t>
             </a:r>
-            <a:endParaRPr lang="zh-CN" altLang="en-US" smtClean="0"/>
           </a:p>
           <a:p>
             <a:pPr lvl="1"/>
             <a:r>
-              <a:rPr lang="zh-CN" altLang="en-US" smtClean="0"/>
+              <a:rPr lang="zh-CN" altLang="en-US"/>
               <a:t>第二级</a:t>
             </a:r>
-            <a:endParaRPr lang="zh-CN" altLang="en-US" smtClean="0"/>
           </a:p>
           <a:p>
             <a:pPr lvl="2"/>
             <a:r>
-              <a:rPr lang="zh-CN" altLang="en-US" smtClean="0"/>
+              <a:rPr lang="zh-CN" altLang="en-US"/>
               <a:t>第三级</a:t>
             </a:r>
-            <a:endParaRPr lang="zh-CN" altLang="en-US" smtClean="0"/>
           </a:p>
           <a:p>
             <a:pPr lvl="3"/>
             <a:r>
-              <a:rPr lang="zh-CN" altLang="en-US" smtClean="0"/>
+              <a:rPr lang="zh-CN" altLang="en-US"/>
               <a:t>第四级</a:t>
             </a:r>
-            <a:endParaRPr lang="zh-CN" altLang="en-US" smtClean="0"/>
           </a:p>
           <a:p>
             <a:pPr lvl="4"/>
             <a:r>
-              <a:rPr lang="zh-CN" altLang="en-US" smtClean="0"/>
+              <a:rPr lang="zh-CN" altLang="en-US"/>
               <a:t>第五级</a:t>
             </a:r>
-            <a:endParaRPr lang="zh-CN" altLang="en-US"/>
           </a:p>
         </p:txBody>
       </p:sp>
@@ -7452,6 +7583,7 @@
           <a:p>
             <a:fld id="{D997B5FA-0921-464F-AAE1-844C04324D75}" type="datetimeFigureOut">
               <a:rPr lang="zh-CN" altLang="en-US" smtClean="0"/>
+              <a:t>2020/7/15</a:t>
             </a:fld>
             <a:endParaRPr lang="zh-CN" altLang="en-US"/>
           </a:p>
@@ -7493,6 +7625,7 @@
           <a:p>
             <a:fld id="{565CE74E-AB26-4998-AD42-012C4C1AD076}" type="slidenum">
               <a:rPr lang="zh-CN" altLang="en-US" smtClean="0"/>
+              <a:t>‹#›</a:t>
             </a:fld>
             <a:endParaRPr lang="zh-CN" altLang="en-US"/>
           </a:p>
@@ -7539,10 +7672,9 @@
           <a:lstStyle/>
           <a:p>
             <a:r>
-              <a:rPr lang="zh-CN" altLang="en-US" smtClean="0"/>
+              <a:rPr lang="zh-CN" altLang="en-US"/>
               <a:t>单击此处编辑母版标题样式</a:t>
             </a:r>
-            <a:endParaRPr lang="zh-CN" altLang="en-US"/>
           </a:p>
         </p:txBody>
       </p:sp>
@@ -7563,42 +7695,37 @@
           <a:p>
             <a:pPr lvl="0"/>
             <a:r>
-              <a:rPr lang="zh-CN" altLang="en-US" smtClean="0"/>
+              <a:rPr lang="zh-CN" altLang="en-US"/>
               <a:t>单击此处编辑母版文本样式</a:t>
             </a:r>
-            <a:endParaRPr lang="zh-CN" altLang="en-US" smtClean="0"/>
           </a:p>
           <a:p>
             <a:pPr lvl="1"/>
             <a:r>
-              <a:rPr lang="zh-CN" altLang="en-US" smtClean="0"/>
+              <a:rPr lang="zh-CN" altLang="en-US"/>
               <a:t>第二级</a:t>
             </a:r>
-            <a:endParaRPr lang="zh-CN" altLang="en-US" smtClean="0"/>
           </a:p>
           <a:p>
             <a:pPr lvl="2"/>
             <a:r>
-              <a:rPr lang="zh-CN" altLang="en-US" smtClean="0"/>
+              <a:rPr lang="zh-CN" altLang="en-US"/>
               <a:t>第三级</a:t>
             </a:r>
-            <a:endParaRPr lang="zh-CN" altLang="en-US" smtClean="0"/>
           </a:p>
           <a:p>
             <a:pPr lvl="3"/>
             <a:r>
-              <a:rPr lang="zh-CN" altLang="en-US" smtClean="0"/>
+              <a:rPr lang="zh-CN" altLang="en-US"/>
               <a:t>第四级</a:t>
             </a:r>
-            <a:endParaRPr lang="zh-CN" altLang="en-US" smtClean="0"/>
           </a:p>
           <a:p>
             <a:pPr lvl="4"/>
             <a:r>
-              <a:rPr lang="zh-CN" altLang="en-US" smtClean="0"/>
+              <a:rPr lang="zh-CN" altLang="en-US"/>
               <a:t>第五级</a:t>
             </a:r>
-            <a:endParaRPr lang="zh-CN" altLang="en-US"/>
           </a:p>
         </p:txBody>
       </p:sp>
@@ -7619,6 +7746,7 @@
           <a:p>
             <a:fld id="{D997B5FA-0921-464F-AAE1-844C04324D75}" type="datetimeFigureOut">
               <a:rPr lang="zh-CN" altLang="en-US" smtClean="0"/>
+              <a:t>2020/7/15</a:t>
             </a:fld>
             <a:endParaRPr lang="zh-CN" altLang="en-US"/>
           </a:p>
@@ -7660,6 +7788,7 @@
           <a:p>
             <a:fld id="{565CE74E-AB26-4998-AD42-012C4C1AD076}" type="slidenum">
               <a:rPr lang="zh-CN" altLang="en-US" smtClean="0"/>
+              <a:t>‹#›</a:t>
             </a:fld>
             <a:endParaRPr lang="zh-CN" altLang="en-US"/>
           </a:p>
@@ -7715,10 +7844,9 @@
           </a:lstStyle>
           <a:p>
             <a:r>
-              <a:rPr lang="zh-CN" altLang="en-US" smtClean="0"/>
+              <a:rPr lang="zh-CN" altLang="en-US"/>
               <a:t>单击此处编辑母版标题样式</a:t>
             </a:r>
-            <a:endParaRPr lang="zh-CN" altLang="en-US"/>
           </a:p>
         </p:txBody>
       </p:sp>
@@ -7835,10 +7963,9 @@
           <a:p>
             <a:pPr lvl="0"/>
             <a:r>
-              <a:rPr lang="zh-CN" altLang="en-US" smtClean="0"/>
+              <a:rPr lang="zh-CN" altLang="en-US"/>
               <a:t>单击此处编辑母版文本样式</a:t>
             </a:r>
-            <a:endParaRPr lang="zh-CN" altLang="en-US" smtClean="0"/>
           </a:p>
         </p:txBody>
       </p:sp>
@@ -7859,6 +7986,7 @@
           <a:p>
             <a:fld id="{D997B5FA-0921-464F-AAE1-844C04324D75}" type="datetimeFigureOut">
               <a:rPr lang="zh-CN" altLang="en-US" smtClean="0"/>
+              <a:t>2020/7/15</a:t>
             </a:fld>
             <a:endParaRPr lang="zh-CN" altLang="en-US"/>
           </a:p>
@@ -7900,6 +8028,7 @@
           <a:p>
             <a:fld id="{565CE74E-AB26-4998-AD42-012C4C1AD076}" type="slidenum">
               <a:rPr lang="zh-CN" altLang="en-US" smtClean="0"/>
+              <a:t>‹#›</a:t>
             </a:fld>
             <a:endParaRPr lang="zh-CN" altLang="en-US"/>
           </a:p>
@@ -7946,10 +8075,9 @@
           <a:lstStyle/>
           <a:p>
             <a:r>
-              <a:rPr lang="zh-CN" altLang="en-US" smtClean="0"/>
+              <a:rPr lang="zh-CN" altLang="en-US"/>
               <a:t>单击此处编辑母版标题样式</a:t>
             </a:r>
-            <a:endParaRPr lang="zh-CN" altLang="en-US"/>
           </a:p>
         </p:txBody>
       </p:sp>
@@ -7975,42 +8103,37 @@
           <a:p>
             <a:pPr lvl="0"/>
             <a:r>
-              <a:rPr lang="zh-CN" altLang="en-US" smtClean="0"/>
+              <a:rPr lang="zh-CN" altLang="en-US"/>
               <a:t>单击此处编辑母版文本样式</a:t>
             </a:r>
-            <a:endParaRPr lang="zh-CN" altLang="en-US" smtClean="0"/>
           </a:p>
           <a:p>
             <a:pPr lvl="1"/>
             <a:r>
-              <a:rPr lang="zh-CN" altLang="en-US" smtClean="0"/>
+              <a:rPr lang="zh-CN" altLang="en-US"/>
               <a:t>第二级</a:t>
             </a:r>
-            <a:endParaRPr lang="zh-CN" altLang="en-US" smtClean="0"/>
           </a:p>
           <a:p>
             <a:pPr lvl="2"/>
             <a:r>
-              <a:rPr lang="zh-CN" altLang="en-US" smtClean="0"/>
+              <a:rPr lang="zh-CN" altLang="en-US"/>
               <a:t>第三级</a:t>
             </a:r>
-            <a:endParaRPr lang="zh-CN" altLang="en-US" smtClean="0"/>
           </a:p>
           <a:p>
             <a:pPr lvl="3"/>
             <a:r>
-              <a:rPr lang="zh-CN" altLang="en-US" smtClean="0"/>
+              <a:rPr lang="zh-CN" altLang="en-US"/>
               <a:t>第四级</a:t>
             </a:r>
-            <a:endParaRPr lang="zh-CN" altLang="en-US" smtClean="0"/>
           </a:p>
           <a:p>
             <a:pPr lvl="4"/>
             <a:r>
-              <a:rPr lang="zh-CN" altLang="en-US" smtClean="0"/>
+              <a:rPr lang="zh-CN" altLang="en-US"/>
               <a:t>第五级</a:t>
             </a:r>
-            <a:endParaRPr lang="zh-CN" altLang="en-US"/>
           </a:p>
         </p:txBody>
       </p:sp>
@@ -8036,42 +8159,37 @@
           <a:p>
             <a:pPr lvl="0"/>
             <a:r>
-              <a:rPr lang="zh-CN" altLang="en-US" smtClean="0"/>
+              <a:rPr lang="zh-CN" altLang="en-US"/>
               <a:t>单击此处编辑母版文本样式</a:t>
             </a:r>
-            <a:endParaRPr lang="zh-CN" altLang="en-US" smtClean="0"/>
           </a:p>
           <a:p>
             <a:pPr lvl="1"/>
             <a:r>
-              <a:rPr lang="zh-CN" altLang="en-US" smtClean="0"/>
+              <a:rPr lang="zh-CN" altLang="en-US"/>
               <a:t>第二级</a:t>
             </a:r>
-            <a:endParaRPr lang="zh-CN" altLang="en-US" smtClean="0"/>
           </a:p>
           <a:p>
             <a:pPr lvl="2"/>
             <a:r>
-              <a:rPr lang="zh-CN" altLang="en-US" smtClean="0"/>
+              <a:rPr lang="zh-CN" altLang="en-US"/>
               <a:t>第三级</a:t>
             </a:r>
-            <a:endParaRPr lang="zh-CN" altLang="en-US" smtClean="0"/>
           </a:p>
           <a:p>
             <a:pPr lvl="3"/>
             <a:r>
-              <a:rPr lang="zh-CN" altLang="en-US" smtClean="0"/>
+              <a:rPr lang="zh-CN" altLang="en-US"/>
               <a:t>第四级</a:t>
             </a:r>
-            <a:endParaRPr lang="zh-CN" altLang="en-US" smtClean="0"/>
           </a:p>
           <a:p>
             <a:pPr lvl="4"/>
             <a:r>
-              <a:rPr lang="zh-CN" altLang="en-US" smtClean="0"/>
+              <a:rPr lang="zh-CN" altLang="en-US"/>
               <a:t>第五级</a:t>
             </a:r>
-            <a:endParaRPr lang="zh-CN" altLang="en-US"/>
           </a:p>
         </p:txBody>
       </p:sp>
@@ -8092,6 +8210,7 @@
           <a:p>
             <a:fld id="{D997B5FA-0921-464F-AAE1-844C04324D75}" type="datetimeFigureOut">
               <a:rPr lang="zh-CN" altLang="en-US" smtClean="0"/>
+              <a:t>2020/7/15</a:t>
             </a:fld>
             <a:endParaRPr lang="zh-CN" altLang="en-US"/>
           </a:p>
@@ -8133,6 +8252,7 @@
           <a:p>
             <a:fld id="{565CE74E-AB26-4998-AD42-012C4C1AD076}" type="slidenum">
               <a:rPr lang="zh-CN" altLang="en-US" smtClean="0"/>
+              <a:t>‹#›</a:t>
             </a:fld>
             <a:endParaRPr lang="zh-CN" altLang="en-US"/>
           </a:p>
@@ -8184,10 +8304,9 @@
           <a:lstStyle/>
           <a:p>
             <a:r>
-              <a:rPr lang="zh-CN" altLang="en-US" smtClean="0"/>
+              <a:rPr lang="zh-CN" altLang="en-US"/>
               <a:t>单击此处编辑母版标题样式</a:t>
             </a:r>
-            <a:endParaRPr lang="zh-CN" altLang="en-US"/>
           </a:p>
         </p:txBody>
       </p:sp>
@@ -8250,10 +8369,9 @@
           <a:p>
             <a:pPr lvl="0"/>
             <a:r>
-              <a:rPr lang="zh-CN" altLang="en-US" smtClean="0"/>
+              <a:rPr lang="zh-CN" altLang="en-US"/>
               <a:t>单击此处编辑母版文本样式</a:t>
             </a:r>
-            <a:endParaRPr lang="zh-CN" altLang="en-US" smtClean="0"/>
           </a:p>
         </p:txBody>
       </p:sp>
@@ -8279,42 +8397,37 @@
           <a:p>
             <a:pPr lvl="0"/>
             <a:r>
-              <a:rPr lang="zh-CN" altLang="en-US" smtClean="0"/>
+              <a:rPr lang="zh-CN" altLang="en-US"/>
               <a:t>单击此处编辑母版文本样式</a:t>
             </a:r>
-            <a:endParaRPr lang="zh-CN" altLang="en-US" smtClean="0"/>
           </a:p>
           <a:p>
             <a:pPr lvl="1"/>
             <a:r>
-              <a:rPr lang="zh-CN" altLang="en-US" smtClean="0"/>
+              <a:rPr lang="zh-CN" altLang="en-US"/>
               <a:t>第二级</a:t>
             </a:r>
-            <a:endParaRPr lang="zh-CN" altLang="en-US" smtClean="0"/>
           </a:p>
           <a:p>
             <a:pPr lvl="2"/>
             <a:r>
-              <a:rPr lang="zh-CN" altLang="en-US" smtClean="0"/>
+              <a:rPr lang="zh-CN" altLang="en-US"/>
               <a:t>第三级</a:t>
             </a:r>
-            <a:endParaRPr lang="zh-CN" altLang="en-US" smtClean="0"/>
           </a:p>
           <a:p>
             <a:pPr lvl="3"/>
             <a:r>
-              <a:rPr lang="zh-CN" altLang="en-US" smtClean="0"/>
+              <a:rPr lang="zh-CN" altLang="en-US"/>
               <a:t>第四级</a:t>
             </a:r>
-            <a:endParaRPr lang="zh-CN" altLang="en-US" smtClean="0"/>
           </a:p>
           <a:p>
             <a:pPr lvl="4"/>
             <a:r>
-              <a:rPr lang="zh-CN" altLang="en-US" smtClean="0"/>
+              <a:rPr lang="zh-CN" altLang="en-US"/>
               <a:t>第五级</a:t>
             </a:r>
-            <a:endParaRPr lang="zh-CN" altLang="en-US"/>
           </a:p>
         </p:txBody>
       </p:sp>
@@ -8377,10 +8490,9 @@
           <a:p>
             <a:pPr lvl="0"/>
             <a:r>
-              <a:rPr lang="zh-CN" altLang="en-US" smtClean="0"/>
+              <a:rPr lang="zh-CN" altLang="en-US"/>
               <a:t>单击此处编辑母版文本样式</a:t>
             </a:r>
-            <a:endParaRPr lang="zh-CN" altLang="en-US" smtClean="0"/>
           </a:p>
         </p:txBody>
       </p:sp>
@@ -8406,42 +8518,37 @@
           <a:p>
             <a:pPr lvl="0"/>
             <a:r>
-              <a:rPr lang="zh-CN" altLang="en-US" smtClean="0"/>
+              <a:rPr lang="zh-CN" altLang="en-US"/>
               <a:t>单击此处编辑母版文本样式</a:t>
             </a:r>
-            <a:endParaRPr lang="zh-CN" altLang="en-US" smtClean="0"/>
           </a:p>
           <a:p>
             <a:pPr lvl="1"/>
             <a:r>
-              <a:rPr lang="zh-CN" altLang="en-US" smtClean="0"/>
+              <a:rPr lang="zh-CN" altLang="en-US"/>
               <a:t>第二级</a:t>
             </a:r>
-            <a:endParaRPr lang="zh-CN" altLang="en-US" smtClean="0"/>
           </a:p>
           <a:p>
             <a:pPr lvl="2"/>
             <a:r>
-              <a:rPr lang="zh-CN" altLang="en-US" smtClean="0"/>
+              <a:rPr lang="zh-CN" altLang="en-US"/>
               <a:t>第三级</a:t>
             </a:r>
-            <a:endParaRPr lang="zh-CN" altLang="en-US" smtClean="0"/>
           </a:p>
           <a:p>
             <a:pPr lvl="3"/>
             <a:r>
-              <a:rPr lang="zh-CN" altLang="en-US" smtClean="0"/>
+              <a:rPr lang="zh-CN" altLang="en-US"/>
               <a:t>第四级</a:t>
             </a:r>
-            <a:endParaRPr lang="zh-CN" altLang="en-US" smtClean="0"/>
           </a:p>
           <a:p>
             <a:pPr lvl="4"/>
             <a:r>
-              <a:rPr lang="zh-CN" altLang="en-US" smtClean="0"/>
+              <a:rPr lang="zh-CN" altLang="en-US"/>
               <a:t>第五级</a:t>
             </a:r>
-            <a:endParaRPr lang="zh-CN" altLang="en-US"/>
           </a:p>
         </p:txBody>
       </p:sp>
@@ -8462,6 +8569,7 @@
           <a:p>
             <a:fld id="{D997B5FA-0921-464F-AAE1-844C04324D75}" type="datetimeFigureOut">
               <a:rPr lang="zh-CN" altLang="en-US" smtClean="0"/>
+              <a:t>2020/7/15</a:t>
             </a:fld>
             <a:endParaRPr lang="zh-CN" altLang="en-US"/>
           </a:p>
@@ -8503,6 +8611,7 @@
           <a:p>
             <a:fld id="{565CE74E-AB26-4998-AD42-012C4C1AD076}" type="slidenum">
               <a:rPr lang="zh-CN" altLang="en-US" smtClean="0"/>
+              <a:t>‹#›</a:t>
             </a:fld>
             <a:endParaRPr lang="zh-CN" altLang="en-US"/>
           </a:p>
@@ -8549,10 +8658,9 @@
           <a:lstStyle/>
           <a:p>
             <a:r>
-              <a:rPr lang="zh-CN" altLang="en-US" smtClean="0"/>
+              <a:rPr lang="zh-CN" altLang="en-US"/>
               <a:t>单击此处编辑母版标题样式</a:t>
             </a:r>
-            <a:endParaRPr lang="zh-CN" altLang="en-US"/>
           </a:p>
         </p:txBody>
       </p:sp>
@@ -8573,6 +8681,7 @@
           <a:p>
             <a:fld id="{D997B5FA-0921-464F-AAE1-844C04324D75}" type="datetimeFigureOut">
               <a:rPr lang="zh-CN" altLang="en-US" smtClean="0"/>
+              <a:t>2020/7/15</a:t>
             </a:fld>
             <a:endParaRPr lang="zh-CN" altLang="en-US"/>
           </a:p>
@@ -8614,6 +8723,7 @@
           <a:p>
             <a:fld id="{565CE74E-AB26-4998-AD42-012C4C1AD076}" type="slidenum">
               <a:rPr lang="zh-CN" altLang="en-US" smtClean="0"/>
+              <a:t>‹#›</a:t>
             </a:fld>
             <a:endParaRPr lang="zh-CN" altLang="en-US"/>
           </a:p>
@@ -8661,6 +8771,7 @@
           <a:p>
             <a:fld id="{D997B5FA-0921-464F-AAE1-844C04324D75}" type="datetimeFigureOut">
               <a:rPr lang="zh-CN" altLang="en-US" smtClean="0"/>
+              <a:t>2020/7/15</a:t>
             </a:fld>
             <a:endParaRPr lang="zh-CN" altLang="en-US"/>
           </a:p>
@@ -8702,6 +8813,7 @@
           <a:p>
             <a:fld id="{565CE74E-AB26-4998-AD42-012C4C1AD076}" type="slidenum">
               <a:rPr lang="zh-CN" altLang="en-US" smtClean="0"/>
+              <a:t>‹#›</a:t>
             </a:fld>
             <a:endParaRPr lang="zh-CN" altLang="en-US"/>
           </a:p>
@@ -8757,10 +8869,9 @@
           </a:lstStyle>
           <a:p>
             <a:r>
-              <a:rPr lang="zh-CN" altLang="en-US" smtClean="0"/>
+              <a:rPr lang="zh-CN" altLang="en-US"/>
               <a:t>单击此处编辑母版标题样式</a:t>
             </a:r>
-            <a:endParaRPr lang="zh-CN" altLang="en-US"/>
           </a:p>
         </p:txBody>
       </p:sp>
@@ -8814,42 +8925,37 @@
           <a:p>
             <a:pPr lvl="0"/>
             <a:r>
-              <a:rPr lang="zh-CN" altLang="en-US" smtClean="0"/>
+              <a:rPr lang="zh-CN" altLang="en-US"/>
               <a:t>单击此处编辑母版文本样式</a:t>
             </a:r>
-            <a:endParaRPr lang="zh-CN" altLang="en-US" smtClean="0"/>
           </a:p>
           <a:p>
             <a:pPr lvl="1"/>
             <a:r>
-              <a:rPr lang="zh-CN" altLang="en-US" smtClean="0"/>
+              <a:rPr lang="zh-CN" altLang="en-US"/>
               <a:t>第二级</a:t>
             </a:r>
-            <a:endParaRPr lang="zh-CN" altLang="en-US" smtClean="0"/>
           </a:p>
           <a:p>
             <a:pPr lvl="2"/>
             <a:r>
-              <a:rPr lang="zh-CN" altLang="en-US" smtClean="0"/>
+              <a:rPr lang="zh-CN" altLang="en-US"/>
               <a:t>第三级</a:t>
             </a:r>
-            <a:endParaRPr lang="zh-CN" altLang="en-US" smtClean="0"/>
           </a:p>
           <a:p>
             <a:pPr lvl="3"/>
             <a:r>
-              <a:rPr lang="zh-CN" altLang="en-US" smtClean="0"/>
+              <a:rPr lang="zh-CN" altLang="en-US"/>
               <a:t>第四级</a:t>
             </a:r>
-            <a:endParaRPr lang="zh-CN" altLang="en-US" smtClean="0"/>
           </a:p>
           <a:p>
             <a:pPr lvl="4"/>
             <a:r>
-              <a:rPr lang="zh-CN" altLang="en-US" smtClean="0"/>
+              <a:rPr lang="zh-CN" altLang="en-US"/>
               <a:t>第五级</a:t>
             </a:r>
-            <a:endParaRPr lang="zh-CN" altLang="en-US"/>
           </a:p>
         </p:txBody>
       </p:sp>
@@ -8912,10 +9018,9 @@
           <a:p>
             <a:pPr lvl="0"/>
             <a:r>
-              <a:rPr lang="zh-CN" altLang="en-US" smtClean="0"/>
+              <a:rPr lang="zh-CN" altLang="en-US"/>
               <a:t>单击此处编辑母版文本样式</a:t>
             </a:r>
-            <a:endParaRPr lang="zh-CN" altLang="en-US" smtClean="0"/>
           </a:p>
         </p:txBody>
       </p:sp>
@@ -8936,6 +9041,7 @@
           <a:p>
             <a:fld id="{D997B5FA-0921-464F-AAE1-844C04324D75}" type="datetimeFigureOut">
               <a:rPr lang="zh-CN" altLang="en-US" smtClean="0"/>
+              <a:t>2020/7/15</a:t>
             </a:fld>
             <a:endParaRPr lang="zh-CN" altLang="en-US"/>
           </a:p>
@@ -8977,6 +9083,7 @@
           <a:p>
             <a:fld id="{565CE74E-AB26-4998-AD42-012C4C1AD076}" type="slidenum">
               <a:rPr lang="zh-CN" altLang="en-US" smtClean="0"/>
+              <a:t>‹#›</a:t>
             </a:fld>
             <a:endParaRPr lang="zh-CN" altLang="en-US"/>
           </a:p>
@@ -9032,10 +9139,9 @@
           </a:lstStyle>
           <a:p>
             <a:r>
-              <a:rPr lang="zh-CN" altLang="en-US" smtClean="0"/>
+              <a:rPr lang="zh-CN" altLang="en-US"/>
               <a:t>单击此处编辑母版标题样式</a:t>
             </a:r>
-            <a:endParaRPr lang="zh-CN" altLang="en-US"/>
           </a:p>
         </p:txBody>
       </p:sp>
@@ -9159,10 +9265,9 @@
           <a:p>
             <a:pPr lvl="0"/>
             <a:r>
-              <a:rPr lang="zh-CN" altLang="en-US" smtClean="0"/>
+              <a:rPr lang="zh-CN" altLang="en-US"/>
               <a:t>单击此处编辑母版文本样式</a:t>
             </a:r>
-            <a:endParaRPr lang="zh-CN" altLang="en-US" smtClean="0"/>
           </a:p>
         </p:txBody>
       </p:sp>
@@ -9183,6 +9288,7 @@
           <a:p>
             <a:fld id="{D997B5FA-0921-464F-AAE1-844C04324D75}" type="datetimeFigureOut">
               <a:rPr lang="zh-CN" altLang="en-US" smtClean="0"/>
+              <a:t>2020/7/15</a:t>
             </a:fld>
             <a:endParaRPr lang="zh-CN" altLang="en-US"/>
           </a:p>
@@ -9224,6 +9330,7 @@
           <a:p>
             <a:fld id="{565CE74E-AB26-4998-AD42-012C4C1AD076}" type="slidenum">
               <a:rPr lang="zh-CN" altLang="en-US" smtClean="0"/>
+              <a:t>‹#›</a:t>
             </a:fld>
             <a:endParaRPr lang="zh-CN" altLang="en-US"/>
           </a:p>
@@ -9285,10 +9392,9 @@
           <a:lstStyle/>
           <a:p>
             <a:r>
-              <a:rPr lang="zh-CN" altLang="en-US" smtClean="0"/>
+              <a:rPr lang="zh-CN" altLang="en-US"/>
               <a:t>单击此处编辑母版标题样式</a:t>
             </a:r>
-            <a:endParaRPr lang="zh-CN" altLang="en-US"/>
           </a:p>
         </p:txBody>
       </p:sp>
@@ -9319,42 +9425,37 @@
           <a:p>
             <a:pPr lvl="0"/>
             <a:r>
-              <a:rPr lang="zh-CN" altLang="en-US" smtClean="0"/>
+              <a:rPr lang="zh-CN" altLang="en-US"/>
               <a:t>单击此处编辑母版文本样式</a:t>
             </a:r>
-            <a:endParaRPr lang="zh-CN" altLang="en-US" smtClean="0"/>
           </a:p>
           <a:p>
             <a:pPr lvl="1"/>
             <a:r>
-              <a:rPr lang="zh-CN" altLang="en-US" smtClean="0"/>
+              <a:rPr lang="zh-CN" altLang="en-US"/>
               <a:t>第二级</a:t>
             </a:r>
-            <a:endParaRPr lang="zh-CN" altLang="en-US" smtClean="0"/>
           </a:p>
           <a:p>
             <a:pPr lvl="2"/>
             <a:r>
-              <a:rPr lang="zh-CN" altLang="en-US" smtClean="0"/>
+              <a:rPr lang="zh-CN" altLang="en-US"/>
               <a:t>第三级</a:t>
             </a:r>
-            <a:endParaRPr lang="zh-CN" altLang="en-US" smtClean="0"/>
           </a:p>
           <a:p>
             <a:pPr lvl="3"/>
             <a:r>
-              <a:rPr lang="zh-CN" altLang="en-US" smtClean="0"/>
+              <a:rPr lang="zh-CN" altLang="en-US"/>
               <a:t>第四级</a:t>
             </a:r>
-            <a:endParaRPr lang="zh-CN" altLang="en-US" smtClean="0"/>
           </a:p>
           <a:p>
             <a:pPr lvl="4"/>
             <a:r>
-              <a:rPr lang="zh-CN" altLang="en-US" smtClean="0"/>
+              <a:rPr lang="zh-CN" altLang="en-US"/>
               <a:t>第五级</a:t>
             </a:r>
-            <a:endParaRPr lang="zh-CN" altLang="en-US"/>
           </a:p>
         </p:txBody>
       </p:sp>
@@ -9395,6 +9496,7 @@
           <a:p>
             <a:fld id="{D997B5FA-0921-464F-AAE1-844C04324D75}" type="datetimeFigureOut">
               <a:rPr lang="zh-CN" altLang="en-US" smtClean="0"/>
+              <a:t>2020/7/15</a:t>
             </a:fld>
             <a:endParaRPr lang="zh-CN" altLang="en-US"/>
           </a:p>
@@ -9476,6 +9578,7 @@
           <a:p>
             <a:fld id="{565CE74E-AB26-4998-AD42-012C4C1AD076}" type="slidenum">
               <a:rPr lang="zh-CN" altLang="en-US" smtClean="0"/>
+              <a:t>‹#›</a:t>
             </a:fld>
             <a:endParaRPr lang="zh-CN" altLang="en-US"/>
           </a:p>
@@ -9786,7 +9889,7 @@
     <p:bg>
       <p:bgPr>
         <a:blipFill rotWithShape="1">
-          <a:blip r:embed="rId1"/>
+          <a:blip r:embed="rId2"/>
           <a:stretch>
             <a:fillRect/>
           </a:stretch>
@@ -9800,7 +9903,14 @@
         <p:cNvGrpSpPr/>
         <p:nvPr/>
       </p:nvGrpSpPr>
-      <p:grpSpPr/>
+      <p:grpSpPr>
+        <a:xfrm>
+          <a:off x="0" y="0"/>
+          <a:ext cx="0" cy="0"/>
+          <a:chOff x="0" y="0"/>
+          <a:chExt cx="0" cy="0"/>
+        </a:xfrm>
+      </p:grpSpPr>
       <p:sp>
         <p:nvSpPr>
           <p:cNvPr id="2" name="Title 1"/>
@@ -9814,6 +9924,7 @@
         <p:spPr/>
         <p:txBody>
           <a:bodyPr/>
+          <a:lstStyle/>
           <a:p>
             <a:r>
               <a:rPr lang="en-US" altLang="en-US">
@@ -9824,12 +9935,6 @@
               </a:rPr>
               <a:t>Juno运行AI</a:t>
             </a:r>
-            <a:endParaRPr lang="en-US" altLang="en-US">
-              <a:solidFill>
-                <a:schemeClr val="bg1"/>
-              </a:solidFill>
-              <a:cs typeface="Arial" panose="020B0604020202020204" pitchFamily="34" charset="0"/>
-            </a:endParaRPr>
           </a:p>
         </p:txBody>
       </p:sp>
@@ -9846,6 +9951,7 @@
         <p:spPr/>
         <p:txBody>
           <a:bodyPr/>
+          <a:lstStyle/>
           <a:p>
             <a:r>
               <a:rPr lang="en-US" altLang="en-US">
@@ -9857,13 +9963,6 @@
               </a:rPr>
               <a:t>界面模板v1.0</a:t>
             </a:r>
-            <a:endParaRPr lang="en-US" altLang="en-US">
-              <a:solidFill>
-                <a:schemeClr val="bg1"/>
-              </a:solidFill>
-              <a:latin typeface="Arial" panose="020B0604020202020204" pitchFamily="34" charset="0"/>
-              <a:cs typeface="Arial" panose="020B0604020202020204" pitchFamily="34" charset="0"/>
-            </a:endParaRPr>
           </a:p>
         </p:txBody>
       </p:sp>
@@ -9884,7 +9983,14 @@
         <p:cNvGrpSpPr/>
         <p:nvPr/>
       </p:nvGrpSpPr>
-      <p:grpSpPr/>
+      <p:grpSpPr>
+        <a:xfrm>
+          <a:off x="0" y="0"/>
+          <a:ext cx="0" cy="0"/>
+          <a:chOff x="0" y="0"/>
+          <a:chExt cx="0" cy="0"/>
+        </a:xfrm>
+      </p:grpSpPr>
       <p:sp>
         <p:nvSpPr>
           <p:cNvPr id="5" name="Rectangle 4"/>
@@ -9924,6 +10030,7 @@
         </p:style>
         <p:txBody>
           <a:bodyPr rtlCol="0" anchor="ctr"/>
+          <a:lstStyle/>
           <a:p>
             <a:pPr algn="ctr"/>
             <a:endParaRPr lang="en-US"/>
@@ -9972,6 +10079,7 @@
         </p:style>
         <p:txBody>
           <a:bodyPr rtlCol="0" anchor="ctr"/>
+          <a:lstStyle/>
           <a:p>
             <a:pPr algn="ctr"/>
             <a:endParaRPr lang="en-US">
@@ -10005,6 +10113,7 @@
               <a:lightRig rig="threePt" dir="t"/>
             </a:scene3d>
           </a:bodyPr>
+          <a:lstStyle/>
           <a:p>
             <a:pPr algn="ctr"/>
             <a:r>
@@ -10024,20 +10133,6 @@
               </a:rPr>
               <a:t>JUNO</a:t>
             </a:r>
-            <a:endParaRPr lang="en-US" altLang="en-US">
-              <a:solidFill>
-                <a:schemeClr val="bg1"/>
-              </a:solidFill>
-              <a:effectLst>
-                <a:outerShdw blurRad="38100" dist="19050" dir="2700000" algn="tl" rotWithShape="0">
-                  <a:schemeClr val="dk1">
-                    <a:alpha val="40000"/>
-                  </a:schemeClr>
-                </a:outerShdw>
-              </a:effectLst>
-              <a:latin typeface="Arial" panose="020B0604020202020204" pitchFamily="34" charset="0"/>
-              <a:cs typeface="Arial" panose="020B0604020202020204" pitchFamily="34" charset="0"/>
-            </a:endParaRPr>
           </a:p>
         </p:txBody>
       </p:sp>
@@ -10091,6 +10186,7 @@
           <a:bodyPr wrap="square" rtlCol="0">
             <a:spAutoFit/>
           </a:bodyPr>
+          <a:lstStyle/>
           <a:p>
             <a:pPr algn="ctr"/>
             <a:r>
@@ -10111,12 +10207,6 @@
               </a:rPr>
               <a:t>**</a:t>
             </a:r>
-            <a:endParaRPr lang="" altLang="en-US" sz="1200">
-              <a:solidFill>
-                <a:schemeClr val="bg1"/>
-              </a:solidFill>
-              <a:latin typeface="Arial" panose="020B0604020202020204" pitchFamily="34" charset="0"/>
-            </a:endParaRPr>
           </a:p>
         </p:txBody>
       </p:sp>
@@ -10185,6 +10275,7 @@
         </p:style>
         <p:txBody>
           <a:bodyPr rtlCol="0" anchor="ctr"/>
+          <a:lstStyle/>
           <a:p>
             <a:pPr algn="ctr"/>
             <a:endParaRPr lang="en-US">
@@ -10214,6 +10305,7 @@
           <a:bodyPr wrap="square" rtlCol="0">
             <a:spAutoFit/>
           </a:bodyPr>
+          <a:lstStyle/>
           <a:p>
             <a:pPr algn="ctr"/>
             <a:endParaRPr lang="en-US" altLang="en-US">
@@ -10234,12 +10326,6 @@
               </a:rPr>
               <a:t>现场概况</a:t>
             </a:r>
-            <a:endParaRPr lang="en-US" altLang="en-US">
-              <a:solidFill>
-                <a:schemeClr val="bg1"/>
-              </a:solidFill>
-              <a:latin typeface="Arial" panose="020B0604020202020204" pitchFamily="34" charset="0"/>
-            </a:endParaRPr>
           </a:p>
           <a:p>
             <a:pPr algn="ctr"/>
@@ -10261,12 +10347,6 @@
               </a:rPr>
               <a:t>运行管家</a:t>
             </a:r>
-            <a:endParaRPr lang="en-US" altLang="en-US">
-              <a:solidFill>
-                <a:schemeClr val="bg1"/>
-              </a:solidFill>
-              <a:latin typeface="Arial" panose="020B0604020202020204" pitchFamily="34" charset="0"/>
-            </a:endParaRPr>
           </a:p>
           <a:p>
             <a:pPr algn="ctr"/>
@@ -10288,12 +10368,6 @@
               </a:rPr>
               <a:t>数据库</a:t>
             </a:r>
-            <a:endParaRPr lang="en-US" altLang="en-US">
-              <a:solidFill>
-                <a:schemeClr val="bg1"/>
-              </a:solidFill>
-              <a:latin typeface="Arial" panose="020B0604020202020204" pitchFamily="34" charset="0"/>
-            </a:endParaRPr>
           </a:p>
           <a:p>
             <a:pPr algn="ctr"/>
@@ -10315,12 +10389,6 @@
               </a:rPr>
               <a:t>运行日志</a:t>
             </a:r>
-            <a:endParaRPr lang="en-US" altLang="en-US">
-              <a:solidFill>
-                <a:schemeClr val="bg1"/>
-              </a:solidFill>
-              <a:latin typeface="Arial" panose="020B0604020202020204" pitchFamily="34" charset="0"/>
-            </a:endParaRPr>
           </a:p>
           <a:p>
             <a:pPr algn="ctr"/>
@@ -10342,12 +10410,6 @@
               </a:rPr>
               <a:t>权限管理</a:t>
             </a:r>
-            <a:endParaRPr lang="en-US" altLang="en-US">
-              <a:solidFill>
-                <a:schemeClr val="bg1"/>
-              </a:solidFill>
-              <a:latin typeface="Arial" panose="020B0604020202020204" pitchFamily="34" charset="0"/>
-            </a:endParaRPr>
           </a:p>
           <a:p>
             <a:pPr algn="ctr"/>
@@ -10369,12 +10431,6 @@
               </a:rPr>
               <a:t>工艺展示</a:t>
             </a:r>
-            <a:endParaRPr lang="en-US" altLang="en-US">
-              <a:solidFill>
-                <a:schemeClr val="bg1"/>
-              </a:solidFill>
-              <a:latin typeface="Arial" panose="020B0604020202020204" pitchFamily="34" charset="0"/>
-            </a:endParaRPr>
           </a:p>
           <a:p>
             <a:pPr algn="ctr"/>
@@ -10431,6 +10487,7 @@
           <a:bodyPr wrap="square" rtlCol="0">
             <a:spAutoFit/>
           </a:bodyPr>
+          <a:lstStyle/>
           <a:p>
             <a:r>
               <a:rPr lang="en-US" altLang="en-US">
@@ -10441,12 +10498,6 @@
               </a:rPr>
               <a:t>现场概况</a:t>
             </a:r>
-            <a:endParaRPr lang="en-US" altLang="en-US">
-              <a:solidFill>
-                <a:schemeClr val="tx1"/>
-              </a:solidFill>
-              <a:latin typeface="Arial" panose="020B0604020202020204" pitchFamily="34" charset="0"/>
-            </a:endParaRPr>
           </a:p>
         </p:txBody>
       </p:sp>
@@ -10470,6 +10521,7 @@
           <a:bodyPr wrap="square" rtlCol="0">
             <a:spAutoFit/>
           </a:bodyPr>
+          <a:lstStyle/>
           <a:p>
             <a:r>
               <a:rPr lang="en-US" altLang="en-US">
@@ -10483,15 +10535,6 @@
               </a:rPr>
               <a:t>XXX20万吨污水处理厂</a:t>
             </a:r>
-            <a:endParaRPr lang="en-US" altLang="en-US">
-              <a:solidFill>
-                <a:schemeClr val="bg1">
-                  <a:lumMod val="50000"/>
-                </a:schemeClr>
-              </a:solidFill>
-              <a:latin typeface="Arial" panose="020B0604020202020204" pitchFamily="34" charset="0"/>
-              <a:cs typeface="Arial" panose="020B0604020202020204" pitchFamily="34" charset="0"/>
-            </a:endParaRPr>
           </a:p>
         </p:txBody>
       </p:sp>
@@ -10515,13 +10558,13 @@
           <a:bodyPr wrap="square" rtlCol="0">
             <a:spAutoFit/>
           </a:bodyPr>
+          <a:lstStyle/>
           <a:p>
             <a:pPr algn="ctr"/>
             <a:r>
               <a:rPr lang="" altLang="en-US" sz="800"/>
               <a:t>匀质池</a:t>
             </a:r>
-            <a:endParaRPr lang="" altLang="en-US" sz="800"/>
           </a:p>
         </p:txBody>
       </p:sp>
@@ -10542,14 +10585,33 @@
                 <a:tableStyleId>{5C22544A-7EE6-4342-B048-85BDC9FD1C3A}</a:tableStyleId>
               </a:tblPr>
               <a:tblGrid>
-                <a:gridCol w="669925"/>
-                <a:gridCol w="669925"/>
-                <a:gridCol w="669925"/>
+                <a:gridCol w="669925">
+                  <a:extLst>
+                    <a:ext uri="{9D8B030D-6E8A-4147-A177-3AD203B41FA5}">
+                      <a16:colId xmlns:a16="http://schemas.microsoft.com/office/drawing/2014/main" val="20000"/>
+                    </a:ext>
+                  </a:extLst>
+                </a:gridCol>
+                <a:gridCol w="669925">
+                  <a:extLst>
+                    <a:ext uri="{9D8B030D-6E8A-4147-A177-3AD203B41FA5}">
+                      <a16:colId xmlns:a16="http://schemas.microsoft.com/office/drawing/2014/main" val="20001"/>
+                    </a:ext>
+                  </a:extLst>
+                </a:gridCol>
+                <a:gridCol w="669925">
+                  <a:extLst>
+                    <a:ext uri="{9D8B030D-6E8A-4147-A177-3AD203B41FA5}">
+                      <a16:colId xmlns:a16="http://schemas.microsoft.com/office/drawing/2014/main" val="20002"/>
+                    </a:ext>
+                  </a:extLst>
+                </a:gridCol>
               </a:tblGrid>
               <a:tr h="213360">
                 <a:tc>
                   <a:txBody>
                     <a:bodyPr/>
+                    <a:lstStyle/>
                     <a:p>
                       <a:pPr algn="ctr">
                         <a:buNone/>
@@ -10558,7 +10620,6 @@
                         <a:rPr lang="" altLang="en-US" sz="800"/>
                         <a:t>指标</a:t>
                       </a:r>
-                      <a:endParaRPr lang="" altLang="en-US" sz="800"/>
                     </a:p>
                   </a:txBody>
                   <a:tcPr/>
@@ -10566,6 +10627,7 @@
                 <a:tc>
                   <a:txBody>
                     <a:bodyPr/>
+                    <a:lstStyle/>
                     <a:p>
                       <a:pPr algn="ctr">
                         <a:buNone/>
@@ -10574,7 +10636,6 @@
                         <a:rPr lang="" altLang="en-US" sz="800"/>
                         <a:t>值</a:t>
                       </a:r>
-                      <a:endParaRPr lang="" altLang="en-US" sz="800"/>
                     </a:p>
                   </a:txBody>
                   <a:tcPr/>
@@ -10582,6 +10643,7 @@
                 <a:tc>
                   <a:txBody>
                     <a:bodyPr/>
+                    <a:lstStyle/>
                     <a:p>
                       <a:pPr algn="ctr">
                         <a:buNone/>
@@ -10590,16 +10652,21 @@
                         <a:rPr lang="" altLang="en-US" sz="800"/>
                         <a:t>更新时间</a:t>
                       </a:r>
-                      <a:endParaRPr lang="" altLang="en-US" sz="800"/>
                     </a:p>
                   </a:txBody>
                   <a:tcPr/>
                 </a:tc>
+                <a:extLst>
+                  <a:ext uri="{0D108BD9-81ED-4DB2-BD59-A6C34878D82A}">
+                    <a16:rowId xmlns:a16="http://schemas.microsoft.com/office/drawing/2014/main" val="10000"/>
+                  </a:ext>
+                </a:extLst>
               </a:tr>
               <a:tr h="213360">
                 <a:tc>
                   <a:txBody>
                     <a:bodyPr/>
+                    <a:lstStyle/>
                     <a:p>
                       <a:pPr algn="ctr">
                         <a:buNone/>
@@ -10608,7 +10675,6 @@
                         <a:rPr lang="" altLang="en-US" sz="800"/>
                         <a:t>pH</a:t>
                       </a:r>
-                      <a:endParaRPr lang="" altLang="en-US" sz="800"/>
                     </a:p>
                   </a:txBody>
                   <a:tcPr/>
@@ -10616,6 +10682,7 @@
                 <a:tc>
                   <a:txBody>
                     <a:bodyPr/>
+                    <a:lstStyle/>
                     <a:p>
                       <a:pPr algn="ctr">
                         <a:buNone/>
@@ -10624,7 +10691,6 @@
                         <a:rPr lang="" altLang="en-US" sz="800"/>
                         <a:t>7.30</a:t>
                       </a:r>
-                      <a:endParaRPr lang="" altLang="en-US" sz="800"/>
                     </a:p>
                   </a:txBody>
                   <a:tcPr/>
@@ -10632,6 +10698,7 @@
                 <a:tc>
                   <a:txBody>
                     <a:bodyPr/>
+                    <a:lstStyle/>
                     <a:p>
                       <a:pPr algn="ctr">
                         <a:buNone/>
@@ -10640,16 +10707,21 @@
                         <a:rPr lang="" altLang="en-US" sz="800"/>
                         <a:t>17:51</a:t>
                       </a:r>
-                      <a:endParaRPr lang="" altLang="en-US" sz="800"/>
                     </a:p>
                   </a:txBody>
                   <a:tcPr/>
                 </a:tc>
+                <a:extLst>
+                  <a:ext uri="{0D108BD9-81ED-4DB2-BD59-A6C34878D82A}">
+                    <a16:rowId xmlns:a16="http://schemas.microsoft.com/office/drawing/2014/main" val="10001"/>
+                  </a:ext>
+                </a:extLst>
               </a:tr>
               <a:tr h="213360">
                 <a:tc>
                   <a:txBody>
                     <a:bodyPr/>
+                    <a:lstStyle/>
                     <a:p>
                       <a:pPr algn="ctr">
                         <a:buNone/>
@@ -10658,7 +10730,6 @@
                         <a:rPr lang="" altLang="en-US" sz="800"/>
                         <a:t>COD</a:t>
                       </a:r>
-                      <a:endParaRPr lang="" altLang="en-US" sz="800"/>
                     </a:p>
                   </a:txBody>
                   <a:tcPr/>
@@ -10666,6 +10737,7 @@
                 <a:tc>
                   <a:txBody>
                     <a:bodyPr/>
+                    <a:lstStyle/>
                     <a:p>
                       <a:pPr algn="ctr">
                         <a:buNone/>
@@ -10674,7 +10746,6 @@
                         <a:rPr lang="" altLang="en-US" sz="800"/>
                         <a:t>469</a:t>
                       </a:r>
-                      <a:endParaRPr lang="" altLang="en-US" sz="800"/>
                     </a:p>
                   </a:txBody>
                   <a:tcPr/>
@@ -10682,6 +10753,7 @@
                 <a:tc>
                   <a:txBody>
                     <a:bodyPr/>
+                    <a:lstStyle/>
                     <a:p>
                       <a:pPr algn="ctr">
                         <a:buNone/>
@@ -10690,16 +10762,21 @@
                         <a:rPr lang="" altLang="en-US" sz="800"/>
                         <a:t>昨天</a:t>
                       </a:r>
-                      <a:endParaRPr lang="" altLang="en-US" sz="800"/>
                     </a:p>
                   </a:txBody>
                   <a:tcPr/>
                 </a:tc>
+                <a:extLst>
+                  <a:ext uri="{0D108BD9-81ED-4DB2-BD59-A6C34878D82A}">
+                    <a16:rowId xmlns:a16="http://schemas.microsoft.com/office/drawing/2014/main" val="10002"/>
+                  </a:ext>
+                </a:extLst>
               </a:tr>
               <a:tr h="216535">
                 <a:tc>
                   <a:txBody>
                     <a:bodyPr/>
+                    <a:lstStyle/>
                     <a:p>
                       <a:pPr algn="ctr">
                         <a:buNone/>
@@ -10708,7 +10785,6 @@
                         <a:rPr lang="" altLang="en-US" sz="800"/>
                         <a:t>TN</a:t>
                       </a:r>
-                      <a:endParaRPr lang="" altLang="en-US" sz="800"/>
                     </a:p>
                   </a:txBody>
                   <a:tcPr/>
@@ -10716,6 +10792,7 @@
                 <a:tc>
                   <a:txBody>
                     <a:bodyPr/>
+                    <a:lstStyle/>
                     <a:p>
                       <a:pPr algn="ctr">
                         <a:buNone/>
@@ -10724,7 +10801,6 @@
                         <a:rPr lang="" altLang="en-US" sz="800"/>
                         <a:t>24.6</a:t>
                       </a:r>
-                      <a:endParaRPr lang="" altLang="en-US" sz="800"/>
                     </a:p>
                   </a:txBody>
                   <a:tcPr/>
@@ -10732,6 +10808,7 @@
                 <a:tc>
                   <a:txBody>
                     <a:bodyPr/>
+                    <a:lstStyle/>
                     <a:p>
                       <a:pPr algn="ctr">
                         <a:buNone/>
@@ -10740,11 +10817,15 @@
                         <a:rPr lang="" altLang="en-US" sz="800"/>
                         <a:t>昨天</a:t>
                       </a:r>
-                      <a:endParaRPr lang="" altLang="en-US" sz="800"/>
                     </a:p>
                   </a:txBody>
                   <a:tcPr/>
                 </a:tc>
+                <a:extLst>
+                  <a:ext uri="{0D108BD9-81ED-4DB2-BD59-A6C34878D82A}">
+                    <a16:rowId xmlns:a16="http://schemas.microsoft.com/office/drawing/2014/main" val="10003"/>
+                  </a:ext>
+                </a:extLst>
               </a:tr>
             </a:tbl>
           </a:graphicData>
@@ -10789,6 +10870,7 @@
         </p:style>
         <p:txBody>
           <a:bodyPr rtlCol="0" anchor="ctr"/>
+          <a:lstStyle/>
           <a:p>
             <a:pPr algn="ctr"/>
             <a:endParaRPr lang="en-US" sz="800"/>
@@ -10815,13 +10897,13 @@
           <a:bodyPr wrap="square" rtlCol="0">
             <a:spAutoFit/>
           </a:bodyPr>
+          <a:lstStyle/>
           <a:p>
             <a:pPr algn="ctr"/>
             <a:r>
               <a:rPr lang="" altLang="en-US" sz="800"/>
               <a:t>ASR-A池</a:t>
             </a:r>
-            <a:endParaRPr lang="" altLang="en-US" sz="800"/>
           </a:p>
         </p:txBody>
       </p:sp>
@@ -10842,14 +10924,33 @@
                 <a:tableStyleId>{5C22544A-7EE6-4342-B048-85BDC9FD1C3A}</a:tableStyleId>
               </a:tblPr>
               <a:tblGrid>
-                <a:gridCol w="669925"/>
-                <a:gridCol w="669925"/>
-                <a:gridCol w="669925"/>
+                <a:gridCol w="669925">
+                  <a:extLst>
+                    <a:ext uri="{9D8B030D-6E8A-4147-A177-3AD203B41FA5}">
+                      <a16:colId xmlns:a16="http://schemas.microsoft.com/office/drawing/2014/main" val="20000"/>
+                    </a:ext>
+                  </a:extLst>
+                </a:gridCol>
+                <a:gridCol w="669925">
+                  <a:extLst>
+                    <a:ext uri="{9D8B030D-6E8A-4147-A177-3AD203B41FA5}">
+                      <a16:colId xmlns:a16="http://schemas.microsoft.com/office/drawing/2014/main" val="20001"/>
+                    </a:ext>
+                  </a:extLst>
+                </a:gridCol>
+                <a:gridCol w="669925">
+                  <a:extLst>
+                    <a:ext uri="{9D8B030D-6E8A-4147-A177-3AD203B41FA5}">
+                      <a16:colId xmlns:a16="http://schemas.microsoft.com/office/drawing/2014/main" val="20002"/>
+                    </a:ext>
+                  </a:extLst>
+                </a:gridCol>
               </a:tblGrid>
               <a:tr h="213360">
                 <a:tc>
                   <a:txBody>
                     <a:bodyPr/>
+                    <a:lstStyle/>
                     <a:p>
                       <a:pPr algn="ctr">
                         <a:buNone/>
@@ -10858,7 +10959,6 @@
                         <a:rPr lang="en-US" altLang="en-US" sz="800"/>
                         <a:t>指标</a:t>
                       </a:r>
-                      <a:endParaRPr lang="en-US" altLang="en-US" sz="800"/>
                     </a:p>
                   </a:txBody>
                   <a:tcPr/>
@@ -10866,6 +10966,7 @@
                 <a:tc>
                   <a:txBody>
                     <a:bodyPr/>
+                    <a:lstStyle/>
                     <a:p>
                       <a:pPr algn="ctr">
                         <a:buNone/>
@@ -10874,7 +10975,6 @@
                         <a:rPr lang="en-US" altLang="en-US" sz="800"/>
                         <a:t>值</a:t>
                       </a:r>
-                      <a:endParaRPr lang="en-US" altLang="en-US" sz="800"/>
                     </a:p>
                   </a:txBody>
                   <a:tcPr/>
@@ -10882,6 +10982,7 @@
                 <a:tc>
                   <a:txBody>
                     <a:bodyPr/>
+                    <a:lstStyle/>
                     <a:p>
                       <a:pPr algn="ctr">
                         <a:buNone/>
@@ -10890,16 +10991,21 @@
                         <a:rPr lang="en-US" altLang="en-US" sz="800"/>
                         <a:t>更新时间</a:t>
                       </a:r>
-                      <a:endParaRPr lang="en-US" altLang="en-US" sz="800"/>
                     </a:p>
                   </a:txBody>
                   <a:tcPr/>
                 </a:tc>
+                <a:extLst>
+                  <a:ext uri="{0D108BD9-81ED-4DB2-BD59-A6C34878D82A}">
+                    <a16:rowId xmlns:a16="http://schemas.microsoft.com/office/drawing/2014/main" val="10000"/>
+                  </a:ext>
+                </a:extLst>
               </a:tr>
               <a:tr h="213360">
                 <a:tc>
                   <a:txBody>
                     <a:bodyPr/>
+                    <a:lstStyle/>
                     <a:p>
                       <a:pPr algn="ctr">
                         <a:buNone/>
@@ -10908,7 +11014,6 @@
                         <a:rPr lang="" altLang="en-US" sz="800"/>
                         <a:t>T</a:t>
                       </a:r>
-                      <a:endParaRPr lang="" altLang="en-US" sz="800"/>
                     </a:p>
                   </a:txBody>
                   <a:tcPr/>
@@ -10916,6 +11021,7 @@
                 <a:tc>
                   <a:txBody>
                     <a:bodyPr/>
+                    <a:lstStyle/>
                     <a:p>
                       <a:pPr algn="ctr">
                         <a:buNone/>
@@ -10928,7 +11034,6 @@
                         <a:rPr lang="" altLang="en-US" sz="800"/>
                         <a:t>70</a:t>
                       </a:r>
-                      <a:endParaRPr lang="" altLang="en-US" sz="800"/>
                     </a:p>
                   </a:txBody>
                   <a:tcPr/>
@@ -10936,6 +11041,7 @@
                 <a:tc>
                   <a:txBody>
                     <a:bodyPr/>
+                    <a:lstStyle/>
                     <a:p>
                       <a:pPr algn="ctr">
                         <a:buNone/>
@@ -10944,16 +11050,21 @@
                         <a:rPr lang="en-US" altLang="en-US" sz="800"/>
                         <a:t>17:51</a:t>
                       </a:r>
-                      <a:endParaRPr lang="en-US" altLang="en-US" sz="800"/>
                     </a:p>
                   </a:txBody>
                   <a:tcPr/>
                 </a:tc>
+                <a:extLst>
+                  <a:ext uri="{0D108BD9-81ED-4DB2-BD59-A6C34878D82A}">
+                    <a16:rowId xmlns:a16="http://schemas.microsoft.com/office/drawing/2014/main" val="10001"/>
+                  </a:ext>
+                </a:extLst>
               </a:tr>
               <a:tr h="213360">
                 <a:tc>
                   <a:txBody>
                     <a:bodyPr/>
+                    <a:lstStyle/>
                     <a:p>
                       <a:pPr algn="ctr">
                         <a:buNone/>
@@ -10962,7 +11073,6 @@
                         <a:rPr lang="" altLang="en-US" sz="800"/>
                         <a:t>DO</a:t>
                       </a:r>
-                      <a:endParaRPr lang="" altLang="en-US" sz="800"/>
                     </a:p>
                   </a:txBody>
                   <a:tcPr/>
@@ -10970,6 +11080,7 @@
                 <a:tc>
                   <a:txBody>
                     <a:bodyPr/>
+                    <a:lstStyle/>
                     <a:p>
                       <a:pPr algn="ctr">
                         <a:buNone/>
@@ -10978,7 +11089,6 @@
                         <a:rPr lang="" altLang="en-US" sz="800"/>
                         <a:t>3.7</a:t>
                       </a:r>
-                      <a:endParaRPr lang="" altLang="en-US" sz="800"/>
                     </a:p>
                   </a:txBody>
                   <a:tcPr/>
@@ -10986,6 +11096,7 @@
                 <a:tc>
                   <a:txBody>
                     <a:bodyPr/>
+                    <a:lstStyle/>
                     <a:p>
                       <a:pPr algn="ctr">
                         <a:buNone/>
@@ -10994,16 +11105,21 @@
                         <a:rPr lang="en-US" altLang="en-US" sz="800"/>
                         <a:t>昨天</a:t>
                       </a:r>
-                      <a:endParaRPr lang="en-US" altLang="en-US" sz="800"/>
                     </a:p>
                   </a:txBody>
                   <a:tcPr/>
                 </a:tc>
+                <a:extLst>
+                  <a:ext uri="{0D108BD9-81ED-4DB2-BD59-A6C34878D82A}">
+                    <a16:rowId xmlns:a16="http://schemas.microsoft.com/office/drawing/2014/main" val="10002"/>
+                  </a:ext>
+                </a:extLst>
               </a:tr>
               <a:tr h="213360">
                 <a:tc>
                   <a:txBody>
                     <a:bodyPr/>
+                    <a:lstStyle/>
                     <a:p>
                       <a:pPr algn="ctr">
                         <a:buNone/>
@@ -11012,7 +11128,6 @@
                         <a:rPr lang="" altLang="en-US" sz="800"/>
                         <a:t>pH</a:t>
                       </a:r>
-                      <a:endParaRPr lang="" altLang="en-US" sz="800"/>
                     </a:p>
                   </a:txBody>
                   <a:tcPr/>
@@ -11020,6 +11135,7 @@
                 <a:tc>
                   <a:txBody>
                     <a:bodyPr/>
+                    <a:lstStyle/>
                     <a:p>
                       <a:pPr algn="ctr">
                         <a:buNone/>
@@ -11028,7 +11144,6 @@
                         <a:rPr lang="" altLang="en-US" sz="800"/>
                         <a:t>13.9</a:t>
                       </a:r>
-                      <a:endParaRPr lang="" altLang="en-US" sz="800"/>
                     </a:p>
                   </a:txBody>
                   <a:tcPr/>
@@ -11036,6 +11151,7 @@
                 <a:tc>
                   <a:txBody>
                     <a:bodyPr/>
+                    <a:lstStyle/>
                     <a:p>
                       <a:pPr algn="ctr">
                         <a:buNone/>
@@ -11044,16 +11160,21 @@
                         <a:rPr lang="" altLang="en-US" sz="800"/>
                         <a:t>17:51</a:t>
                       </a:r>
-                      <a:endParaRPr lang="" altLang="en-US" sz="800"/>
                     </a:p>
                   </a:txBody>
                   <a:tcPr/>
                 </a:tc>
+                <a:extLst>
+                  <a:ext uri="{0D108BD9-81ED-4DB2-BD59-A6C34878D82A}">
+                    <a16:rowId xmlns:a16="http://schemas.microsoft.com/office/drawing/2014/main" val="10003"/>
+                  </a:ext>
+                </a:extLst>
               </a:tr>
               <a:tr h="213360">
                 <a:tc>
                   <a:txBody>
                     <a:bodyPr/>
+                    <a:lstStyle/>
                     <a:p>
                       <a:pPr algn="ctr">
                         <a:buNone/>
@@ -11062,7 +11183,6 @@
                         <a:rPr lang="" altLang="en-US" sz="800"/>
                         <a:t>HRT</a:t>
                       </a:r>
-                      <a:endParaRPr lang="" altLang="en-US" sz="800"/>
                     </a:p>
                   </a:txBody>
                   <a:tcPr/>
@@ -11070,6 +11190,7 @@
                 <a:tc>
                   <a:txBody>
                     <a:bodyPr/>
+                    <a:lstStyle/>
                     <a:p>
                       <a:pPr algn="ctr">
                         <a:buNone/>
@@ -11078,7 +11199,6 @@
                         <a:rPr lang="" altLang="en-US" sz="800"/>
                         <a:t>25</a:t>
                       </a:r>
-                      <a:endParaRPr lang="" altLang="en-US" sz="800"/>
                     </a:p>
                   </a:txBody>
                   <a:tcPr/>
@@ -11086,6 +11206,7 @@
                 <a:tc>
                   <a:txBody>
                     <a:bodyPr/>
+                    <a:lstStyle/>
                     <a:p>
                       <a:pPr algn="ctr">
                         <a:buNone/>
@@ -11094,11 +11215,15 @@
                         <a:rPr lang="" altLang="en-US" sz="800"/>
                         <a:t>昨天</a:t>
                       </a:r>
-                      <a:endParaRPr lang="" altLang="en-US" sz="800"/>
                     </a:p>
                   </a:txBody>
                   <a:tcPr/>
                 </a:tc>
+                <a:extLst>
+                  <a:ext uri="{0D108BD9-81ED-4DB2-BD59-A6C34878D82A}">
+                    <a16:rowId xmlns:a16="http://schemas.microsoft.com/office/drawing/2014/main" val="10004"/>
+                  </a:ext>
+                </a:extLst>
               </a:tr>
             </a:tbl>
           </a:graphicData>
@@ -11239,6 +11364,7 @@
         </p:style>
         <p:txBody>
           <a:bodyPr rtlCol="0" anchor="ctr"/>
+          <a:lstStyle/>
           <a:p>
             <a:pPr algn="ctr"/>
             <a:endParaRPr lang="en-US" sz="800"/>
@@ -11265,13 +11391,13 @@
           <a:bodyPr wrap="square" rtlCol="0">
             <a:spAutoFit/>
           </a:bodyPr>
+          <a:lstStyle/>
           <a:p>
             <a:pPr algn="ctr"/>
             <a:r>
               <a:rPr lang="" altLang="en-US" sz="800"/>
               <a:t>二沉池</a:t>
             </a:r>
-            <a:endParaRPr lang="" altLang="en-US" sz="800"/>
           </a:p>
         </p:txBody>
       </p:sp>
@@ -11292,14 +11418,33 @@
                 <a:tableStyleId>{5C22544A-7EE6-4342-B048-85BDC9FD1C3A}</a:tableStyleId>
               </a:tblPr>
               <a:tblGrid>
-                <a:gridCol w="656590"/>
-                <a:gridCol w="656590"/>
-                <a:gridCol w="656590"/>
+                <a:gridCol w="656590">
+                  <a:extLst>
+                    <a:ext uri="{9D8B030D-6E8A-4147-A177-3AD203B41FA5}">
+                      <a16:colId xmlns:a16="http://schemas.microsoft.com/office/drawing/2014/main" val="20000"/>
+                    </a:ext>
+                  </a:extLst>
+                </a:gridCol>
+                <a:gridCol w="656590">
+                  <a:extLst>
+                    <a:ext uri="{9D8B030D-6E8A-4147-A177-3AD203B41FA5}">
+                      <a16:colId xmlns:a16="http://schemas.microsoft.com/office/drawing/2014/main" val="20001"/>
+                    </a:ext>
+                  </a:extLst>
+                </a:gridCol>
+                <a:gridCol w="656590">
+                  <a:extLst>
+                    <a:ext uri="{9D8B030D-6E8A-4147-A177-3AD203B41FA5}">
+                      <a16:colId xmlns:a16="http://schemas.microsoft.com/office/drawing/2014/main" val="20002"/>
+                    </a:ext>
+                  </a:extLst>
+                </a:gridCol>
               </a:tblGrid>
               <a:tr h="213360">
                 <a:tc>
                   <a:txBody>
                     <a:bodyPr/>
+                    <a:lstStyle/>
                     <a:p>
                       <a:pPr algn="ctr">
                         <a:buNone/>
@@ -11308,7 +11453,6 @@
                         <a:rPr lang="en-US" altLang="en-US" sz="800"/>
                         <a:t>指标</a:t>
                       </a:r>
-                      <a:endParaRPr lang="en-US" altLang="en-US" sz="800"/>
                     </a:p>
                   </a:txBody>
                   <a:tcPr/>
@@ -11316,6 +11460,7 @@
                 <a:tc>
                   <a:txBody>
                     <a:bodyPr/>
+                    <a:lstStyle/>
                     <a:p>
                       <a:pPr algn="ctr">
                         <a:buNone/>
@@ -11324,7 +11469,6 @@
                         <a:rPr lang="en-US" altLang="en-US" sz="800"/>
                         <a:t>值</a:t>
                       </a:r>
-                      <a:endParaRPr lang="en-US" altLang="en-US" sz="800"/>
                     </a:p>
                   </a:txBody>
                   <a:tcPr/>
@@ -11332,6 +11476,7 @@
                 <a:tc>
                   <a:txBody>
                     <a:bodyPr/>
+                    <a:lstStyle/>
                     <a:p>
                       <a:pPr algn="ctr">
                         <a:buNone/>
@@ -11340,16 +11485,21 @@
                         <a:rPr lang="en-US" altLang="en-US" sz="800"/>
                         <a:t>更新时间</a:t>
                       </a:r>
-                      <a:endParaRPr lang="en-US" altLang="en-US" sz="800"/>
                     </a:p>
                   </a:txBody>
                   <a:tcPr/>
                 </a:tc>
+                <a:extLst>
+                  <a:ext uri="{0D108BD9-81ED-4DB2-BD59-A6C34878D82A}">
+                    <a16:rowId xmlns:a16="http://schemas.microsoft.com/office/drawing/2014/main" val="10000"/>
+                  </a:ext>
+                </a:extLst>
               </a:tr>
               <a:tr h="213360">
                 <a:tc>
                   <a:txBody>
                     <a:bodyPr/>
+                    <a:lstStyle/>
                     <a:p>
                       <a:pPr algn="ctr">
                         <a:buNone/>
@@ -11358,7 +11508,6 @@
                         <a:rPr lang="" altLang="en-US" sz="800"/>
                         <a:t>pH</a:t>
                       </a:r>
-                      <a:endParaRPr lang="" altLang="en-US" sz="800"/>
                     </a:p>
                   </a:txBody>
                   <a:tcPr/>
@@ -11366,6 +11515,7 @@
                 <a:tc>
                   <a:txBody>
                     <a:bodyPr/>
+                    <a:lstStyle/>
                     <a:p>
                       <a:pPr algn="ctr">
                         <a:buNone/>
@@ -11378,7 +11528,6 @@
                         <a:rPr lang="" altLang="en-US" sz="800"/>
                         <a:t>3</a:t>
                       </a:r>
-                      <a:endParaRPr lang="" altLang="en-US" sz="800"/>
                     </a:p>
                   </a:txBody>
                   <a:tcPr/>
@@ -11386,6 +11535,7 @@
                 <a:tc>
                   <a:txBody>
                     <a:bodyPr/>
+                    <a:lstStyle/>
                     <a:p>
                       <a:pPr algn="ctr">
                         <a:buNone/>
@@ -11394,16 +11544,21 @@
                         <a:rPr lang="en-US" altLang="en-US" sz="800"/>
                         <a:t>17:51</a:t>
                       </a:r>
-                      <a:endParaRPr lang="en-US" altLang="en-US" sz="800"/>
                     </a:p>
                   </a:txBody>
                   <a:tcPr/>
                 </a:tc>
+                <a:extLst>
+                  <a:ext uri="{0D108BD9-81ED-4DB2-BD59-A6C34878D82A}">
+                    <a16:rowId xmlns:a16="http://schemas.microsoft.com/office/drawing/2014/main" val="10001"/>
+                  </a:ext>
+                </a:extLst>
               </a:tr>
               <a:tr h="213360">
                 <a:tc>
                   <a:txBody>
                     <a:bodyPr/>
+                    <a:lstStyle/>
                     <a:p>
                       <a:pPr algn="ctr">
                         <a:buNone/>
@@ -11412,7 +11567,6 @@
                         <a:rPr lang="" altLang="en-US" sz="800"/>
                         <a:t>TOC</a:t>
                       </a:r>
-                      <a:endParaRPr lang="" altLang="en-US" sz="800"/>
                     </a:p>
                   </a:txBody>
                   <a:tcPr/>
@@ -11420,6 +11574,7 @@
                 <a:tc>
                   <a:txBody>
                     <a:bodyPr/>
+                    <a:lstStyle/>
                     <a:p>
                       <a:pPr algn="ctr">
                         <a:buNone/>
@@ -11428,7 +11583,6 @@
                         <a:rPr lang="" altLang="en-US" sz="800"/>
                         <a:t>24.3</a:t>
                       </a:r>
-                      <a:endParaRPr lang="" altLang="en-US" sz="800"/>
                     </a:p>
                   </a:txBody>
                   <a:tcPr/>
@@ -11436,6 +11590,7 @@
                 <a:tc>
                   <a:txBody>
                     <a:bodyPr/>
+                    <a:lstStyle/>
                     <a:p>
                       <a:pPr algn="ctr">
                         <a:buNone/>
@@ -11444,16 +11599,21 @@
                         <a:rPr lang="" altLang="en-US" sz="800"/>
                         <a:t>14:00</a:t>
                       </a:r>
-                      <a:endParaRPr lang="" altLang="en-US" sz="800"/>
                     </a:p>
                   </a:txBody>
                   <a:tcPr/>
                 </a:tc>
+                <a:extLst>
+                  <a:ext uri="{0D108BD9-81ED-4DB2-BD59-A6C34878D82A}">
+                    <a16:rowId xmlns:a16="http://schemas.microsoft.com/office/drawing/2014/main" val="10002"/>
+                  </a:ext>
+                </a:extLst>
               </a:tr>
               <a:tr h="213360">
                 <a:tc>
                   <a:txBody>
                     <a:bodyPr/>
+                    <a:lstStyle/>
                     <a:p>
                       <a:pPr algn="ctr">
                         <a:buNone/>
@@ -11462,7 +11622,6 @@
                         <a:rPr lang="" altLang="en-US" sz="800"/>
                         <a:t>COD</a:t>
                       </a:r>
-                      <a:endParaRPr lang="" altLang="en-US" sz="800"/>
                     </a:p>
                   </a:txBody>
                   <a:tcPr/>
@@ -11470,6 +11629,7 @@
                 <a:tc>
                   <a:txBody>
                     <a:bodyPr/>
+                    <a:lstStyle/>
                     <a:p>
                       <a:pPr algn="ctr">
                         <a:buNone/>
@@ -11478,7 +11638,6 @@
                         <a:rPr lang="" altLang="en-US" sz="800"/>
                         <a:t>90</a:t>
                       </a:r>
-                      <a:endParaRPr lang="" altLang="en-US" sz="800"/>
                     </a:p>
                   </a:txBody>
                   <a:tcPr/>
@@ -11486,6 +11645,7 @@
                 <a:tc>
                   <a:txBody>
                     <a:bodyPr/>
+                    <a:lstStyle/>
                     <a:p>
                       <a:pPr algn="ctr">
                         <a:buNone/>
@@ -11494,16 +11654,21 @@
                         <a:rPr lang="" altLang="en-US" sz="800"/>
                         <a:t>昨天</a:t>
                       </a:r>
-                      <a:endParaRPr lang="" altLang="en-US" sz="800"/>
                     </a:p>
                   </a:txBody>
                   <a:tcPr/>
                 </a:tc>
+                <a:extLst>
+                  <a:ext uri="{0D108BD9-81ED-4DB2-BD59-A6C34878D82A}">
+                    <a16:rowId xmlns:a16="http://schemas.microsoft.com/office/drawing/2014/main" val="10003"/>
+                  </a:ext>
+                </a:extLst>
               </a:tr>
               <a:tr h="213360">
                 <a:tc>
                   <a:txBody>
                     <a:bodyPr/>
+                    <a:lstStyle/>
                     <a:p>
                       <a:pPr algn="ctr">
                         <a:buNone/>
@@ -11512,7 +11677,6 @@
                         <a:rPr lang="" altLang="en-US" sz="800"/>
                         <a:t>TN</a:t>
                       </a:r>
-                      <a:endParaRPr lang="" altLang="en-US" sz="800"/>
                     </a:p>
                   </a:txBody>
                   <a:tcPr/>
@@ -11520,6 +11684,7 @@
                 <a:tc>
                   <a:txBody>
                     <a:bodyPr/>
+                    <a:lstStyle/>
                     <a:p>
                       <a:pPr algn="ctr">
                         <a:buNone/>
@@ -11528,7 +11693,6 @@
                         <a:rPr lang="" altLang="en-US" sz="800"/>
                         <a:t>22</a:t>
                       </a:r>
-                      <a:endParaRPr lang="" altLang="en-US" sz="800"/>
                     </a:p>
                   </a:txBody>
                   <a:tcPr/>
@@ -11536,6 +11700,7 @@
                 <a:tc>
                   <a:txBody>
                     <a:bodyPr/>
+                    <a:lstStyle/>
                     <a:p>
                       <a:pPr algn="ctr">
                         <a:buNone/>
@@ -11544,11 +11709,15 @@
                         <a:rPr lang="" altLang="en-US" sz="800"/>
                         <a:t>5天前</a:t>
                       </a:r>
-                      <a:endParaRPr lang="" altLang="en-US" sz="800"/>
                     </a:p>
                   </a:txBody>
                   <a:tcPr/>
                 </a:tc>
+                <a:extLst>
+                  <a:ext uri="{0D108BD9-81ED-4DB2-BD59-A6C34878D82A}">
+                    <a16:rowId xmlns:a16="http://schemas.microsoft.com/office/drawing/2014/main" val="10004"/>
+                  </a:ext>
+                </a:extLst>
               </a:tr>
             </a:tbl>
           </a:graphicData>
@@ -11641,6 +11810,7 @@
         </p:style>
         <p:txBody>
           <a:bodyPr rtlCol="0" anchor="ctr"/>
+          <a:lstStyle/>
           <a:p>
             <a:pPr algn="ctr"/>
             <a:endParaRPr lang="en-US"/>
@@ -11667,13 +11837,13 @@
           <a:bodyPr wrap="square" rtlCol="0">
             <a:spAutoFit/>
           </a:bodyPr>
+          <a:lstStyle/>
           <a:p>
             <a:pPr algn="ctr"/>
             <a:r>
               <a:rPr lang="" altLang="en-US" sz="800"/>
               <a:t>DO一览</a:t>
             </a:r>
-            <a:endParaRPr lang="" altLang="en-US" sz="800"/>
           </a:p>
         </p:txBody>
       </p:sp>
@@ -11694,14 +11864,33 @@
                 <a:tableStyleId>{5C22544A-7EE6-4342-B048-85BDC9FD1C3A}</a:tableStyleId>
               </a:tblPr>
               <a:tblGrid>
-                <a:gridCol w="626745"/>
-                <a:gridCol w="626745"/>
-                <a:gridCol w="626745"/>
+                <a:gridCol w="626745">
+                  <a:extLst>
+                    <a:ext uri="{9D8B030D-6E8A-4147-A177-3AD203B41FA5}">
+                      <a16:colId xmlns:a16="http://schemas.microsoft.com/office/drawing/2014/main" val="20000"/>
+                    </a:ext>
+                  </a:extLst>
+                </a:gridCol>
+                <a:gridCol w="626745">
+                  <a:extLst>
+                    <a:ext uri="{9D8B030D-6E8A-4147-A177-3AD203B41FA5}">
+                      <a16:colId xmlns:a16="http://schemas.microsoft.com/office/drawing/2014/main" val="20001"/>
+                    </a:ext>
+                  </a:extLst>
+                </a:gridCol>
+                <a:gridCol w="626745">
+                  <a:extLst>
+                    <a:ext uri="{9D8B030D-6E8A-4147-A177-3AD203B41FA5}">
+                      <a16:colId xmlns:a16="http://schemas.microsoft.com/office/drawing/2014/main" val="20002"/>
+                    </a:ext>
+                  </a:extLst>
+                </a:gridCol>
               </a:tblGrid>
               <a:tr h="241935">
                 <a:tc>
                   <a:txBody>
                     <a:bodyPr/>
+                    <a:lstStyle/>
                     <a:p>
                       <a:pPr algn="ctr">
                         <a:buNone/>
@@ -11710,7 +11899,6 @@
                         <a:rPr lang="" altLang="en-US" sz="800"/>
                         <a:t>池</a:t>
                       </a:r>
-                      <a:endParaRPr lang="" altLang="en-US" sz="800"/>
                     </a:p>
                   </a:txBody>
                   <a:tcPr/>
@@ -11718,6 +11906,7 @@
                 <a:tc>
                   <a:txBody>
                     <a:bodyPr/>
+                    <a:lstStyle/>
                     <a:p>
                       <a:pPr algn="ctr">
                         <a:buNone/>
@@ -11726,7 +11915,6 @@
                         <a:rPr lang="" altLang="en-US" sz="800"/>
                         <a:t>DO值</a:t>
                       </a:r>
-                      <a:endParaRPr lang="" altLang="en-US" sz="800"/>
                     </a:p>
                   </a:txBody>
                   <a:tcPr/>
@@ -11734,6 +11922,7 @@
                 <a:tc>
                   <a:txBody>
                     <a:bodyPr/>
+                    <a:lstStyle/>
                     <a:p>
                       <a:pPr algn="ctr">
                         <a:buNone/>
@@ -11742,16 +11931,21 @@
                         <a:rPr lang="en-US" altLang="en-US" sz="800"/>
                         <a:t>更新时间</a:t>
                       </a:r>
-                      <a:endParaRPr lang="en-US" altLang="en-US" sz="800"/>
                     </a:p>
                   </a:txBody>
                   <a:tcPr/>
                 </a:tc>
+                <a:extLst>
+                  <a:ext uri="{0D108BD9-81ED-4DB2-BD59-A6C34878D82A}">
+                    <a16:rowId xmlns:a16="http://schemas.microsoft.com/office/drawing/2014/main" val="10000"/>
+                  </a:ext>
+                </a:extLst>
               </a:tr>
               <a:tr h="241935">
                 <a:tc>
                   <a:txBody>
                     <a:bodyPr/>
+                    <a:lstStyle/>
                     <a:p>
                       <a:pPr algn="ctr">
                         <a:buNone/>
@@ -11760,7 +11954,6 @@
                         <a:rPr lang="" altLang="en-US" sz="800"/>
                         <a:t>ASR-A</a:t>
                       </a:r>
-                      <a:endParaRPr lang="" altLang="en-US" sz="800"/>
                     </a:p>
                   </a:txBody>
                   <a:tcPr/>
@@ -11768,6 +11961,7 @@
                 <a:tc>
                   <a:txBody>
                     <a:bodyPr/>
+                    <a:lstStyle/>
                     <a:p>
                       <a:pPr algn="ctr">
                         <a:buNone/>
@@ -11776,7 +11970,6 @@
                         <a:rPr lang="" altLang="en-US" sz="800"/>
                         <a:t>2.0</a:t>
                       </a:r>
-                      <a:endParaRPr lang="" altLang="en-US" sz="800"/>
                     </a:p>
                   </a:txBody>
                   <a:tcPr/>
@@ -11784,6 +11977,7 @@
                 <a:tc>
                   <a:txBody>
                     <a:bodyPr/>
+                    <a:lstStyle/>
                     <a:p>
                       <a:pPr algn="ctr">
                         <a:buNone/>
@@ -11792,16 +11986,21 @@
                         <a:rPr lang="" altLang="en-US" sz="800"/>
                         <a:t>14:00</a:t>
                       </a:r>
-                      <a:endParaRPr lang="" altLang="en-US" sz="800"/>
                     </a:p>
                   </a:txBody>
                   <a:tcPr/>
                 </a:tc>
+                <a:extLst>
+                  <a:ext uri="{0D108BD9-81ED-4DB2-BD59-A6C34878D82A}">
+                    <a16:rowId xmlns:a16="http://schemas.microsoft.com/office/drawing/2014/main" val="10001"/>
+                  </a:ext>
+                </a:extLst>
               </a:tr>
               <a:tr h="241935">
                 <a:tc>
                   <a:txBody>
                     <a:bodyPr/>
+                    <a:lstStyle/>
                     <a:p>
                       <a:pPr algn="ctr">
                         <a:buNone/>
@@ -11810,7 +12009,6 @@
                         <a:rPr lang="" altLang="en-US" sz="800"/>
                         <a:t>CBR-A</a:t>
                       </a:r>
-                      <a:endParaRPr lang="" altLang="en-US" sz="800"/>
                     </a:p>
                   </a:txBody>
                   <a:tcPr/>
@@ -11818,6 +12016,7 @@
                 <a:tc>
                   <a:txBody>
                     <a:bodyPr/>
+                    <a:lstStyle/>
                     <a:p>
                       <a:pPr algn="ctr">
                         <a:buNone/>
@@ -11826,7 +12025,6 @@
                         <a:rPr lang="" altLang="en-US" sz="800"/>
                         <a:t>7.25</a:t>
                       </a:r>
-                      <a:endParaRPr lang="" altLang="en-US" sz="800"/>
                     </a:p>
                   </a:txBody>
                   <a:tcPr/>
@@ -11834,6 +12032,7 @@
                 <a:tc>
                   <a:txBody>
                     <a:bodyPr/>
+                    <a:lstStyle/>
                     <a:p>
                       <a:pPr algn="ctr">
                         <a:buNone/>
@@ -11842,16 +12041,21 @@
                         <a:rPr lang="en-US" altLang="en-US" sz="800"/>
                         <a:t>14:00</a:t>
                       </a:r>
-                      <a:endParaRPr lang="en-US" altLang="en-US" sz="800"/>
                     </a:p>
                   </a:txBody>
                   <a:tcPr/>
                 </a:tc>
+                <a:extLst>
+                  <a:ext uri="{0D108BD9-81ED-4DB2-BD59-A6C34878D82A}">
+                    <a16:rowId xmlns:a16="http://schemas.microsoft.com/office/drawing/2014/main" val="10002"/>
+                  </a:ext>
+                </a:extLst>
               </a:tr>
               <a:tr h="241935">
                 <a:tc>
                   <a:txBody>
                     <a:bodyPr/>
+                    <a:lstStyle/>
                     <a:p>
                       <a:pPr algn="ctr">
                         <a:buNone/>
@@ -11860,7 +12064,6 @@
                         <a:rPr lang="" altLang="en-US" sz="800"/>
                         <a:t>ASR-B</a:t>
                       </a:r>
-                      <a:endParaRPr lang="" altLang="en-US" sz="800"/>
                     </a:p>
                   </a:txBody>
                   <a:tcPr/>
@@ -11868,6 +12071,7 @@
                 <a:tc>
                   <a:txBody>
                     <a:bodyPr/>
+                    <a:lstStyle/>
                     <a:p>
                       <a:pPr algn="ctr">
                         <a:buNone/>
@@ -11876,7 +12080,6 @@
                         <a:rPr lang="" altLang="en-US" sz="800"/>
                         <a:t>2.3</a:t>
                       </a:r>
-                      <a:endParaRPr lang="" altLang="en-US" sz="800"/>
                     </a:p>
                   </a:txBody>
                   <a:tcPr/>
@@ -11884,6 +12087,7 @@
                 <a:tc>
                   <a:txBody>
                     <a:bodyPr/>
+                    <a:lstStyle/>
                     <a:p>
                       <a:pPr algn="ctr">
                         <a:buNone/>
@@ -11894,18 +12098,21 @@
                         </a:rPr>
                         <a:t>14:00</a:t>
                       </a:r>
-                      <a:endParaRPr lang="en-US" altLang="en-US" sz="800">
-                        <a:sym typeface="+mn-ea"/>
-                      </a:endParaRPr>
                     </a:p>
                   </a:txBody>
                   <a:tcPr/>
                 </a:tc>
+                <a:extLst>
+                  <a:ext uri="{0D108BD9-81ED-4DB2-BD59-A6C34878D82A}">
+                    <a16:rowId xmlns:a16="http://schemas.microsoft.com/office/drawing/2014/main" val="10003"/>
+                  </a:ext>
+                </a:extLst>
               </a:tr>
               <a:tr h="241935">
                 <a:tc>
                   <a:txBody>
                     <a:bodyPr/>
+                    <a:lstStyle/>
                     <a:p>
                       <a:pPr algn="ctr">
                         <a:buNone/>
@@ -11914,7 +12121,6 @@
                         <a:rPr lang="" altLang="en-US" sz="800"/>
                         <a:t>CBR-B</a:t>
                       </a:r>
-                      <a:endParaRPr lang="" altLang="en-US" sz="800"/>
                     </a:p>
                   </a:txBody>
                   <a:tcPr/>
@@ -11922,6 +12128,7 @@
                 <a:tc>
                   <a:txBody>
                     <a:bodyPr/>
+                    <a:lstStyle/>
                     <a:p>
                       <a:pPr algn="ctr">
                         <a:buNone/>
@@ -11930,7 +12137,6 @@
                         <a:rPr lang="" altLang="en-US" sz="800"/>
                         <a:t>4.40</a:t>
                       </a:r>
-                      <a:endParaRPr lang="" altLang="en-US" sz="800"/>
                     </a:p>
                   </a:txBody>
                   <a:tcPr/>
@@ -11938,6 +12144,7 @@
                 <a:tc>
                   <a:txBody>
                     <a:bodyPr/>
+                    <a:lstStyle/>
                     <a:p>
                       <a:pPr algn="ctr">
                         <a:buNone/>
@@ -11948,13 +12155,15 @@
                         </a:rPr>
                         <a:t>14:00</a:t>
                       </a:r>
-                      <a:endParaRPr lang="en-US" altLang="en-US" sz="800">
-                        <a:sym typeface="+mn-ea"/>
-                      </a:endParaRPr>
                     </a:p>
                   </a:txBody>
                   <a:tcPr/>
                 </a:tc>
+                <a:extLst>
+                  <a:ext uri="{0D108BD9-81ED-4DB2-BD59-A6C34878D82A}">
+                    <a16:rowId xmlns:a16="http://schemas.microsoft.com/office/drawing/2014/main" val="10004"/>
+                  </a:ext>
+                </a:extLst>
               </a:tr>
             </a:tbl>
           </a:graphicData>
@@ -12047,6 +12256,7 @@
         </p:style>
         <p:txBody>
           <a:bodyPr rtlCol="0" anchor="ctr"/>
+          <a:lstStyle/>
           <a:p>
             <a:pPr algn="ctr"/>
             <a:endParaRPr lang="en-US"/>
@@ -12073,13 +12283,13 @@
           <a:bodyPr wrap="square" rtlCol="0">
             <a:spAutoFit/>
           </a:bodyPr>
+          <a:lstStyle/>
           <a:p>
             <a:pPr algn="ctr"/>
             <a:r>
               <a:rPr lang="" altLang="en-US" sz="800"/>
               <a:t>排放池</a:t>
             </a:r>
-            <a:endParaRPr lang="" altLang="en-US" sz="800"/>
           </a:p>
         </p:txBody>
       </p:sp>
@@ -12100,14 +12310,33 @@
                 <a:tableStyleId>{5C22544A-7EE6-4342-B048-85BDC9FD1C3A}</a:tableStyleId>
               </a:tblPr>
               <a:tblGrid>
-                <a:gridCol w="626745"/>
-                <a:gridCol w="626745"/>
-                <a:gridCol w="626745"/>
+                <a:gridCol w="626745">
+                  <a:extLst>
+                    <a:ext uri="{9D8B030D-6E8A-4147-A177-3AD203B41FA5}">
+                      <a16:colId xmlns:a16="http://schemas.microsoft.com/office/drawing/2014/main" val="20000"/>
+                    </a:ext>
+                  </a:extLst>
+                </a:gridCol>
+                <a:gridCol w="626745">
+                  <a:extLst>
+                    <a:ext uri="{9D8B030D-6E8A-4147-A177-3AD203B41FA5}">
+                      <a16:colId xmlns:a16="http://schemas.microsoft.com/office/drawing/2014/main" val="20001"/>
+                    </a:ext>
+                  </a:extLst>
+                </a:gridCol>
+                <a:gridCol w="626745">
+                  <a:extLst>
+                    <a:ext uri="{9D8B030D-6E8A-4147-A177-3AD203B41FA5}">
+                      <a16:colId xmlns:a16="http://schemas.microsoft.com/office/drawing/2014/main" val="20002"/>
+                    </a:ext>
+                  </a:extLst>
+                </a:gridCol>
               </a:tblGrid>
               <a:tr h="241935">
                 <a:tc>
                   <a:txBody>
                     <a:bodyPr/>
+                    <a:lstStyle/>
                     <a:p>
                       <a:pPr algn="ctr">
                         <a:buNone/>
@@ -12116,7 +12345,6 @@
                         <a:rPr lang="" altLang="en-US" sz="800"/>
                         <a:t>指标</a:t>
                       </a:r>
-                      <a:endParaRPr lang="" altLang="en-US" sz="800"/>
                     </a:p>
                   </a:txBody>
                   <a:tcPr/>
@@ -12124,6 +12352,7 @@
                 <a:tc>
                   <a:txBody>
                     <a:bodyPr/>
+                    <a:lstStyle/>
                     <a:p>
                       <a:pPr algn="ctr">
                         <a:buNone/>
@@ -12132,7 +12361,6 @@
                         <a:rPr lang="" altLang="en-US" sz="800"/>
                         <a:t>值</a:t>
                       </a:r>
-                      <a:endParaRPr lang="" altLang="en-US" sz="800"/>
                     </a:p>
                   </a:txBody>
                   <a:tcPr/>
@@ -12140,6 +12368,7 @@
                 <a:tc>
                   <a:txBody>
                     <a:bodyPr/>
+                    <a:lstStyle/>
                     <a:p>
                       <a:pPr algn="ctr">
                         <a:buNone/>
@@ -12148,16 +12377,21 @@
                         <a:rPr lang="en-US" altLang="en-US" sz="800"/>
                         <a:t>更新时间</a:t>
                       </a:r>
-                      <a:endParaRPr lang="en-US" altLang="en-US" sz="800"/>
                     </a:p>
                   </a:txBody>
                   <a:tcPr/>
                 </a:tc>
+                <a:extLst>
+                  <a:ext uri="{0D108BD9-81ED-4DB2-BD59-A6C34878D82A}">
+                    <a16:rowId xmlns:a16="http://schemas.microsoft.com/office/drawing/2014/main" val="10000"/>
+                  </a:ext>
+                </a:extLst>
               </a:tr>
               <a:tr h="241935">
                 <a:tc>
                   <a:txBody>
                     <a:bodyPr/>
+                    <a:lstStyle/>
                     <a:p>
                       <a:pPr algn="ctr">
                         <a:buNone/>
@@ -12166,7 +12400,6 @@
                         <a:rPr lang="" altLang="en-US" sz="800"/>
                         <a:t>pH</a:t>
                       </a:r>
-                      <a:endParaRPr lang="" altLang="en-US" sz="800"/>
                     </a:p>
                   </a:txBody>
                   <a:tcPr/>
@@ -12174,6 +12407,7 @@
                 <a:tc>
                   <a:txBody>
                     <a:bodyPr/>
+                    <a:lstStyle/>
                     <a:p>
                       <a:pPr algn="ctr">
                         <a:buNone/>
@@ -12182,7 +12416,6 @@
                         <a:rPr lang="" altLang="en-US" sz="800"/>
                         <a:t>8.10</a:t>
                       </a:r>
-                      <a:endParaRPr lang="" altLang="en-US" sz="800"/>
                     </a:p>
                   </a:txBody>
                   <a:tcPr/>
@@ -12190,6 +12423,7 @@
                 <a:tc>
                   <a:txBody>
                     <a:bodyPr/>
+                    <a:lstStyle/>
                     <a:p>
                       <a:pPr algn="ctr">
                         <a:buNone/>
@@ -12202,16 +12436,21 @@
                         <a:rPr lang="" altLang="en-US" sz="800"/>
                         <a:t>7:51</a:t>
                       </a:r>
-                      <a:endParaRPr lang="" altLang="en-US" sz="800"/>
                     </a:p>
                   </a:txBody>
                   <a:tcPr/>
                 </a:tc>
+                <a:extLst>
+                  <a:ext uri="{0D108BD9-81ED-4DB2-BD59-A6C34878D82A}">
+                    <a16:rowId xmlns:a16="http://schemas.microsoft.com/office/drawing/2014/main" val="10001"/>
+                  </a:ext>
+                </a:extLst>
               </a:tr>
               <a:tr h="241935">
                 <a:tc>
                   <a:txBody>
                     <a:bodyPr/>
+                    <a:lstStyle/>
                     <a:p>
                       <a:pPr algn="ctr">
                         <a:buNone/>
@@ -12220,7 +12459,6 @@
                         <a:rPr lang="" altLang="en-US" sz="800"/>
                         <a:t>TOC</a:t>
                       </a:r>
-                      <a:endParaRPr lang="" altLang="en-US" sz="800"/>
                     </a:p>
                   </a:txBody>
                   <a:tcPr/>
@@ -12228,6 +12466,7 @@
                 <a:tc>
                   <a:txBody>
                     <a:bodyPr/>
+                    <a:lstStyle/>
                     <a:p>
                       <a:pPr algn="ctr">
                         <a:buNone/>
@@ -12236,7 +12475,6 @@
                         <a:rPr lang="" altLang="en-US" sz="800"/>
                         <a:t>13.7</a:t>
                       </a:r>
-                      <a:endParaRPr lang="" altLang="en-US" sz="800"/>
                     </a:p>
                   </a:txBody>
                   <a:tcPr/>
@@ -12244,6 +12482,7 @@
                 <a:tc>
                   <a:txBody>
                     <a:bodyPr/>
+                    <a:lstStyle/>
                     <a:p>
                       <a:pPr algn="ctr">
                         <a:buNone/>
@@ -12256,16 +12495,21 @@
                         <a:rPr lang="" sz="800"/>
                         <a:t>7:51</a:t>
                       </a:r>
-                      <a:endParaRPr lang="" sz="800"/>
                     </a:p>
                   </a:txBody>
                   <a:tcPr/>
                 </a:tc>
+                <a:extLst>
+                  <a:ext uri="{0D108BD9-81ED-4DB2-BD59-A6C34878D82A}">
+                    <a16:rowId xmlns:a16="http://schemas.microsoft.com/office/drawing/2014/main" val="10002"/>
+                  </a:ext>
+                </a:extLst>
               </a:tr>
               <a:tr h="241935">
                 <a:tc>
                   <a:txBody>
                     <a:bodyPr/>
+                    <a:lstStyle/>
                     <a:p>
                       <a:pPr algn="ctr">
                         <a:buNone/>
@@ -12274,7 +12518,6 @@
                         <a:rPr lang="" altLang="en-US" sz="800"/>
                         <a:t>COD</a:t>
                       </a:r>
-                      <a:endParaRPr lang="" altLang="en-US" sz="800"/>
                     </a:p>
                   </a:txBody>
                   <a:tcPr/>
@@ -12282,6 +12525,7 @@
                 <a:tc>
                   <a:txBody>
                     <a:bodyPr/>
+                    <a:lstStyle/>
                     <a:p>
                       <a:pPr algn="ctr">
                         <a:buNone/>
@@ -12290,7 +12534,6 @@
                         <a:rPr lang="" altLang="en-US" sz="800"/>
                         <a:t>42</a:t>
                       </a:r>
-                      <a:endParaRPr lang="" altLang="en-US" sz="800"/>
                     </a:p>
                   </a:txBody>
                   <a:tcPr/>
@@ -12298,6 +12541,7 @@
                 <a:tc>
                   <a:txBody>
                     <a:bodyPr/>
+                    <a:lstStyle/>
                     <a:p>
                       <a:pPr algn="ctr">
                         <a:buNone/>
@@ -12308,18 +12552,21 @@
                         </a:rPr>
                         <a:t>昨天</a:t>
                       </a:r>
-                      <a:endParaRPr lang="" altLang="en-US" sz="800">
-                        <a:sym typeface="+mn-ea"/>
-                      </a:endParaRPr>
                     </a:p>
                   </a:txBody>
                   <a:tcPr/>
                 </a:tc>
+                <a:extLst>
+                  <a:ext uri="{0D108BD9-81ED-4DB2-BD59-A6C34878D82A}">
+                    <a16:rowId xmlns:a16="http://schemas.microsoft.com/office/drawing/2014/main" val="10003"/>
+                  </a:ext>
+                </a:extLst>
               </a:tr>
               <a:tr h="241935">
                 <a:tc>
                   <a:txBody>
                     <a:bodyPr/>
+                    <a:lstStyle/>
                     <a:p>
                       <a:pPr algn="ctr">
                         <a:buNone/>
@@ -12328,7 +12575,6 @@
                         <a:rPr lang="" altLang="en-US" sz="800"/>
                         <a:t>TN</a:t>
                       </a:r>
-                      <a:endParaRPr lang="" altLang="en-US" sz="800"/>
                     </a:p>
                   </a:txBody>
                   <a:tcPr/>
@@ -12336,6 +12582,7 @@
                 <a:tc>
                   <a:txBody>
                     <a:bodyPr/>
+                    <a:lstStyle/>
                     <a:p>
                       <a:pPr algn="ctr">
                         <a:buNone/>
@@ -12344,7 +12591,6 @@
                         <a:rPr lang="" altLang="en-US" sz="800"/>
                         <a:t>3.5</a:t>
                       </a:r>
-                      <a:endParaRPr lang="" altLang="en-US" sz="800"/>
                     </a:p>
                   </a:txBody>
                   <a:tcPr/>
@@ -12352,6 +12598,7 @@
                 <a:tc>
                   <a:txBody>
                     <a:bodyPr/>
+                    <a:lstStyle/>
                     <a:p>
                       <a:pPr algn="ctr">
                         <a:buNone/>
@@ -12362,18 +12609,21 @@
                         </a:rPr>
                         <a:t>昨天</a:t>
                       </a:r>
-                      <a:endParaRPr lang="" altLang="en-US" sz="800">
-                        <a:sym typeface="+mn-ea"/>
-                      </a:endParaRPr>
                     </a:p>
                   </a:txBody>
                   <a:tcPr/>
                 </a:tc>
+                <a:extLst>
+                  <a:ext uri="{0D108BD9-81ED-4DB2-BD59-A6C34878D82A}">
+                    <a16:rowId xmlns:a16="http://schemas.microsoft.com/office/drawing/2014/main" val="10004"/>
+                  </a:ext>
+                </a:extLst>
               </a:tr>
               <a:tr h="241935">
                 <a:tc>
                   <a:txBody>
                     <a:bodyPr/>
+                    <a:lstStyle/>
                     <a:p>
                       <a:pPr algn="ctr">
                         <a:buNone/>
@@ -12382,7 +12632,6 @@
                         <a:rPr lang="" altLang="en-US" sz="800"/>
                         <a:t>TP</a:t>
                       </a:r>
-                      <a:endParaRPr lang="" altLang="en-US" sz="800"/>
                     </a:p>
                   </a:txBody>
                   <a:tcPr/>
@@ -12390,6 +12639,7 @@
                 <a:tc>
                   <a:txBody>
                     <a:bodyPr/>
+                    <a:lstStyle/>
                     <a:p>
                       <a:pPr algn="ctr">
                         <a:buNone/>
@@ -12398,7 +12648,6 @@
                         <a:rPr lang="" altLang="en-US" sz="800"/>
                         <a:t>0.07</a:t>
                       </a:r>
-                      <a:endParaRPr lang="" altLang="en-US" sz="800"/>
                     </a:p>
                   </a:txBody>
                   <a:tcPr/>
@@ -12406,6 +12655,7 @@
                 <a:tc>
                   <a:txBody>
                     <a:bodyPr/>
+                    <a:lstStyle/>
                     <a:p>
                       <a:pPr algn="ctr">
                         <a:buNone/>
@@ -12416,13 +12666,15 @@
                         </a:rPr>
                         <a:t>昨天</a:t>
                       </a:r>
-                      <a:endParaRPr lang="" altLang="en-US" sz="800">
-                        <a:sym typeface="+mn-ea"/>
-                      </a:endParaRPr>
                     </a:p>
                   </a:txBody>
                   <a:tcPr/>
                 </a:tc>
+                <a:extLst>
+                  <a:ext uri="{0D108BD9-81ED-4DB2-BD59-A6C34878D82A}">
+                    <a16:rowId xmlns:a16="http://schemas.microsoft.com/office/drawing/2014/main" val="10005"/>
+                  </a:ext>
+                </a:extLst>
               </a:tr>
             </a:tbl>
           </a:graphicData>
@@ -12515,6 +12767,7 @@
         </p:style>
         <p:txBody>
           <a:bodyPr rtlCol="0" anchor="ctr"/>
+          <a:lstStyle/>
           <a:p>
             <a:pPr algn="ctr"/>
             <a:endParaRPr lang="en-US"/>
@@ -12541,13 +12794,13 @@
           <a:bodyPr wrap="square" rtlCol="0">
             <a:spAutoFit/>
           </a:bodyPr>
+          <a:lstStyle/>
           <a:p>
             <a:pPr algn="ctr"/>
             <a:r>
               <a:rPr lang="" altLang="en-US" sz="800"/>
               <a:t>匀质池COD趋势</a:t>
             </a:r>
-            <a:endParaRPr lang="" altLang="en-US" sz="800"/>
           </a:p>
         </p:txBody>
       </p:sp>
@@ -12611,7 +12864,7 @@
         </p:xfrm>
         <a:graphic>
           <a:graphicData uri="http://schemas.openxmlformats.org/drawingml/2006/chart">
-            <c:chart xmlns:c="http://schemas.openxmlformats.org/drawingml/2006/chart" xmlns:r="http://schemas.openxmlformats.org/officeDocument/2006/relationships" r:id="rId1"/>
+            <c:chart xmlns:c="http://schemas.openxmlformats.org/drawingml/2006/chart" xmlns:r="http://schemas.openxmlformats.org/officeDocument/2006/relationships" r:id="rId7"/>
           </a:graphicData>
         </a:graphic>
       </p:graphicFrame>
@@ -12654,6 +12907,7 @@
         </p:style>
         <p:txBody>
           <a:bodyPr rtlCol="0" anchor="ctr"/>
+          <a:lstStyle/>
           <a:p>
             <a:pPr algn="ctr"/>
             <a:endParaRPr lang="en-US"/>
@@ -12680,6 +12934,7 @@
           <a:bodyPr wrap="square" rtlCol="0">
             <a:spAutoFit/>
           </a:bodyPr>
+          <a:lstStyle/>
           <a:p>
             <a:pPr algn="ctr"/>
             <a:r>
@@ -12690,7 +12945,6 @@
               <a:rPr lang="en-US" altLang="en-US" sz="800"/>
               <a:t>COD趋势</a:t>
             </a:r>
-            <a:endParaRPr lang="en-US" altLang="en-US" sz="800"/>
           </a:p>
         </p:txBody>
       </p:sp>
@@ -12754,7 +13008,7 @@
         </p:xfrm>
         <a:graphic>
           <a:graphicData uri="http://schemas.openxmlformats.org/drawingml/2006/chart">
-            <c:chart xmlns:c="http://schemas.openxmlformats.org/drawingml/2006/chart" xmlns:r="http://schemas.openxmlformats.org/officeDocument/2006/relationships" r:id="rId2"/>
+            <c:chart xmlns:c="http://schemas.openxmlformats.org/drawingml/2006/chart" xmlns:r="http://schemas.openxmlformats.org/officeDocument/2006/relationships" r:id="rId8"/>
           </a:graphicData>
         </a:graphic>
       </p:graphicFrame>
@@ -12797,6 +13051,7 @@
         </p:style>
         <p:txBody>
           <a:bodyPr rtlCol="0" anchor="ctr"/>
+          <a:lstStyle/>
           <a:p>
             <a:pPr algn="ctr"/>
             <a:endParaRPr lang="en-US"/>
@@ -12823,13 +13078,13 @@
           <a:bodyPr wrap="square" rtlCol="0">
             <a:spAutoFit/>
           </a:bodyPr>
+          <a:lstStyle/>
           <a:p>
             <a:pPr algn="ctr"/>
             <a:r>
               <a:rPr lang="" altLang="en-US" sz="800"/>
               <a:t>指令运行情况</a:t>
             </a:r>
-            <a:endParaRPr lang="" altLang="en-US" sz="800"/>
           </a:p>
         </p:txBody>
       </p:sp>
@@ -12898,17 +13153,54 @@
                 <a:tableStyleId>{5C22544A-7EE6-4342-B048-85BDC9FD1C3A}</a:tableStyleId>
               </a:tblPr>
               <a:tblGrid>
-                <a:gridCol w="1052883"/>
-                <a:gridCol w="544195"/>
-                <a:gridCol w="463644"/>
-                <a:gridCol w="997564"/>
-                <a:gridCol w="1675702"/>
-                <a:gridCol w="1675702"/>
+                <a:gridCol w="1052883">
+                  <a:extLst>
+                    <a:ext uri="{9D8B030D-6E8A-4147-A177-3AD203B41FA5}">
+                      <a16:colId xmlns:a16="http://schemas.microsoft.com/office/drawing/2014/main" val="20000"/>
+                    </a:ext>
+                  </a:extLst>
+                </a:gridCol>
+                <a:gridCol w="544195">
+                  <a:extLst>
+                    <a:ext uri="{9D8B030D-6E8A-4147-A177-3AD203B41FA5}">
+                      <a16:colId xmlns:a16="http://schemas.microsoft.com/office/drawing/2014/main" val="20001"/>
+                    </a:ext>
+                  </a:extLst>
+                </a:gridCol>
+                <a:gridCol w="463644">
+                  <a:extLst>
+                    <a:ext uri="{9D8B030D-6E8A-4147-A177-3AD203B41FA5}">
+                      <a16:colId xmlns:a16="http://schemas.microsoft.com/office/drawing/2014/main" val="20002"/>
+                    </a:ext>
+                  </a:extLst>
+                </a:gridCol>
+                <a:gridCol w="997564">
+                  <a:extLst>
+                    <a:ext uri="{9D8B030D-6E8A-4147-A177-3AD203B41FA5}">
+                      <a16:colId xmlns:a16="http://schemas.microsoft.com/office/drawing/2014/main" val="20003"/>
+                    </a:ext>
+                  </a:extLst>
+                </a:gridCol>
+                <a:gridCol w="1675702">
+                  <a:extLst>
+                    <a:ext uri="{9D8B030D-6E8A-4147-A177-3AD203B41FA5}">
+                      <a16:colId xmlns:a16="http://schemas.microsoft.com/office/drawing/2014/main" val="20004"/>
+                    </a:ext>
+                  </a:extLst>
+                </a:gridCol>
+                <a:gridCol w="1675702">
+                  <a:extLst>
+                    <a:ext uri="{9D8B030D-6E8A-4147-A177-3AD203B41FA5}">
+                      <a16:colId xmlns:a16="http://schemas.microsoft.com/office/drawing/2014/main" val="20005"/>
+                    </a:ext>
+                  </a:extLst>
+                </a:gridCol>
               </a:tblGrid>
               <a:tr h="477520">
                 <a:tc>
                   <a:txBody>
                     <a:bodyPr/>
+                    <a:lstStyle/>
                     <a:p>
                       <a:pPr algn="ctr">
                         <a:buNone/>
@@ -12917,7 +13209,6 @@
                         <a:rPr lang="" altLang="en-US" sz="800"/>
                         <a:t>指令</a:t>
                       </a:r>
-                      <a:endParaRPr lang="" altLang="en-US" sz="800"/>
                     </a:p>
                   </a:txBody>
                   <a:tcPr/>
@@ -12925,6 +13216,7 @@
                 <a:tc>
                   <a:txBody>
                     <a:bodyPr/>
+                    <a:lstStyle/>
                     <a:p>
                       <a:pPr algn="ctr">
                         <a:buNone/>
@@ -12933,7 +13225,6 @@
                         <a:rPr lang="" altLang="en-US" sz="800"/>
                         <a:t>发布人</a:t>
                       </a:r>
-                      <a:endParaRPr lang="" altLang="en-US" sz="800"/>
                     </a:p>
                   </a:txBody>
                   <a:tcPr/>
@@ -12941,6 +13232,7 @@
                 <a:tc>
                   <a:txBody>
                     <a:bodyPr/>
+                    <a:lstStyle/>
                     <a:p>
                       <a:pPr algn="ctr">
                         <a:buNone/>
@@ -12949,7 +13241,6 @@
                         <a:rPr lang="" altLang="en-US" sz="800"/>
                         <a:t>发布时间</a:t>
                       </a:r>
-                      <a:endParaRPr lang="" altLang="en-US" sz="800"/>
                     </a:p>
                   </a:txBody>
                   <a:tcPr/>
@@ -12957,6 +13248,7 @@
                 <a:tc>
                   <a:txBody>
                     <a:bodyPr/>
+                    <a:lstStyle/>
                     <a:p>
                       <a:pPr algn="ctr">
                         <a:buNone/>
@@ -12965,7 +13257,6 @@
                         <a:rPr lang="en-US" altLang="en-US" sz="800"/>
                         <a:t>进度</a:t>
                       </a:r>
-                      <a:endParaRPr lang="en-US" altLang="en-US" sz="800"/>
                     </a:p>
                   </a:txBody>
                   <a:tcPr/>
@@ -12973,6 +13264,7 @@
                 <a:tc>
                   <a:txBody>
                     <a:bodyPr/>
+                    <a:lstStyle/>
                     <a:p>
                       <a:pPr algn="ctr">
                         <a:buNone/>
@@ -12981,7 +13273,6 @@
                         <a:rPr lang="en-US" altLang="en-US" sz="800"/>
                         <a:t>效果（和预期目标相比）</a:t>
                       </a:r>
-                      <a:endParaRPr lang="en-US" altLang="en-US" sz="800"/>
                     </a:p>
                   </a:txBody>
                   <a:tcPr/>
@@ -12989,6 +13280,7 @@
                 <a:tc>
                   <a:txBody>
                     <a:bodyPr/>
+                    <a:lstStyle/>
                     <a:p>
                       <a:pPr algn="ctr">
                         <a:buNone/>
@@ -12997,16 +13289,21 @@
                         <a:rPr lang="" altLang="en-US" sz="800"/>
                         <a:t>机器评价</a:t>
                       </a:r>
-                      <a:endParaRPr lang="" altLang="en-US" sz="800"/>
                     </a:p>
                   </a:txBody>
                   <a:tcPr/>
                 </a:tc>
+                <a:extLst>
+                  <a:ext uri="{0D108BD9-81ED-4DB2-BD59-A6C34878D82A}">
+                    <a16:rowId xmlns:a16="http://schemas.microsoft.com/office/drawing/2014/main" val="10000"/>
+                  </a:ext>
+                </a:extLst>
               </a:tr>
               <a:tr h="344170">
                 <a:tc>
                   <a:txBody>
                     <a:bodyPr/>
+                    <a:lstStyle/>
                     <a:p>
                       <a:pPr algn="ctr">
                         <a:buNone/>
@@ -13015,7 +13312,6 @@
                         <a:rPr lang="" altLang="en-US" sz="800"/>
                         <a:t>CBR-B（DO）下调至2.0</a:t>
                       </a:r>
-                      <a:endParaRPr lang="" altLang="en-US" sz="800"/>
                     </a:p>
                   </a:txBody>
                   <a:tcPr/>
@@ -13023,6 +13319,7 @@
                 <a:tc>
                   <a:txBody>
                     <a:bodyPr/>
+                    <a:lstStyle/>
                     <a:p>
                       <a:pPr algn="ctr">
                         <a:buNone/>
@@ -13031,7 +13328,6 @@
                         <a:rPr lang="" altLang="en-US" sz="800"/>
                         <a:t>郭**</a:t>
                       </a:r>
-                      <a:endParaRPr lang="" altLang="en-US" sz="800"/>
                     </a:p>
                   </a:txBody>
                   <a:tcPr/>
@@ -13039,6 +13335,7 @@
                 <a:tc>
                   <a:txBody>
                     <a:bodyPr/>
+                    <a:lstStyle/>
                     <a:p>
                       <a:pPr algn="ctr">
                         <a:buNone/>
@@ -13047,7 +13344,6 @@
                         <a:rPr lang="" altLang="en-US" sz="800"/>
                         <a:t>11/1</a:t>
                       </a:r>
-                      <a:endParaRPr lang="" altLang="en-US" sz="800"/>
                     </a:p>
                   </a:txBody>
                   <a:tcPr/>
@@ -13055,6 +13351,7 @@
                 <a:tc>
                   <a:txBody>
                     <a:bodyPr/>
+                    <a:lstStyle/>
                     <a:p>
                       <a:pPr algn="ctr">
                         <a:buNone/>
@@ -13083,9 +13380,6 @@
                         </a:rPr>
                         <a:t>2.5</a:t>
                       </a:r>
-                      <a:endParaRPr lang="" altLang="en-US" sz="800">
-                        <a:sym typeface="+mn-ea"/>
-                      </a:endParaRPr>
                     </a:p>
                   </a:txBody>
                   <a:tcPr/>
@@ -13093,6 +13387,7 @@
                 <a:tc>
                   <a:txBody>
                     <a:bodyPr/>
+                    <a:lstStyle/>
                     <a:p>
                       <a:pPr algn="ctr">
                         <a:buNone/>
@@ -13101,7 +13396,6 @@
                         <a:rPr lang="" altLang="en-US" sz="800"/>
                         <a:t>日均能耗降低5%</a:t>
                       </a:r>
-                      <a:endParaRPr lang="" altLang="en-US" sz="800"/>
                     </a:p>
                   </a:txBody>
                   <a:tcPr/>
@@ -13109,6 +13403,7 @@
                 <a:tc>
                   <a:txBody>
                     <a:bodyPr/>
+                    <a:lstStyle/>
                     <a:p>
                       <a:pPr algn="ctr">
                         <a:buNone/>
@@ -13118,11 +13413,17 @@
                   </a:txBody>
                   <a:tcPr/>
                 </a:tc>
+                <a:extLst>
+                  <a:ext uri="{0D108BD9-81ED-4DB2-BD59-A6C34878D82A}">
+                    <a16:rowId xmlns:a16="http://schemas.microsoft.com/office/drawing/2014/main" val="10001"/>
+                  </a:ext>
+                </a:extLst>
               </a:tr>
               <a:tr h="344805">
                 <a:tc>
                   <a:txBody>
                     <a:bodyPr/>
+                    <a:lstStyle/>
                     <a:p>
                       <a:pPr algn="ctr">
                         <a:buNone/>
@@ -13131,7 +13432,6 @@
                         <a:rPr lang="" altLang="en-US" sz="800"/>
                         <a:t>减少投放PAM至1.0</a:t>
                       </a:r>
-                      <a:endParaRPr lang="" altLang="en-US" sz="800"/>
                     </a:p>
                   </a:txBody>
                   <a:tcPr/>
@@ -13139,6 +13439,7 @@
                 <a:tc>
                   <a:txBody>
                     <a:bodyPr/>
+                    <a:lstStyle/>
                     <a:p>
                       <a:pPr algn="ctr">
                         <a:buNone/>
@@ -13147,7 +13448,6 @@
                         <a:rPr lang="" altLang="en-US" sz="800"/>
                         <a:t>姚**</a:t>
                       </a:r>
-                      <a:endParaRPr lang="" altLang="en-US" sz="800"/>
                     </a:p>
                   </a:txBody>
                   <a:tcPr/>
@@ -13155,6 +13455,7 @@
                 <a:tc>
                   <a:txBody>
                     <a:bodyPr/>
+                    <a:lstStyle/>
                     <a:p>
                       <a:pPr algn="ctr">
                         <a:buNone/>
@@ -13163,7 +13464,6 @@
                         <a:rPr lang="" altLang="en-US" sz="800"/>
                         <a:t>10/22</a:t>
                       </a:r>
-                      <a:endParaRPr lang="" altLang="en-US" sz="800"/>
                     </a:p>
                   </a:txBody>
                   <a:tcPr/>
@@ -13171,6 +13471,7 @@
                 <a:tc>
                   <a:txBody>
                     <a:bodyPr/>
+                    <a:lstStyle/>
                     <a:p>
                       <a:pPr algn="ctr">
                         <a:buNone/>
@@ -13179,7 +13480,6 @@
                         <a:rPr lang="" altLang="en-US" sz="800"/>
                         <a:t>PAM减少至1.5</a:t>
                       </a:r>
-                      <a:endParaRPr lang="" altLang="en-US" sz="800"/>
                     </a:p>
                   </a:txBody>
                   <a:tcPr/>
@@ -13187,6 +13487,7 @@
                 <a:tc>
                   <a:txBody>
                     <a:bodyPr/>
+                    <a:lstStyle/>
                     <a:p>
                       <a:pPr algn="ctr">
                         <a:buNone/>
@@ -13195,7 +13496,6 @@
                         <a:rPr lang="" altLang="en-US" sz="800"/>
                         <a:t>PAM成本降低10%，二沉池COD增加5%</a:t>
                       </a:r>
-                      <a:endParaRPr lang="" altLang="en-US" sz="800"/>
                     </a:p>
                   </a:txBody>
                   <a:tcPr/>
@@ -13203,6 +13503,7 @@
                 <a:tc>
                   <a:txBody>
                     <a:bodyPr/>
+                    <a:lstStyle/>
                     <a:p>
                       <a:pPr algn="ctr">
                         <a:buNone/>
@@ -13212,11 +13513,17 @@
                   </a:txBody>
                   <a:tcPr/>
                 </a:tc>
+                <a:extLst>
+                  <a:ext uri="{0D108BD9-81ED-4DB2-BD59-A6C34878D82A}">
+                    <a16:rowId xmlns:a16="http://schemas.microsoft.com/office/drawing/2014/main" val="10002"/>
+                  </a:ext>
+                </a:extLst>
               </a:tr>
               <a:tr h="344170">
                 <a:tc>
                   <a:txBody>
                     <a:bodyPr/>
+                    <a:lstStyle/>
                     <a:p>
                       <a:pPr algn="ctr">
                         <a:buNone/>
@@ -13225,7 +13532,6 @@
                         <a:rPr lang="" altLang="en-US" sz="800"/>
                         <a:t>CBR-A（DO）下调至2.0</a:t>
                       </a:r>
-                      <a:endParaRPr lang="" altLang="en-US" sz="800"/>
                     </a:p>
                   </a:txBody>
                   <a:tcPr/>
@@ -13233,6 +13539,7 @@
                 <a:tc>
                   <a:txBody>
                     <a:bodyPr/>
+                    <a:lstStyle/>
                     <a:p>
                       <a:pPr algn="ctr">
                         <a:buNone/>
@@ -13251,6 +13558,7 @@
                 <a:tc>
                   <a:txBody>
                     <a:bodyPr/>
+                    <a:lstStyle/>
                     <a:p>
                       <a:pPr algn="ctr">
                         <a:buNone/>
@@ -13259,7 +13567,6 @@
                         <a:rPr lang="" altLang="en-US" sz="800"/>
                         <a:t>10/10</a:t>
                       </a:r>
-                      <a:endParaRPr lang="" altLang="en-US" sz="800"/>
                     </a:p>
                   </a:txBody>
                   <a:tcPr/>
@@ -13267,6 +13574,7 @@
                 <a:tc>
                   <a:txBody>
                     <a:bodyPr/>
+                    <a:lstStyle/>
                     <a:p>
                       <a:pPr algn="ctr">
                         <a:buNone/>
@@ -13277,9 +13585,6 @@
                         </a:rPr>
                         <a:t>CBR-A（DO）下调至1.9</a:t>
                       </a:r>
-                      <a:endParaRPr lang="" altLang="en-US" sz="800">
-                        <a:sym typeface="+mn-ea"/>
-                      </a:endParaRPr>
                     </a:p>
                   </a:txBody>
                   <a:tcPr/>
@@ -13287,6 +13592,7 @@
                 <a:tc>
                   <a:txBody>
                     <a:bodyPr/>
+                    <a:lstStyle/>
                     <a:p>
                       <a:pPr algn="ctr">
                         <a:buNone/>
@@ -13309,9 +13615,6 @@
                         </a:rPr>
                         <a:t>%</a:t>
                       </a:r>
-                      <a:endParaRPr lang="en-US" altLang="en-US" sz="800">
-                        <a:sym typeface="+mn-ea"/>
-                      </a:endParaRPr>
                     </a:p>
                     <a:p>
                       <a:pPr algn="ctr">
@@ -13327,6 +13630,7 @@
                 <a:tc>
                   <a:txBody>
                     <a:bodyPr/>
+                    <a:lstStyle/>
                     <a:p>
                       <a:pPr algn="ctr">
                         <a:buNone/>
@@ -13338,6 +13642,11 @@
                   </a:txBody>
                   <a:tcPr/>
                 </a:tc>
+                <a:extLst>
+                  <a:ext uri="{0D108BD9-81ED-4DB2-BD59-A6C34878D82A}">
+                    <a16:rowId xmlns:a16="http://schemas.microsoft.com/office/drawing/2014/main" val="10003"/>
+                  </a:ext>
+                </a:extLst>
               </a:tr>
             </a:tbl>
           </a:graphicData>
@@ -13352,7 +13661,7 @@
           <p:nvPr/>
         </p:nvPicPr>
         <p:blipFill>
-          <a:blip r:embed="rId7"/>
+          <a:blip r:embed="rId9"/>
           <a:stretch>
             <a:fillRect/>
           </a:stretch>
@@ -13376,7 +13685,7 @@
           <p:nvPr/>
         </p:nvPicPr>
         <p:blipFill>
-          <a:blip r:embed="rId8"/>
+          <a:blip r:embed="rId10"/>
           <a:stretch>
             <a:fillRect/>
           </a:stretch>
@@ -13400,7 +13709,7 @@
           <p:nvPr/>
         </p:nvPicPr>
         <p:blipFill>
-          <a:blip r:embed="rId7"/>
+          <a:blip r:embed="rId9"/>
           <a:stretch>
             <a:fillRect/>
           </a:stretch>
@@ -13442,6 +13751,7 @@
           <a:bodyPr wrap="none" rtlCol="0" anchor="t">
             <a:spAutoFit/>
           </a:bodyPr>
+          <a:lstStyle/>
           <a:p>
             <a:r>
               <a:rPr lang="en-US" sz="6000">
@@ -13454,14 +13764,6 @@
               </a:rPr>
               <a:t>＋</a:t>
             </a:r>
-            <a:endParaRPr lang="en-US" sz="6000">
-              <a:solidFill>
-                <a:schemeClr val="bg2">
-                  <a:lumMod val="75000"/>
-                </a:schemeClr>
-              </a:solidFill>
-              <a:latin typeface="Arial" panose="020B0604020202020204" pitchFamily="34" charset="0"/>
-            </a:endParaRPr>
           </a:p>
         </p:txBody>
       </p:sp>
@@ -13482,7 +13784,14 @@
         <p:cNvGrpSpPr/>
         <p:nvPr/>
       </p:nvGrpSpPr>
-      <p:grpSpPr/>
+      <p:grpSpPr>
+        <a:xfrm>
+          <a:off x="0" y="0"/>
+          <a:ext cx="0" cy="0"/>
+          <a:chOff x="0" y="0"/>
+          <a:chExt cx="0" cy="0"/>
+        </a:xfrm>
+      </p:grpSpPr>
       <p:sp>
         <p:nvSpPr>
           <p:cNvPr id="7" name="Rectangle 6"/>
@@ -13525,6 +13834,7 @@
         </p:style>
         <p:txBody>
           <a:bodyPr rtlCol="0" anchor="ctr"/>
+          <a:lstStyle/>
           <a:p>
             <a:pPr algn="ctr"/>
             <a:endParaRPr lang="en-US">
@@ -13558,6 +13868,7 @@
               <a:lightRig rig="threePt" dir="t"/>
             </a:scene3d>
           </a:bodyPr>
+          <a:lstStyle/>
           <a:p>
             <a:pPr algn="ctr"/>
             <a:r>
@@ -13577,20 +13888,6 @@
               </a:rPr>
               <a:t>JUNO</a:t>
             </a:r>
-            <a:endParaRPr lang="en-US" altLang="en-US">
-              <a:solidFill>
-                <a:schemeClr val="bg1"/>
-              </a:solidFill>
-              <a:effectLst>
-                <a:outerShdw blurRad="38100" dist="19050" dir="2700000" algn="tl" rotWithShape="0">
-                  <a:schemeClr val="dk1">
-                    <a:alpha val="40000"/>
-                  </a:schemeClr>
-                </a:outerShdw>
-              </a:effectLst>
-              <a:latin typeface="Arial" panose="020B0604020202020204" pitchFamily="34" charset="0"/>
-              <a:cs typeface="Arial" panose="020B0604020202020204" pitchFamily="34" charset="0"/>
-            </a:endParaRPr>
           </a:p>
         </p:txBody>
       </p:sp>
@@ -13644,6 +13941,7 @@
           <a:bodyPr wrap="square" rtlCol="0">
             <a:spAutoFit/>
           </a:bodyPr>
+          <a:lstStyle/>
           <a:p>
             <a:pPr algn="ctr"/>
             <a:r>
@@ -13664,12 +13962,6 @@
               </a:rPr>
               <a:t>**</a:t>
             </a:r>
-            <a:endParaRPr lang="" altLang="en-US" sz="1200">
-              <a:solidFill>
-                <a:schemeClr val="bg1"/>
-              </a:solidFill>
-              <a:latin typeface="Arial" panose="020B0604020202020204" pitchFamily="34" charset="0"/>
-            </a:endParaRPr>
           </a:p>
         </p:txBody>
       </p:sp>
@@ -13682,7 +13974,7 @@
           <p:nvPr/>
         </p:nvPicPr>
         <p:blipFill>
-          <a:blip r:embed="rId5"/>
+          <a:blip r:embed="rId2"/>
           <a:stretch>
             <a:fillRect/>
           </a:stretch>
@@ -13738,6 +14030,7 @@
         </p:style>
         <p:txBody>
           <a:bodyPr rtlCol="0" anchor="ctr"/>
+          <a:lstStyle/>
           <a:p>
             <a:pPr algn="ctr"/>
             <a:endParaRPr lang="en-US">
@@ -13767,6 +14060,7 @@
           <a:bodyPr wrap="square" rtlCol="0">
             <a:spAutoFit/>
           </a:bodyPr>
+          <a:lstStyle/>
           <a:p>
             <a:pPr algn="ctr"/>
             <a:endParaRPr lang="en-US" altLang="en-US">
@@ -13787,12 +14081,6 @@
               </a:rPr>
               <a:t>现场概况</a:t>
             </a:r>
-            <a:endParaRPr lang="en-US" altLang="en-US">
-              <a:solidFill>
-                <a:schemeClr val="bg1"/>
-              </a:solidFill>
-              <a:latin typeface="Arial" panose="020B0604020202020204" pitchFamily="34" charset="0"/>
-            </a:endParaRPr>
           </a:p>
           <a:p>
             <a:pPr algn="ctr"/>
@@ -13814,12 +14102,6 @@
               </a:rPr>
               <a:t>运行管家</a:t>
             </a:r>
-            <a:endParaRPr lang="en-US" altLang="en-US">
-              <a:solidFill>
-                <a:schemeClr val="bg1"/>
-              </a:solidFill>
-              <a:latin typeface="Arial" panose="020B0604020202020204" pitchFamily="34" charset="0"/>
-            </a:endParaRPr>
           </a:p>
           <a:p>
             <a:pPr algn="ctr"/>
@@ -13841,12 +14123,6 @@
               </a:rPr>
               <a:t>数据库</a:t>
             </a:r>
-            <a:endParaRPr lang="en-US" altLang="en-US">
-              <a:solidFill>
-                <a:schemeClr val="bg1"/>
-              </a:solidFill>
-              <a:latin typeface="Arial" panose="020B0604020202020204" pitchFamily="34" charset="0"/>
-            </a:endParaRPr>
           </a:p>
           <a:p>
             <a:pPr algn="ctr"/>
@@ -13868,12 +14144,6 @@
               </a:rPr>
               <a:t>运行日志</a:t>
             </a:r>
-            <a:endParaRPr lang="en-US" altLang="en-US">
-              <a:solidFill>
-                <a:schemeClr val="bg1"/>
-              </a:solidFill>
-              <a:latin typeface="Arial" panose="020B0604020202020204" pitchFamily="34" charset="0"/>
-            </a:endParaRPr>
           </a:p>
           <a:p>
             <a:pPr algn="ctr"/>
@@ -13895,12 +14165,6 @@
               </a:rPr>
               <a:t>权限管理</a:t>
             </a:r>
-            <a:endParaRPr lang="en-US" altLang="en-US">
-              <a:solidFill>
-                <a:schemeClr val="bg1"/>
-              </a:solidFill>
-              <a:latin typeface="Arial" panose="020B0604020202020204" pitchFamily="34" charset="0"/>
-            </a:endParaRPr>
           </a:p>
           <a:p>
             <a:pPr algn="ctr"/>
@@ -13922,12 +14186,6 @@
               </a:rPr>
               <a:t>工艺展示</a:t>
             </a:r>
-            <a:endParaRPr lang="en-US" altLang="en-US">
-              <a:solidFill>
-                <a:schemeClr val="bg1"/>
-              </a:solidFill>
-              <a:latin typeface="Arial" panose="020B0604020202020204" pitchFamily="34" charset="0"/>
-            </a:endParaRPr>
           </a:p>
           <a:p>
             <a:pPr algn="ctr"/>
@@ -13949,7 +14207,7 @@
           <p:nvPr/>
         </p:nvPicPr>
         <p:blipFill>
-          <a:blip r:embed="rId6"/>
+          <a:blip r:embed="rId3"/>
           <a:stretch>
             <a:fillRect/>
           </a:stretch>
@@ -13984,6 +14242,7 @@
           <a:bodyPr wrap="square" rtlCol="0">
             <a:spAutoFit/>
           </a:bodyPr>
+          <a:lstStyle/>
           <a:p>
             <a:r>
               <a:rPr lang="" altLang="en-US">
@@ -13994,12 +14253,6 @@
               </a:rPr>
               <a:t>运行管家</a:t>
             </a:r>
-            <a:endParaRPr lang="" altLang="en-US">
-              <a:solidFill>
-                <a:schemeClr val="tx1"/>
-              </a:solidFill>
-              <a:latin typeface="Arial" panose="020B0604020202020204" pitchFamily="34" charset="0"/>
-            </a:endParaRPr>
           </a:p>
         </p:txBody>
       </p:sp>
@@ -14042,6 +14295,7 @@
         </p:style>
         <p:txBody>
           <a:bodyPr rtlCol="0" anchor="ctr"/>
+          <a:lstStyle/>
           <a:p>
             <a:pPr algn="ctr"/>
             <a:endParaRPr lang="en-US"/>
@@ -14068,6 +14322,7 @@
           <a:bodyPr wrap="square" rtlCol="0">
             <a:spAutoFit/>
           </a:bodyPr>
+          <a:lstStyle/>
           <a:p>
             <a:pPr algn="ctr"/>
             <a:r>
@@ -14078,11 +14333,6 @@
               </a:rPr>
               <a:t>85分</a:t>
             </a:r>
-            <a:endParaRPr lang="" altLang="en-US">
-              <a:solidFill>
-                <a:schemeClr val="bg1"/>
-              </a:solidFill>
-            </a:endParaRPr>
           </a:p>
           <a:p>
             <a:pPr algn="ctr"/>
@@ -14094,11 +14344,6 @@
               </a:rPr>
               <a:t>良好</a:t>
             </a:r>
-            <a:endParaRPr lang="" altLang="en-US" sz="1000">
-              <a:solidFill>
-                <a:schemeClr val="bg1"/>
-              </a:solidFill>
-            </a:endParaRPr>
           </a:p>
         </p:txBody>
       </p:sp>
@@ -14119,13 +14364,26 @@
                 <a:tableStyleId>{5C22544A-7EE6-4342-B048-85BDC9FD1C3A}</a:tableStyleId>
               </a:tblPr>
               <a:tblGrid>
-                <a:gridCol w="826135"/>
-                <a:gridCol w="461645"/>
+                <a:gridCol w="826135">
+                  <a:extLst>
+                    <a:ext uri="{9D8B030D-6E8A-4147-A177-3AD203B41FA5}">
+                      <a16:colId xmlns:a16="http://schemas.microsoft.com/office/drawing/2014/main" val="20000"/>
+                    </a:ext>
+                  </a:extLst>
+                </a:gridCol>
+                <a:gridCol w="461645">
+                  <a:extLst>
+                    <a:ext uri="{9D8B030D-6E8A-4147-A177-3AD203B41FA5}">
+                      <a16:colId xmlns:a16="http://schemas.microsoft.com/office/drawing/2014/main" val="20001"/>
+                    </a:ext>
+                  </a:extLst>
+                </a:gridCol>
               </a:tblGrid>
               <a:tr h="243840">
                 <a:tc gridSpan="2">
                   <a:txBody>
                     <a:bodyPr/>
+                    <a:lstStyle/>
                     <a:p>
                       <a:pPr algn="ctr">
                         <a:buNone/>
@@ -14134,19 +14392,31 @@
                         <a:rPr lang="" altLang="en-US" sz="1000"/>
                         <a:t>分数组成</a:t>
                       </a:r>
-                      <a:endParaRPr lang="" altLang="en-US" sz="1000"/>
                     </a:p>
                   </a:txBody>
                   <a:tcPr/>
                 </a:tc>
                 <a:tc hMerge="1">
+                  <a:txBody>
+                    <a:bodyPr/>
+                    <a:lstStyle/>
+                    <a:p>
+                      <a:endParaRPr lang="zh-CN"/>
+                    </a:p>
+                  </a:txBody>
                   <a:tcPr/>
                 </a:tc>
+                <a:extLst>
+                  <a:ext uri="{0D108BD9-81ED-4DB2-BD59-A6C34878D82A}">
+                    <a16:rowId xmlns:a16="http://schemas.microsoft.com/office/drawing/2014/main" val="10000"/>
+                  </a:ext>
+                </a:extLst>
               </a:tr>
               <a:tr h="243840">
                 <a:tc>
                   <a:txBody>
                     <a:bodyPr/>
+                    <a:lstStyle/>
                     <a:p>
                       <a:pPr>
                         <a:buNone/>
@@ -14155,7 +14425,6 @@
                         <a:rPr lang="" altLang="en-US" sz="1000"/>
                         <a:t>排放</a:t>
                       </a:r>
-                      <a:endParaRPr lang="" altLang="en-US" sz="1000"/>
                     </a:p>
                   </a:txBody>
                   <a:tcPr/>
@@ -14163,6 +14432,7 @@
                 <a:tc>
                   <a:txBody>
                     <a:bodyPr/>
+                    <a:lstStyle/>
                     <a:p>
                       <a:pPr>
                         <a:buNone/>
@@ -14171,16 +14441,21 @@
                         <a:rPr lang="" altLang="en-US" sz="1000"/>
                         <a:t>98分</a:t>
                       </a:r>
-                      <a:endParaRPr lang="" altLang="en-US" sz="1000"/>
                     </a:p>
                   </a:txBody>
                   <a:tcPr/>
                 </a:tc>
+                <a:extLst>
+                  <a:ext uri="{0D108BD9-81ED-4DB2-BD59-A6C34878D82A}">
+                    <a16:rowId xmlns:a16="http://schemas.microsoft.com/office/drawing/2014/main" val="10001"/>
+                  </a:ext>
+                </a:extLst>
               </a:tr>
               <a:tr h="243840">
                 <a:tc>
                   <a:txBody>
                     <a:bodyPr/>
+                    <a:lstStyle/>
                     <a:p>
                       <a:pPr>
                         <a:buNone/>
@@ -14189,7 +14464,6 @@
                         <a:rPr lang="" altLang="en-US" sz="1000"/>
                         <a:t>能耗</a:t>
                       </a:r>
-                      <a:endParaRPr lang="" altLang="en-US" sz="1000"/>
                     </a:p>
                   </a:txBody>
                   <a:tcPr/>
@@ -14197,6 +14471,7 @@
                 <a:tc>
                   <a:txBody>
                     <a:bodyPr/>
+                    <a:lstStyle/>
                     <a:p>
                       <a:pPr>
                         <a:buNone/>
@@ -14205,16 +14480,21 @@
                         <a:rPr lang="" altLang="en-US" sz="1000"/>
                         <a:t>79分</a:t>
                       </a:r>
-                      <a:endParaRPr lang="" altLang="en-US" sz="1000"/>
                     </a:p>
                   </a:txBody>
                   <a:tcPr/>
                 </a:tc>
+                <a:extLst>
+                  <a:ext uri="{0D108BD9-81ED-4DB2-BD59-A6C34878D82A}">
+                    <a16:rowId xmlns:a16="http://schemas.microsoft.com/office/drawing/2014/main" val="10002"/>
+                  </a:ext>
+                </a:extLst>
               </a:tr>
               <a:tr h="243840">
                 <a:tc>
                   <a:txBody>
                     <a:bodyPr/>
+                    <a:lstStyle/>
                     <a:p>
                       <a:pPr>
                         <a:buNone/>
@@ -14223,7 +14503,6 @@
                         <a:rPr lang="" altLang="en-US" sz="1000"/>
                         <a:t>指令执行</a:t>
                       </a:r>
-                      <a:endParaRPr lang="" altLang="en-US" sz="1000"/>
                     </a:p>
                   </a:txBody>
                   <a:tcPr/>
@@ -14231,6 +14510,7 @@
                 <a:tc>
                   <a:txBody>
                     <a:bodyPr/>
+                    <a:lstStyle/>
                     <a:p>
                       <a:pPr>
                         <a:buNone/>
@@ -14239,16 +14519,21 @@
                         <a:rPr lang="" altLang="en-US" sz="1000"/>
                         <a:t>88分</a:t>
                       </a:r>
-                      <a:endParaRPr lang="" altLang="en-US" sz="1000"/>
                     </a:p>
                   </a:txBody>
                   <a:tcPr/>
                 </a:tc>
+                <a:extLst>
+                  <a:ext uri="{0D108BD9-81ED-4DB2-BD59-A6C34878D82A}">
+                    <a16:rowId xmlns:a16="http://schemas.microsoft.com/office/drawing/2014/main" val="10003"/>
+                  </a:ext>
+                </a:extLst>
               </a:tr>
               <a:tr h="243840">
                 <a:tc>
                   <a:txBody>
                     <a:bodyPr/>
+                    <a:lstStyle/>
                     <a:p>
                       <a:pPr>
                         <a:buNone/>
@@ -14257,7 +14542,6 @@
                         <a:rPr lang="" altLang="en-US" sz="1000"/>
                         <a:t>设备健康度</a:t>
                       </a:r>
-                      <a:endParaRPr lang="" altLang="en-US" sz="1000"/>
                     </a:p>
                   </a:txBody>
                   <a:tcPr/>
@@ -14265,6 +14549,7 @@
                 <a:tc>
                   <a:txBody>
                     <a:bodyPr/>
+                    <a:lstStyle/>
                     <a:p>
                       <a:pPr>
                         <a:buNone/>
@@ -14273,16 +14558,21 @@
                         <a:rPr lang="" altLang="en-US" sz="1000"/>
                         <a:t>76分</a:t>
                       </a:r>
-                      <a:endParaRPr lang="" altLang="en-US" sz="1000"/>
                     </a:p>
                   </a:txBody>
                   <a:tcPr/>
                 </a:tc>
+                <a:extLst>
+                  <a:ext uri="{0D108BD9-81ED-4DB2-BD59-A6C34878D82A}">
+                    <a16:rowId xmlns:a16="http://schemas.microsoft.com/office/drawing/2014/main" val="10004"/>
+                  </a:ext>
+                </a:extLst>
               </a:tr>
               <a:tr h="243840">
                 <a:tc>
                   <a:txBody>
                     <a:bodyPr/>
+                    <a:lstStyle/>
                     <a:p>
                       <a:pPr>
                         <a:buNone/>
@@ -14291,7 +14581,6 @@
                         <a:rPr lang="" altLang="en-US" sz="1000"/>
                         <a:t>数据质量</a:t>
                       </a:r>
-                      <a:endParaRPr lang="" altLang="en-US" sz="1000"/>
                     </a:p>
                   </a:txBody>
                   <a:tcPr/>
@@ -14299,6 +14588,7 @@
                 <a:tc>
                   <a:txBody>
                     <a:bodyPr/>
+                    <a:lstStyle/>
                     <a:p>
                       <a:pPr>
                         <a:buNone/>
@@ -14307,11 +14597,15 @@
                         <a:rPr lang="" altLang="en-US" sz="1000"/>
                         <a:t>90分</a:t>
                       </a:r>
-                      <a:endParaRPr lang="" altLang="en-US" sz="1000"/>
                     </a:p>
                   </a:txBody>
                   <a:tcPr/>
                 </a:tc>
+                <a:extLst>
+                  <a:ext uri="{0D108BD9-81ED-4DB2-BD59-A6C34878D82A}">
+                    <a16:rowId xmlns:a16="http://schemas.microsoft.com/office/drawing/2014/main" val="10005"/>
+                  </a:ext>
+                </a:extLst>
               </a:tr>
             </a:tbl>
           </a:graphicData>
@@ -14337,12 +14631,12 @@
           <a:bodyPr wrap="square" rtlCol="0">
             <a:spAutoFit/>
           </a:bodyPr>
+          <a:lstStyle/>
           <a:p>
             <a:r>
               <a:rPr lang="" altLang="en-US" sz="1200"/>
               <a:t>点评：运行达标，尚可优化</a:t>
             </a:r>
-            <a:endParaRPr lang="" altLang="en-US" sz="1200"/>
           </a:p>
         </p:txBody>
       </p:sp>
@@ -14380,6 +14674,7 @@
         </p:style>
         <p:txBody>
           <a:bodyPr rtlCol="0" anchor="ctr"/>
+          <a:lstStyle/>
           <a:p>
             <a:pPr algn="ctr"/>
             <a:endParaRPr lang="en-US"/>
@@ -14420,6 +14715,7 @@
         </p:style>
         <p:txBody>
           <a:bodyPr rtlCol="0" anchor="ctr"/>
+          <a:lstStyle/>
           <a:p>
             <a:pPr algn="ctr"/>
             <a:endParaRPr lang="en-US"/>
@@ -14446,12 +14742,12 @@
           <a:bodyPr wrap="square" rtlCol="0">
             <a:spAutoFit/>
           </a:bodyPr>
+          <a:lstStyle/>
           <a:p>
             <a:r>
               <a:rPr lang="" altLang="en-US" sz="1400"/>
               <a:t>情况分析</a:t>
             </a:r>
-            <a:endParaRPr lang="" altLang="en-US" sz="1400"/>
           </a:p>
         </p:txBody>
       </p:sp>
@@ -14475,6 +14771,7 @@
           <a:bodyPr wrap="square" rtlCol="0">
             <a:spAutoFit/>
           </a:bodyPr>
+          <a:lstStyle/>
           <a:p>
             <a:pPr marL="228600" indent="-228600">
               <a:lnSpc>
@@ -14487,7 +14784,6 @@
               <a:rPr lang="" altLang="en-US" sz="1000"/>
               <a:t>经算法分析，CBR-A（DO）和CBR-B（DO）指标对二沉池（COD）的重要性占比皆小于5%，CBR-A和CBR-B可能出现过曝现象，能耗过高。</a:t>
             </a:r>
-            <a:endParaRPr lang="" altLang="en-US" sz="1000"/>
           </a:p>
           <a:p>
             <a:pPr marL="228600" indent="-228600">
@@ -14501,7 +14797,6 @@
               <a:rPr lang="" altLang="en-US" sz="1000"/>
               <a:t>CBR-A（DO）和CBR-B（DO）出现失衡。两者相差（95.3%）已经大于历史相差范围（4%～35%）。可能原因：设备故障。</a:t>
             </a:r>
-            <a:endParaRPr lang="" altLang="en-US" sz="1000"/>
           </a:p>
         </p:txBody>
       </p:sp>
@@ -14525,12 +14820,12 @@
           <a:bodyPr wrap="square" rtlCol="0">
             <a:spAutoFit/>
           </a:bodyPr>
+          <a:lstStyle/>
           <a:p>
             <a:r>
               <a:rPr lang="" altLang="en-US" sz="1400"/>
               <a:t>分析依据</a:t>
             </a:r>
-            <a:endParaRPr lang="" altLang="en-US" sz="1400"/>
           </a:p>
         </p:txBody>
       </p:sp>
@@ -14546,7 +14841,7 @@
         </p:xfrm>
         <a:graphic>
           <a:graphicData uri="http://schemas.openxmlformats.org/drawingml/2006/chart">
-            <c:chart xmlns:c="http://schemas.openxmlformats.org/drawingml/2006/chart" xmlns:r="http://schemas.openxmlformats.org/officeDocument/2006/relationships" r:id="rId1"/>
+            <c:chart xmlns:c="http://schemas.openxmlformats.org/drawingml/2006/chart" xmlns:r="http://schemas.openxmlformats.org/officeDocument/2006/relationships" r:id="rId4"/>
           </a:graphicData>
         </a:graphic>
       </p:graphicFrame>
@@ -14562,7 +14857,7 @@
         </p:xfrm>
         <a:graphic>
           <a:graphicData uri="http://schemas.openxmlformats.org/drawingml/2006/chart">
-            <c:chart xmlns:c="http://schemas.openxmlformats.org/drawingml/2006/chart" xmlns:r="http://schemas.openxmlformats.org/officeDocument/2006/relationships" r:id="rId2"/>
+            <c:chart xmlns:c="http://schemas.openxmlformats.org/drawingml/2006/chart" xmlns:r="http://schemas.openxmlformats.org/officeDocument/2006/relationships" r:id="rId5"/>
           </a:graphicData>
         </a:graphic>
       </p:graphicFrame>
@@ -14578,7 +14873,7 @@
         </p:xfrm>
         <a:graphic>
           <a:graphicData uri="http://schemas.openxmlformats.org/drawingml/2006/chart">
-            <c:chart xmlns:c="http://schemas.openxmlformats.org/drawingml/2006/chart" xmlns:r="http://schemas.openxmlformats.org/officeDocument/2006/relationships" r:id="rId3"/>
+            <c:chart xmlns:c="http://schemas.openxmlformats.org/drawingml/2006/chart" xmlns:r="http://schemas.openxmlformats.org/officeDocument/2006/relationships" r:id="rId6"/>
           </a:graphicData>
         </a:graphic>
       </p:graphicFrame>
@@ -14602,12 +14897,12 @@
           <a:bodyPr wrap="square" rtlCol="0">
             <a:spAutoFit/>
           </a:bodyPr>
+          <a:lstStyle/>
           <a:p>
             <a:r>
               <a:rPr lang="" altLang="en-US" sz="800"/>
               <a:t>能耗</a:t>
             </a:r>
-            <a:endParaRPr lang="" altLang="en-US" sz="800"/>
           </a:p>
         </p:txBody>
       </p:sp>
@@ -14631,12 +14926,12 @@
           <a:bodyPr wrap="square" rtlCol="0">
             <a:spAutoFit/>
           </a:bodyPr>
+          <a:lstStyle/>
           <a:p>
             <a:r>
               <a:rPr lang="" altLang="en-US" sz="800"/>
               <a:t>DO</a:t>
             </a:r>
-            <a:endParaRPr lang="" altLang="en-US" sz="800"/>
           </a:p>
         </p:txBody>
       </p:sp>
@@ -14674,6 +14969,7 @@
         </p:style>
         <p:txBody>
           <a:bodyPr rtlCol="0" anchor="ctr"/>
+          <a:lstStyle/>
           <a:p>
             <a:pPr algn="ctr"/>
             <a:endParaRPr lang="en-US"/>
@@ -14700,12 +14996,12 @@
           <a:bodyPr wrap="square" rtlCol="0">
             <a:spAutoFit/>
           </a:bodyPr>
+          <a:lstStyle/>
           <a:p>
             <a:r>
               <a:rPr lang="" altLang="en-US" sz="1400"/>
               <a:t>预测</a:t>
             </a:r>
-            <a:endParaRPr lang="" altLang="en-US" sz="1400"/>
           </a:p>
         </p:txBody>
       </p:sp>
@@ -14729,6 +15025,7 @@
           <a:bodyPr wrap="square" rtlCol="0">
             <a:spAutoFit/>
           </a:bodyPr>
+          <a:lstStyle/>
           <a:p>
             <a:pPr marL="228600" indent="-228600">
               <a:lnSpc>
@@ -14741,7 +15038,6 @@
               <a:rPr lang="" altLang="en-US" sz="1000"/>
               <a:t>匀质池COD呈下降趋势，预计下周达到150。</a:t>
             </a:r>
-            <a:endParaRPr lang="" altLang="en-US" sz="1000"/>
           </a:p>
           <a:p>
             <a:pPr marL="228600" indent="-228600">
@@ -14755,7 +15051,6 @@
               <a:rPr lang="" altLang="en-US" sz="1000"/>
               <a:t>下周温度将上升到16度，平均DO会有下降倾向。</a:t>
             </a:r>
-            <a:endParaRPr lang="" altLang="en-US" sz="1000"/>
           </a:p>
         </p:txBody>
       </p:sp>
@@ -14771,7 +15066,7 @@
         </p:xfrm>
         <a:graphic>
           <a:graphicData uri="http://schemas.openxmlformats.org/drawingml/2006/chart">
-            <c:chart xmlns:c="http://schemas.openxmlformats.org/drawingml/2006/chart" xmlns:r="http://schemas.openxmlformats.org/officeDocument/2006/relationships" r:id="rId4"/>
+            <c:chart xmlns:c="http://schemas.openxmlformats.org/drawingml/2006/chart" xmlns:r="http://schemas.openxmlformats.org/officeDocument/2006/relationships" r:id="rId7"/>
           </a:graphicData>
         </a:graphic>
       </p:graphicFrame>
@@ -14809,6 +15104,7 @@
         </p:style>
         <p:txBody>
           <a:bodyPr rtlCol="0" anchor="ctr"/>
+          <a:lstStyle/>
           <a:p>
             <a:pPr algn="ctr"/>
             <a:endParaRPr lang="en-US"/>
@@ -14835,12 +15131,12 @@
           <a:bodyPr wrap="square" rtlCol="0">
             <a:spAutoFit/>
           </a:bodyPr>
+          <a:lstStyle/>
           <a:p>
             <a:r>
               <a:rPr lang="" altLang="en-US" sz="1400"/>
               <a:t>运行建议</a:t>
             </a:r>
-            <a:endParaRPr lang="" altLang="en-US" sz="1400"/>
           </a:p>
         </p:txBody>
       </p:sp>
@@ -14864,6 +15160,7 @@
           <a:bodyPr wrap="square" rtlCol="0">
             <a:spAutoFit/>
           </a:bodyPr>
+          <a:lstStyle/>
           <a:p>
             <a:pPr marL="228600" indent="-228600">
               <a:lnSpc>
@@ -14884,11 +15181,6 @@
               </a:rPr>
               <a:t>创建指令</a:t>
             </a:r>
-            <a:endParaRPr lang="" altLang="en-US" sz="1000" u="sng">
-              <a:solidFill>
-                <a:srgbClr val="00B0F0"/>
-              </a:solidFill>
-            </a:endParaRPr>
           </a:p>
           <a:p>
             <a:pPr marL="228600" indent="-228600">
@@ -14942,8 +15234,8 @@
         </p:nvSpPr>
         <p:spPr>
           <a:xfrm>
-            <a:off x="10733405" y="6335395"/>
-            <a:ext cx="1146175" cy="245110"/>
+            <a:off x="10484529" y="6335395"/>
+            <a:ext cx="1395052" cy="246221"/>
           </a:xfrm>
           <a:prstGeom prst="rect">
             <a:avLst/>
@@ -14959,20 +15251,17 @@
           <a:bodyPr wrap="square" rtlCol="0">
             <a:spAutoFit/>
           </a:bodyPr>
-          <a:p>
+          <a:lstStyle/>
+          <a:p>
+            <a:pPr algn="ctr"/>
             <a:r>
-              <a:rPr lang="" altLang="en-US" sz="1000">
+              <a:rPr lang="" altLang="en-US" sz="1000" dirty="0">
                 <a:solidFill>
                   <a:schemeClr val="bg1"/>
                 </a:solidFill>
               </a:rPr>
               <a:t>生成报告（PDF）</a:t>
             </a:r>
-            <a:endParaRPr lang="" altLang="en-US" sz="1000">
-              <a:solidFill>
-                <a:schemeClr val="bg1"/>
-              </a:solidFill>
-            </a:endParaRPr>
           </a:p>
         </p:txBody>
       </p:sp>
@@ -14993,7 +15282,14 @@
         <p:cNvGrpSpPr/>
         <p:nvPr/>
       </p:nvGrpSpPr>
-      <p:grpSpPr/>
+      <p:grpSpPr>
+        <a:xfrm>
+          <a:off x="0" y="0"/>
+          <a:ext cx="0" cy="0"/>
+          <a:chOff x="0" y="0"/>
+          <a:chExt cx="0" cy="0"/>
+        </a:xfrm>
+      </p:grpSpPr>
       <p:sp>
         <p:nvSpPr>
           <p:cNvPr id="7" name="Rectangle 6"/>
@@ -15036,6 +15332,7 @@
         </p:style>
         <p:txBody>
           <a:bodyPr rtlCol="0" anchor="ctr"/>
+          <a:lstStyle/>
           <a:p>
             <a:pPr algn="ctr"/>
             <a:endParaRPr lang="en-US">
@@ -15069,6 +15366,7 @@
               <a:lightRig rig="threePt" dir="t"/>
             </a:scene3d>
           </a:bodyPr>
+          <a:lstStyle/>
           <a:p>
             <a:pPr algn="ctr"/>
             <a:r>
@@ -15088,20 +15386,6 @@
               </a:rPr>
               <a:t>JUNO</a:t>
             </a:r>
-            <a:endParaRPr lang="en-US" altLang="en-US">
-              <a:solidFill>
-                <a:schemeClr val="bg1"/>
-              </a:solidFill>
-              <a:effectLst>
-                <a:outerShdw blurRad="38100" dist="19050" dir="2700000" algn="tl" rotWithShape="0">
-                  <a:schemeClr val="dk1">
-                    <a:alpha val="40000"/>
-                  </a:schemeClr>
-                </a:outerShdw>
-              </a:effectLst>
-              <a:latin typeface="Arial" panose="020B0604020202020204" pitchFamily="34" charset="0"/>
-              <a:cs typeface="Arial" panose="020B0604020202020204" pitchFamily="34" charset="0"/>
-            </a:endParaRPr>
           </a:p>
         </p:txBody>
       </p:sp>
@@ -15155,6 +15439,7 @@
           <a:bodyPr wrap="square" rtlCol="0">
             <a:spAutoFit/>
           </a:bodyPr>
+          <a:lstStyle/>
           <a:p>
             <a:pPr algn="ctr"/>
             <a:r>
@@ -15175,12 +15460,6 @@
               </a:rPr>
               <a:t>**</a:t>
             </a:r>
-            <a:endParaRPr lang="" altLang="en-US" sz="1200">
-              <a:solidFill>
-                <a:schemeClr val="bg1"/>
-              </a:solidFill>
-              <a:latin typeface="Arial" panose="020B0604020202020204" pitchFamily="34" charset="0"/>
-            </a:endParaRPr>
           </a:p>
         </p:txBody>
       </p:sp>
@@ -15193,7 +15472,7 @@
           <p:nvPr/>
         </p:nvPicPr>
         <p:blipFill>
-          <a:blip r:embed="rId2"/>
+          <a:blip r:embed="rId3"/>
           <a:stretch>
             <a:fillRect/>
           </a:stretch>
@@ -15216,7 +15495,7 @@
         </p:nvSpPr>
         <p:spPr>
           <a:xfrm>
-            <a:off x="-22860" y="3223260"/>
+            <a:off x="-5104" y="3223260"/>
             <a:ext cx="1729740" cy="551180"/>
           </a:xfrm>
           <a:prstGeom prst="rect">
@@ -15249,6 +15528,7 @@
         </p:style>
         <p:txBody>
           <a:bodyPr rtlCol="0" anchor="ctr"/>
+          <a:lstStyle/>
           <a:p>
             <a:pPr algn="ctr"/>
             <a:endParaRPr lang="en-US">
@@ -15278,6 +15558,7 @@
           <a:bodyPr wrap="square" rtlCol="0">
             <a:spAutoFit/>
           </a:bodyPr>
+          <a:lstStyle/>
           <a:p>
             <a:pPr algn="ctr"/>
             <a:endParaRPr lang="en-US" altLang="en-US">
@@ -15298,12 +15579,6 @@
               </a:rPr>
               <a:t>现场概况</a:t>
             </a:r>
-            <a:endParaRPr lang="en-US" altLang="en-US">
-              <a:solidFill>
-                <a:schemeClr val="bg1"/>
-              </a:solidFill>
-              <a:latin typeface="Arial" panose="020B0604020202020204" pitchFamily="34" charset="0"/>
-            </a:endParaRPr>
           </a:p>
           <a:p>
             <a:pPr algn="ctr"/>
@@ -15325,12 +15600,6 @@
               </a:rPr>
               <a:t>运行管家</a:t>
             </a:r>
-            <a:endParaRPr lang="en-US" altLang="en-US">
-              <a:solidFill>
-                <a:schemeClr val="bg1"/>
-              </a:solidFill>
-              <a:latin typeface="Arial" panose="020B0604020202020204" pitchFamily="34" charset="0"/>
-            </a:endParaRPr>
           </a:p>
           <a:p>
             <a:pPr algn="ctr"/>
@@ -15352,12 +15621,6 @@
               </a:rPr>
               <a:t>数据库</a:t>
             </a:r>
-            <a:endParaRPr lang="en-US" altLang="en-US">
-              <a:solidFill>
-                <a:schemeClr val="bg1"/>
-              </a:solidFill>
-              <a:latin typeface="Arial" panose="020B0604020202020204" pitchFamily="34" charset="0"/>
-            </a:endParaRPr>
           </a:p>
           <a:p>
             <a:pPr algn="ctr"/>
@@ -15379,12 +15642,6 @@
               </a:rPr>
               <a:t>运行日志</a:t>
             </a:r>
-            <a:endParaRPr lang="en-US" altLang="en-US">
-              <a:solidFill>
-                <a:schemeClr val="bg1"/>
-              </a:solidFill>
-              <a:latin typeface="Arial" panose="020B0604020202020204" pitchFamily="34" charset="0"/>
-            </a:endParaRPr>
           </a:p>
           <a:p>
             <a:pPr algn="ctr"/>
@@ -15406,12 +15663,6 @@
               </a:rPr>
               <a:t>权限管理</a:t>
             </a:r>
-            <a:endParaRPr lang="en-US" altLang="en-US">
-              <a:solidFill>
-                <a:schemeClr val="bg1"/>
-              </a:solidFill>
-              <a:latin typeface="Arial" panose="020B0604020202020204" pitchFamily="34" charset="0"/>
-            </a:endParaRPr>
           </a:p>
           <a:p>
             <a:pPr algn="ctr"/>
@@ -15433,12 +15684,6 @@
               </a:rPr>
               <a:t>工艺展示</a:t>
             </a:r>
-            <a:endParaRPr lang="en-US" altLang="en-US">
-              <a:solidFill>
-                <a:schemeClr val="bg1"/>
-              </a:solidFill>
-              <a:latin typeface="Arial" panose="020B0604020202020204" pitchFamily="34" charset="0"/>
-            </a:endParaRPr>
           </a:p>
           <a:p>
             <a:pPr algn="ctr"/>
@@ -15460,7 +15705,7 @@
           <p:nvPr/>
         </p:nvPicPr>
         <p:blipFill>
-          <a:blip r:embed="rId3"/>
+          <a:blip r:embed="rId4"/>
           <a:stretch>
             <a:fillRect/>
           </a:stretch>
@@ -15495,6 +15740,7 @@
           <a:bodyPr wrap="square" rtlCol="0">
             <a:spAutoFit/>
           </a:bodyPr>
+          <a:lstStyle/>
           <a:p>
             <a:r>
               <a:rPr lang="" altLang="en-US">
@@ -15505,12 +15751,6 @@
               </a:rPr>
               <a:t>数据库</a:t>
             </a:r>
-            <a:endParaRPr lang="" altLang="en-US">
-              <a:solidFill>
-                <a:schemeClr val="tx1"/>
-              </a:solidFill>
-              <a:latin typeface="Arial" panose="020B0604020202020204" pitchFamily="34" charset="0"/>
-            </a:endParaRPr>
           </a:p>
         </p:txBody>
       </p:sp>
@@ -15541,6 +15781,7 @@
           <a:bodyPr wrap="square" rtlCol="0">
             <a:spAutoFit/>
           </a:bodyPr>
+          <a:lstStyle/>
           <a:p>
             <a:r>
               <a:rPr lang="" altLang="en-US" sz="1000">
@@ -15553,14 +15794,6 @@
               </a:rPr>
               <a:t>池子</a:t>
             </a:r>
-            <a:endParaRPr lang="" altLang="en-US" sz="1000">
-              <a:solidFill>
-                <a:schemeClr val="tx1">
-                  <a:lumMod val="75000"/>
-                  <a:lumOff val="25000"/>
-                </a:schemeClr>
-              </a:solidFill>
-            </a:endParaRPr>
           </a:p>
         </p:txBody>
       </p:sp>
@@ -15573,7 +15806,7 @@
           <p:nvPr/>
         </p:nvPicPr>
         <p:blipFill>
-          <a:blip r:embed="rId4"/>
+          <a:blip r:embed="rId5"/>
           <a:stretch>
             <a:fillRect/>
           </a:stretch>
@@ -15615,6 +15848,7 @@
           <a:bodyPr wrap="square" rtlCol="0">
             <a:spAutoFit/>
           </a:bodyPr>
+          <a:lstStyle/>
           <a:p>
             <a:r>
               <a:rPr lang="" altLang="en-US" sz="1000">
@@ -15627,14 +15861,6 @@
               </a:rPr>
               <a:t>起始时间</a:t>
             </a:r>
-            <a:endParaRPr lang="" altLang="en-US" sz="1000">
-              <a:solidFill>
-                <a:schemeClr val="tx1">
-                  <a:lumMod val="75000"/>
-                  <a:lumOff val="25000"/>
-                </a:schemeClr>
-              </a:solidFill>
-            </a:endParaRPr>
           </a:p>
         </p:txBody>
       </p:sp>
@@ -15647,7 +15873,7 @@
           <p:nvPr/>
         </p:nvPicPr>
         <p:blipFill>
-          <a:blip r:embed="rId4"/>
+          <a:blip r:embed="rId5"/>
           <a:stretch>
             <a:fillRect/>
           </a:stretch>
@@ -15689,6 +15915,7 @@
           <a:bodyPr wrap="square" rtlCol="0">
             <a:spAutoFit/>
           </a:bodyPr>
+          <a:lstStyle/>
           <a:p>
             <a:r>
               <a:rPr lang="" altLang="en-US" sz="1000">
@@ -15701,14 +15928,6 @@
               </a:rPr>
               <a:t>结束时间</a:t>
             </a:r>
-            <a:endParaRPr lang="" altLang="en-US" sz="1000">
-              <a:solidFill>
-                <a:schemeClr val="tx1">
-                  <a:lumMod val="75000"/>
-                  <a:lumOff val="25000"/>
-                </a:schemeClr>
-              </a:solidFill>
-            </a:endParaRPr>
           </a:p>
         </p:txBody>
       </p:sp>
@@ -15721,7 +15940,7 @@
           <p:nvPr/>
         </p:nvPicPr>
         <p:blipFill>
-          <a:blip r:embed="rId4"/>
+          <a:blip r:embed="rId5"/>
           <a:stretch>
             <a:fillRect/>
           </a:stretch>
@@ -15761,9 +15980,10 @@
           <a:bodyPr wrap="square" rtlCol="0">
             <a:spAutoFit/>
           </a:bodyPr>
+          <a:lstStyle/>
           <a:p>
             <a:r>
-              <a:rPr lang="" altLang="en-US" sz="1000">
+              <a:rPr lang="" altLang="en-US" sz="1000" dirty="0">
                 <a:solidFill>
                   <a:schemeClr val="bg1">
                     <a:lumMod val="50000"/>
@@ -15772,13 +15992,6 @@
               </a:rPr>
               <a:t>匀质池COD趋势</a:t>
             </a:r>
-            <a:endParaRPr lang="" altLang="en-US" sz="1000">
-              <a:solidFill>
-                <a:schemeClr val="bg1">
-                  <a:lumMod val="50000"/>
-                </a:schemeClr>
-              </a:solidFill>
-            </a:endParaRPr>
           </a:p>
         </p:txBody>
       </p:sp>
@@ -15809,6 +16022,7 @@
           <a:bodyPr wrap="square" rtlCol="0">
             <a:spAutoFit/>
           </a:bodyPr>
+          <a:lstStyle/>
           <a:p>
             <a:r>
               <a:rPr lang="" altLang="en-US" sz="1000">
@@ -15821,14 +16035,6 @@
               </a:rPr>
               <a:t>图表种类</a:t>
             </a:r>
-            <a:endParaRPr lang="" altLang="en-US" sz="1000">
-              <a:solidFill>
-                <a:schemeClr val="tx1">
-                  <a:lumMod val="75000"/>
-                  <a:lumOff val="25000"/>
-                </a:schemeClr>
-              </a:solidFill>
-            </a:endParaRPr>
           </a:p>
         </p:txBody>
       </p:sp>
@@ -15841,7 +16047,7 @@
           <p:nvPr/>
         </p:nvPicPr>
         <p:blipFill>
-          <a:blip r:embed="rId4"/>
+          <a:blip r:embed="rId5"/>
           <a:stretch>
             <a:fillRect/>
           </a:stretch>
@@ -15883,6 +16089,7 @@
           <a:bodyPr wrap="square" rtlCol="0">
             <a:spAutoFit/>
           </a:bodyPr>
+          <a:lstStyle/>
           <a:p>
             <a:r>
               <a:rPr lang="" altLang="en-US" sz="1000">
@@ -15895,14 +16102,6 @@
               </a:rPr>
               <a:t>添加指标</a:t>
             </a:r>
-            <a:endParaRPr lang="" altLang="en-US" sz="1000">
-              <a:solidFill>
-                <a:schemeClr val="tx1">
-                  <a:lumMod val="75000"/>
-                  <a:lumOff val="25000"/>
-                </a:schemeClr>
-              </a:solidFill>
-            </a:endParaRPr>
           </a:p>
         </p:txBody>
       </p:sp>
@@ -15915,7 +16114,7 @@
           <p:nvPr/>
         </p:nvPicPr>
         <p:blipFill>
-          <a:blip r:embed="rId4"/>
+          <a:blip r:embed="rId5"/>
           <a:stretch>
             <a:fillRect/>
           </a:stretch>
@@ -15959,6 +16158,7 @@
           <a:bodyPr wrap="square" rtlCol="0">
             <a:spAutoFit/>
           </a:bodyPr>
+          <a:lstStyle/>
           <a:p>
             <a:r>
               <a:rPr lang="" altLang="en-US" sz="1000">
@@ -15971,14 +16171,6 @@
               </a:rPr>
               <a:t>COD</a:t>
             </a:r>
-            <a:endParaRPr lang="" altLang="en-US" sz="1000">
-              <a:solidFill>
-                <a:schemeClr val="tx1">
-                  <a:lumMod val="75000"/>
-                  <a:lumOff val="25000"/>
-                </a:schemeClr>
-              </a:solidFill>
-            </a:endParaRPr>
           </a:p>
         </p:txBody>
       </p:sp>
@@ -16023,6 +16215,7 @@
         </p:style>
         <p:txBody>
           <a:bodyPr rtlCol="0" anchor="ctr"/>
+          <a:lstStyle/>
           <a:p>
             <a:pPr algn="ctr"/>
             <a:endParaRPr lang="en-US"/>
@@ -16038,7 +16231,7 @@
           <p:nvPr/>
         </p:nvPicPr>
         <p:blipFill>
-          <a:blip r:embed="rId5"/>
+          <a:blip r:embed="rId6"/>
           <a:stretch>
             <a:fillRect/>
           </a:stretch>
@@ -16078,6 +16271,7 @@
           <a:bodyPr wrap="square" rtlCol="0">
             <a:spAutoFit/>
           </a:bodyPr>
+          <a:lstStyle/>
           <a:p>
             <a:pPr algn="ctr"/>
             <a:r>
@@ -16121,6 +16315,7 @@
           <a:bodyPr wrap="square" rtlCol="0">
             <a:spAutoFit/>
           </a:bodyPr>
+          <a:lstStyle/>
           <a:p>
             <a:pPr algn="ctr"/>
             <a:r>
@@ -16172,6 +16367,7 @@
           <a:bodyPr wrap="square" rtlCol="0">
             <a:spAutoFit/>
           </a:bodyPr>
+          <a:lstStyle/>
           <a:p>
             <a:pPr algn="ctr"/>
             <a:r>
@@ -16182,11 +16378,6 @@
               </a:rPr>
               <a:t>添加到现场概况</a:t>
             </a:r>
-            <a:endParaRPr lang="" altLang="en-US" sz="1000">
-              <a:solidFill>
-                <a:schemeClr val="bg1"/>
-              </a:solidFill>
-            </a:endParaRPr>
           </a:p>
         </p:txBody>
       </p:sp>
@@ -16227,6 +16418,7 @@
         </p:style>
         <p:txBody>
           <a:bodyPr rtlCol="0" anchor="ctr"/>
+          <a:lstStyle/>
           <a:p>
             <a:pPr algn="ctr"/>
             <a:endParaRPr lang="en-US"/>
@@ -16253,13 +16445,13 @@
           <a:bodyPr wrap="square" rtlCol="0">
             <a:spAutoFit/>
           </a:bodyPr>
+          <a:lstStyle/>
           <a:p>
             <a:pPr algn="l"/>
             <a:r>
               <a:rPr lang="en-US" altLang="en-US" sz="1200"/>
               <a:t>匀质池COD趋势</a:t>
             </a:r>
-            <a:endParaRPr lang="en-US" altLang="en-US" sz="1200"/>
           </a:p>
         </p:txBody>
       </p:sp>
@@ -16275,7 +16467,7 @@
         </p:xfrm>
         <a:graphic>
           <a:graphicData uri="http://schemas.openxmlformats.org/drawingml/2006/chart">
-            <c:chart xmlns:c="http://schemas.openxmlformats.org/drawingml/2006/chart" xmlns:r="http://schemas.openxmlformats.org/officeDocument/2006/relationships" r:id="rId1"/>
+            <c:chart xmlns:c="http://schemas.openxmlformats.org/drawingml/2006/chart" xmlns:r="http://schemas.openxmlformats.org/officeDocument/2006/relationships" r:id="rId7"/>
           </a:graphicData>
         </a:graphic>
       </p:graphicFrame>
@@ -16296,7 +16488,14 @@
         <p:cNvGrpSpPr/>
         <p:nvPr/>
       </p:nvGrpSpPr>
-      <p:grpSpPr/>
+      <p:grpSpPr>
+        <a:xfrm>
+          <a:off x="0" y="0"/>
+          <a:ext cx="0" cy="0"/>
+          <a:chOff x="0" y="0"/>
+          <a:chExt cx="0" cy="0"/>
+        </a:xfrm>
+      </p:grpSpPr>
       <p:sp>
         <p:nvSpPr>
           <p:cNvPr id="7" name="Rectangle 6"/>
@@ -16339,6 +16538,7 @@
         </p:style>
         <p:txBody>
           <a:bodyPr rtlCol="0" anchor="ctr"/>
+          <a:lstStyle/>
           <a:p>
             <a:pPr algn="ctr"/>
             <a:endParaRPr lang="en-US">
@@ -16372,6 +16572,7 @@
               <a:lightRig rig="threePt" dir="t"/>
             </a:scene3d>
           </a:bodyPr>
+          <a:lstStyle/>
           <a:p>
             <a:pPr algn="ctr"/>
             <a:r>
@@ -16391,20 +16592,6 @@
               </a:rPr>
               <a:t>JUNO</a:t>
             </a:r>
-            <a:endParaRPr lang="en-US" altLang="en-US">
-              <a:solidFill>
-                <a:schemeClr val="bg1"/>
-              </a:solidFill>
-              <a:effectLst>
-                <a:outerShdw blurRad="38100" dist="19050" dir="2700000" algn="tl" rotWithShape="0">
-                  <a:schemeClr val="dk1">
-                    <a:alpha val="40000"/>
-                  </a:schemeClr>
-                </a:outerShdw>
-              </a:effectLst>
-              <a:latin typeface="Arial" panose="020B0604020202020204" pitchFamily="34" charset="0"/>
-              <a:cs typeface="Arial" panose="020B0604020202020204" pitchFamily="34" charset="0"/>
-            </a:endParaRPr>
           </a:p>
         </p:txBody>
       </p:sp>
@@ -16458,6 +16645,7 @@
           <a:bodyPr wrap="square" rtlCol="0">
             <a:spAutoFit/>
           </a:bodyPr>
+          <a:lstStyle/>
           <a:p>
             <a:pPr algn="ctr"/>
             <a:r>
@@ -16478,12 +16666,6 @@
               </a:rPr>
               <a:t>**</a:t>
             </a:r>
-            <a:endParaRPr lang="" altLang="en-US" sz="1200">
-              <a:solidFill>
-                <a:schemeClr val="bg1"/>
-              </a:solidFill>
-              <a:latin typeface="Arial" panose="020B0604020202020204" pitchFamily="34" charset="0"/>
-            </a:endParaRPr>
           </a:p>
         </p:txBody>
       </p:sp>
@@ -16496,7 +16678,7 @@
           <p:nvPr/>
         </p:nvPicPr>
         <p:blipFill>
-          <a:blip r:embed="rId1"/>
+          <a:blip r:embed="rId2"/>
           <a:stretch>
             <a:fillRect/>
           </a:stretch>
@@ -16552,6 +16734,7 @@
         </p:style>
         <p:txBody>
           <a:bodyPr rtlCol="0" anchor="ctr"/>
+          <a:lstStyle/>
           <a:p>
             <a:pPr algn="ctr"/>
             <a:endParaRPr lang="en-US">
@@ -16581,6 +16764,7 @@
           <a:bodyPr wrap="square" rtlCol="0">
             <a:spAutoFit/>
           </a:bodyPr>
+          <a:lstStyle/>
           <a:p>
             <a:pPr algn="ctr"/>
             <a:endParaRPr lang="en-US" altLang="en-US">
@@ -16601,12 +16785,6 @@
               </a:rPr>
               <a:t>现场概况</a:t>
             </a:r>
-            <a:endParaRPr lang="en-US" altLang="en-US">
-              <a:solidFill>
-                <a:schemeClr val="bg1"/>
-              </a:solidFill>
-              <a:latin typeface="Arial" panose="020B0604020202020204" pitchFamily="34" charset="0"/>
-            </a:endParaRPr>
           </a:p>
           <a:p>
             <a:pPr algn="ctr"/>
@@ -16628,12 +16806,6 @@
               </a:rPr>
               <a:t>运行管家</a:t>
             </a:r>
-            <a:endParaRPr lang="en-US" altLang="en-US">
-              <a:solidFill>
-                <a:schemeClr val="bg1"/>
-              </a:solidFill>
-              <a:latin typeface="Arial" panose="020B0604020202020204" pitchFamily="34" charset="0"/>
-            </a:endParaRPr>
           </a:p>
           <a:p>
             <a:pPr algn="ctr"/>
@@ -16655,12 +16827,6 @@
               </a:rPr>
               <a:t>数据库</a:t>
             </a:r>
-            <a:endParaRPr lang="en-US" altLang="en-US">
-              <a:solidFill>
-                <a:schemeClr val="bg1"/>
-              </a:solidFill>
-              <a:latin typeface="Arial" panose="020B0604020202020204" pitchFamily="34" charset="0"/>
-            </a:endParaRPr>
           </a:p>
           <a:p>
             <a:pPr algn="ctr"/>
@@ -16682,12 +16848,6 @@
               </a:rPr>
               <a:t>运行日志</a:t>
             </a:r>
-            <a:endParaRPr lang="en-US" altLang="en-US">
-              <a:solidFill>
-                <a:schemeClr val="bg1"/>
-              </a:solidFill>
-              <a:latin typeface="Arial" panose="020B0604020202020204" pitchFamily="34" charset="0"/>
-            </a:endParaRPr>
           </a:p>
           <a:p>
             <a:pPr algn="ctr"/>
@@ -16709,12 +16869,6 @@
               </a:rPr>
               <a:t>权限管理</a:t>
             </a:r>
-            <a:endParaRPr lang="en-US" altLang="en-US">
-              <a:solidFill>
-                <a:schemeClr val="bg1"/>
-              </a:solidFill>
-              <a:latin typeface="Arial" panose="020B0604020202020204" pitchFamily="34" charset="0"/>
-            </a:endParaRPr>
           </a:p>
           <a:p>
             <a:pPr algn="ctr"/>
@@ -16736,12 +16890,6 @@
               </a:rPr>
               <a:t>工艺展示</a:t>
             </a:r>
-            <a:endParaRPr lang="en-US" altLang="en-US">
-              <a:solidFill>
-                <a:schemeClr val="bg1"/>
-              </a:solidFill>
-              <a:latin typeface="Arial" panose="020B0604020202020204" pitchFamily="34" charset="0"/>
-            </a:endParaRPr>
           </a:p>
           <a:p>
             <a:pPr algn="ctr"/>
@@ -16763,7 +16911,7 @@
           <p:nvPr/>
         </p:nvPicPr>
         <p:blipFill>
-          <a:blip r:embed="rId2"/>
+          <a:blip r:embed="rId3"/>
           <a:stretch>
             <a:fillRect/>
           </a:stretch>
@@ -16795,7 +16943,14 @@
         <p:cNvGrpSpPr/>
         <p:nvPr/>
       </p:nvGrpSpPr>
-      <p:grpSpPr/>
+      <p:grpSpPr>
+        <a:xfrm>
+          <a:off x="0" y="0"/>
+          <a:ext cx="0" cy="0"/>
+          <a:chOff x="0" y="0"/>
+          <a:chExt cx="0" cy="0"/>
+        </a:xfrm>
+      </p:grpSpPr>
       <p:sp>
         <p:nvSpPr>
           <p:cNvPr id="7" name="Rectangle 6"/>
@@ -16838,6 +16993,7 @@
         </p:style>
         <p:txBody>
           <a:bodyPr rtlCol="0" anchor="ctr"/>
+          <a:lstStyle/>
           <a:p>
             <a:pPr algn="ctr"/>
             <a:endParaRPr lang="en-US">
@@ -16871,6 +17027,7 @@
               <a:lightRig rig="threePt" dir="t"/>
             </a:scene3d>
           </a:bodyPr>
+          <a:lstStyle/>
           <a:p>
             <a:pPr algn="ctr"/>
             <a:r>
@@ -16890,20 +17047,6 @@
               </a:rPr>
               <a:t>JUNO</a:t>
             </a:r>
-            <a:endParaRPr lang="en-US" altLang="en-US">
-              <a:solidFill>
-                <a:schemeClr val="bg1"/>
-              </a:solidFill>
-              <a:effectLst>
-                <a:outerShdw blurRad="38100" dist="19050" dir="2700000" algn="tl" rotWithShape="0">
-                  <a:schemeClr val="dk1">
-                    <a:alpha val="40000"/>
-                  </a:schemeClr>
-                </a:outerShdw>
-              </a:effectLst>
-              <a:latin typeface="Arial" panose="020B0604020202020204" pitchFamily="34" charset="0"/>
-              <a:cs typeface="Arial" panose="020B0604020202020204" pitchFamily="34" charset="0"/>
-            </a:endParaRPr>
           </a:p>
         </p:txBody>
       </p:sp>
@@ -16957,6 +17100,7 @@
           <a:bodyPr wrap="square" rtlCol="0">
             <a:spAutoFit/>
           </a:bodyPr>
+          <a:lstStyle/>
           <a:p>
             <a:pPr algn="ctr"/>
             <a:r>
@@ -16977,12 +17121,6 @@
               </a:rPr>
               <a:t>**</a:t>
             </a:r>
-            <a:endParaRPr lang="" altLang="en-US" sz="1200">
-              <a:solidFill>
-                <a:schemeClr val="bg1"/>
-              </a:solidFill>
-              <a:latin typeface="Arial" panose="020B0604020202020204" pitchFamily="34" charset="0"/>
-            </a:endParaRPr>
           </a:p>
         </p:txBody>
       </p:sp>
@@ -16995,7 +17133,7 @@
           <p:nvPr/>
         </p:nvPicPr>
         <p:blipFill>
-          <a:blip r:embed="rId1"/>
+          <a:blip r:embed="rId2"/>
           <a:stretch>
             <a:fillRect/>
           </a:stretch>
@@ -17051,6 +17189,7 @@
         </p:style>
         <p:txBody>
           <a:bodyPr rtlCol="0" anchor="ctr"/>
+          <a:lstStyle/>
           <a:p>
             <a:pPr algn="ctr"/>
             <a:endParaRPr lang="en-US">
@@ -17080,6 +17219,7 @@
           <a:bodyPr wrap="square" rtlCol="0">
             <a:spAutoFit/>
           </a:bodyPr>
+          <a:lstStyle/>
           <a:p>
             <a:pPr algn="ctr"/>
             <a:endParaRPr lang="en-US" altLang="en-US">
@@ -17100,12 +17240,6 @@
               </a:rPr>
               <a:t>现场概况</a:t>
             </a:r>
-            <a:endParaRPr lang="en-US" altLang="en-US">
-              <a:solidFill>
-                <a:schemeClr val="bg1"/>
-              </a:solidFill>
-              <a:latin typeface="Arial" panose="020B0604020202020204" pitchFamily="34" charset="0"/>
-            </a:endParaRPr>
           </a:p>
           <a:p>
             <a:pPr algn="ctr"/>
@@ -17127,12 +17261,6 @@
               </a:rPr>
               <a:t>运行管家</a:t>
             </a:r>
-            <a:endParaRPr lang="en-US" altLang="en-US">
-              <a:solidFill>
-                <a:schemeClr val="bg1"/>
-              </a:solidFill>
-              <a:latin typeface="Arial" panose="020B0604020202020204" pitchFamily="34" charset="0"/>
-            </a:endParaRPr>
           </a:p>
           <a:p>
             <a:pPr algn="ctr"/>
@@ -17154,12 +17282,6 @@
               </a:rPr>
               <a:t>数据库</a:t>
             </a:r>
-            <a:endParaRPr lang="en-US" altLang="en-US">
-              <a:solidFill>
-                <a:schemeClr val="bg1"/>
-              </a:solidFill>
-              <a:latin typeface="Arial" panose="020B0604020202020204" pitchFamily="34" charset="0"/>
-            </a:endParaRPr>
           </a:p>
           <a:p>
             <a:pPr algn="ctr"/>
@@ -17181,12 +17303,6 @@
               </a:rPr>
               <a:t>运行日志</a:t>
             </a:r>
-            <a:endParaRPr lang="en-US" altLang="en-US">
-              <a:solidFill>
-                <a:schemeClr val="bg1"/>
-              </a:solidFill>
-              <a:latin typeface="Arial" panose="020B0604020202020204" pitchFamily="34" charset="0"/>
-            </a:endParaRPr>
           </a:p>
           <a:p>
             <a:pPr algn="ctr"/>
@@ -17208,12 +17324,6 @@
               </a:rPr>
               <a:t>权限管理</a:t>
             </a:r>
-            <a:endParaRPr lang="en-US" altLang="en-US">
-              <a:solidFill>
-                <a:schemeClr val="bg1"/>
-              </a:solidFill>
-              <a:latin typeface="Arial" panose="020B0604020202020204" pitchFamily="34" charset="0"/>
-            </a:endParaRPr>
           </a:p>
           <a:p>
             <a:pPr algn="ctr"/>
@@ -17235,12 +17345,6 @@
               </a:rPr>
               <a:t>工艺展示</a:t>
             </a:r>
-            <a:endParaRPr lang="en-US" altLang="en-US">
-              <a:solidFill>
-                <a:schemeClr val="bg1"/>
-              </a:solidFill>
-              <a:latin typeface="Arial" panose="020B0604020202020204" pitchFamily="34" charset="0"/>
-            </a:endParaRPr>
           </a:p>
           <a:p>
             <a:pPr algn="ctr"/>
@@ -17262,7 +17366,7 @@
           <p:nvPr/>
         </p:nvPicPr>
         <p:blipFill>
-          <a:blip r:embed="rId2"/>
+          <a:blip r:embed="rId3"/>
           <a:stretch>
             <a:fillRect/>
           </a:stretch>
@@ -17294,7 +17398,14 @@
         <p:cNvGrpSpPr/>
         <p:nvPr/>
       </p:nvGrpSpPr>
-      <p:grpSpPr/>
+      <p:grpSpPr>
+        <a:xfrm>
+          <a:off x="0" y="0"/>
+          <a:ext cx="0" cy="0"/>
+          <a:chOff x="0" y="0"/>
+          <a:chExt cx="0" cy="0"/>
+        </a:xfrm>
+      </p:grpSpPr>
       <p:sp>
         <p:nvSpPr>
           <p:cNvPr id="7" name="Rectangle 6"/>
@@ -17337,6 +17448,7 @@
         </p:style>
         <p:txBody>
           <a:bodyPr rtlCol="0" anchor="ctr"/>
+          <a:lstStyle/>
           <a:p>
             <a:pPr algn="ctr"/>
             <a:endParaRPr lang="en-US">
@@ -17370,6 +17482,7 @@
               <a:lightRig rig="threePt" dir="t"/>
             </a:scene3d>
           </a:bodyPr>
+          <a:lstStyle/>
           <a:p>
             <a:pPr algn="ctr"/>
             <a:r>
@@ -17389,20 +17502,6 @@
               </a:rPr>
               <a:t>JUNO</a:t>
             </a:r>
-            <a:endParaRPr lang="en-US" altLang="en-US">
-              <a:solidFill>
-                <a:schemeClr val="bg1"/>
-              </a:solidFill>
-              <a:effectLst>
-                <a:outerShdw blurRad="38100" dist="19050" dir="2700000" algn="tl" rotWithShape="0">
-                  <a:schemeClr val="dk1">
-                    <a:alpha val="40000"/>
-                  </a:schemeClr>
-                </a:outerShdw>
-              </a:effectLst>
-              <a:latin typeface="Arial" panose="020B0604020202020204" pitchFamily="34" charset="0"/>
-              <a:cs typeface="Arial" panose="020B0604020202020204" pitchFamily="34" charset="0"/>
-            </a:endParaRPr>
           </a:p>
         </p:txBody>
       </p:sp>
@@ -17456,6 +17555,7 @@
           <a:bodyPr wrap="square" rtlCol="0">
             <a:spAutoFit/>
           </a:bodyPr>
+          <a:lstStyle/>
           <a:p>
             <a:pPr algn="ctr"/>
             <a:r>
@@ -17476,12 +17576,6 @@
               </a:rPr>
               <a:t>**</a:t>
             </a:r>
-            <a:endParaRPr lang="" altLang="en-US" sz="1200">
-              <a:solidFill>
-                <a:schemeClr val="bg1"/>
-              </a:solidFill>
-              <a:latin typeface="Arial" panose="020B0604020202020204" pitchFamily="34" charset="0"/>
-            </a:endParaRPr>
           </a:p>
         </p:txBody>
       </p:sp>
@@ -17494,7 +17588,7 @@
           <p:nvPr/>
         </p:nvPicPr>
         <p:blipFill>
-          <a:blip r:embed="rId1"/>
+          <a:blip r:embed="rId2"/>
           <a:stretch>
             <a:fillRect/>
           </a:stretch>
@@ -17550,6 +17644,7 @@
         </p:style>
         <p:txBody>
           <a:bodyPr rtlCol="0" anchor="ctr"/>
+          <a:lstStyle/>
           <a:p>
             <a:pPr algn="ctr"/>
             <a:endParaRPr lang="en-US">
@@ -17579,6 +17674,7 @@
           <a:bodyPr wrap="square" rtlCol="0">
             <a:spAutoFit/>
           </a:bodyPr>
+          <a:lstStyle/>
           <a:p>
             <a:pPr algn="ctr"/>
             <a:endParaRPr lang="en-US" altLang="en-US">
@@ -17599,12 +17695,6 @@
               </a:rPr>
               <a:t>现场概况</a:t>
             </a:r>
-            <a:endParaRPr lang="en-US" altLang="en-US">
-              <a:solidFill>
-                <a:schemeClr val="bg1"/>
-              </a:solidFill>
-              <a:latin typeface="Arial" panose="020B0604020202020204" pitchFamily="34" charset="0"/>
-            </a:endParaRPr>
           </a:p>
           <a:p>
             <a:pPr algn="ctr"/>
@@ -17626,12 +17716,6 @@
               </a:rPr>
               <a:t>运行管家</a:t>
             </a:r>
-            <a:endParaRPr lang="en-US" altLang="en-US">
-              <a:solidFill>
-                <a:schemeClr val="bg1"/>
-              </a:solidFill>
-              <a:latin typeface="Arial" panose="020B0604020202020204" pitchFamily="34" charset="0"/>
-            </a:endParaRPr>
           </a:p>
           <a:p>
             <a:pPr algn="ctr"/>
@@ -17653,12 +17737,6 @@
               </a:rPr>
               <a:t>数据库</a:t>
             </a:r>
-            <a:endParaRPr lang="en-US" altLang="en-US">
-              <a:solidFill>
-                <a:schemeClr val="bg1"/>
-              </a:solidFill>
-              <a:latin typeface="Arial" panose="020B0604020202020204" pitchFamily="34" charset="0"/>
-            </a:endParaRPr>
           </a:p>
           <a:p>
             <a:pPr algn="ctr"/>
@@ -17680,12 +17758,6 @@
               </a:rPr>
               <a:t>运行日志</a:t>
             </a:r>
-            <a:endParaRPr lang="en-US" altLang="en-US">
-              <a:solidFill>
-                <a:schemeClr val="bg1"/>
-              </a:solidFill>
-              <a:latin typeface="Arial" panose="020B0604020202020204" pitchFamily="34" charset="0"/>
-            </a:endParaRPr>
           </a:p>
           <a:p>
             <a:pPr algn="ctr"/>
@@ -17707,12 +17779,6 @@
               </a:rPr>
               <a:t>权限管理</a:t>
             </a:r>
-            <a:endParaRPr lang="en-US" altLang="en-US">
-              <a:solidFill>
-                <a:schemeClr val="bg1"/>
-              </a:solidFill>
-              <a:latin typeface="Arial" panose="020B0604020202020204" pitchFamily="34" charset="0"/>
-            </a:endParaRPr>
           </a:p>
           <a:p>
             <a:pPr algn="ctr"/>
@@ -17734,12 +17800,6 @@
               </a:rPr>
               <a:t>工艺展示</a:t>
             </a:r>
-            <a:endParaRPr lang="en-US" altLang="en-US">
-              <a:solidFill>
-                <a:schemeClr val="bg1"/>
-              </a:solidFill>
-              <a:latin typeface="Arial" panose="020B0604020202020204" pitchFamily="34" charset="0"/>
-            </a:endParaRPr>
           </a:p>
           <a:p>
             <a:pPr algn="ctr"/>
@@ -17761,7 +17821,7 @@
           <p:nvPr/>
         </p:nvPicPr>
         <p:blipFill>
-          <a:blip r:embed="rId2"/>
+          <a:blip r:embed="rId3"/>
           <a:stretch>
             <a:fillRect/>
           </a:stretch>
@@ -18035,6 +18095,8 @@
       </a:bgFillStyleLst>
     </a:fmtScheme>
   </a:themeElements>
+  <a:objectDefaults/>
+  <a:extraClrSchemeLst/>
   <a:extLst>
     <a:ext uri="{05A4C25C-085E-4340-85A3-A5531E510DB2}">
       <thm15:themeFamily xmlns:thm15="http://schemas.microsoft.com/office/thememl/2012/main" name="Office Theme" id="{62F939B6-93AF-4DB8-9C6B-D6C7DFDC589F}" vid="{4A3C46E8-61CC-4603-A589-7422A47A8E4A}"/>
@@ -18294,6 +18356,8 @@
       </a:bgFillStyleLst>
     </a:fmtScheme>
   </a:themeElements>
+  <a:objectDefaults/>
+  <a:extraClrSchemeLst/>
   <a:extLst>
     <a:ext uri="{05A4C25C-085E-4340-85A3-A5531E510DB2}">
       <thm15:themeFamily xmlns:thm15="http://schemas.microsoft.com/office/thememl/2012/main" name="Office Theme" id="{62F939B6-93AF-4DB8-9C6B-D6C7DFDC589F}" vid="{4A3C46E8-61CC-4603-A589-7422A47A8E4A}"/>
@@ -18553,6 +18617,8 @@
       </a:bgFillStyleLst>
     </a:fmtScheme>
   </a:themeElements>
+  <a:objectDefaults/>
+  <a:extraClrSchemeLst/>
   <a:extLst>
     <a:ext uri="{05A4C25C-085E-4340-85A3-A5531E510DB2}">
       <thm15:themeFamily xmlns:thm15="http://schemas.microsoft.com/office/thememl/2012/main" name="Office Theme" id="{62F939B6-93AF-4DB8-9C6B-D6C7DFDC589F}" vid="{4A3C46E8-61CC-4603-A589-7422A47A8E4A}"/>
